--- a/Eindpresentatie.pptx
+++ b/Eindpresentatie.pptx
@@ -5,7 +5,7 @@
     <p:sldMasterId id="2147483648" r:id="rId1"/>
   </p:sldMasterIdLst>
   <p:notesMasterIdLst>
-    <p:notesMasterId r:id="rId18"/>
+    <p:notesMasterId r:id="rId23"/>
   </p:notesMasterIdLst>
   <p:sldIdLst>
     <p:sldId id="256" r:id="rId2"/>
@@ -19,11 +19,16 @@
     <p:sldId id="304" r:id="rId10"/>
     <p:sldId id="306" r:id="rId11"/>
     <p:sldId id="261" r:id="rId12"/>
-    <p:sldId id="316" r:id="rId13"/>
-    <p:sldId id="311" r:id="rId14"/>
-    <p:sldId id="317" r:id="rId15"/>
-    <p:sldId id="308" r:id="rId16"/>
-    <p:sldId id="310" r:id="rId17"/>
+    <p:sldId id="318" r:id="rId13"/>
+    <p:sldId id="320" r:id="rId14"/>
+    <p:sldId id="319" r:id="rId15"/>
+    <p:sldId id="316" r:id="rId16"/>
+    <p:sldId id="321" r:id="rId17"/>
+    <p:sldId id="323" r:id="rId18"/>
+    <p:sldId id="322" r:id="rId19"/>
+    <p:sldId id="317" r:id="rId20"/>
+    <p:sldId id="324" r:id="rId21"/>
+    <p:sldId id="310" r:id="rId22"/>
   </p:sldIdLst>
   <p:sldSz cx="12192000" cy="6858000"/>
   <p:notesSz cx="6858000" cy="9144000"/>
@@ -526,7 +531,413 @@
           <a:p>
             <a:r>
               <a:rPr lang="nl-NL" dirty="0"/>
-              <a:t>What is important to see on this figure is:</a:t>
+              <a:t>This sytstem and design needs to hold the following important parameters:</a:t>
+            </a:r>
+          </a:p>
+          <a:p>
+            <a:endParaRPr lang="nl-NL" dirty="0"/>
+          </a:p>
+          <a:p>
+            <a:pPr marL="171450" indent="-171450">
+              <a:buFont typeface="Arial" panose="020B0604020202020204" pitchFamily="34" charset="0"/>
+              <a:buChar char="•"/>
+            </a:pPr>
+            <a:r>
+              <a:rPr lang="en-US" dirty="0"/>
+              <a:t>The drinking water company needs to extract a total of 40,000 m3 of drinking water during the summer months of July and August. </a:t>
+            </a:r>
+          </a:p>
+          <a:p>
+            <a:pPr marL="171450" indent="-171450">
+              <a:buFont typeface="Arial" panose="020B0604020202020204" pitchFamily="34" charset="0"/>
+              <a:buChar char="•"/>
+            </a:pPr>
+            <a:r>
+              <a:rPr lang="en-US" dirty="0"/>
+              <a:t>A time schedule for injection, extraction and, if necessary, storage. </a:t>
+            </a:r>
+          </a:p>
+          <a:p>
+            <a:pPr marL="171450" indent="-171450">
+              <a:buFont typeface="Arial" panose="020B0604020202020204" pitchFamily="34" charset="0"/>
+              <a:buChar char="•"/>
+            </a:pPr>
+            <a:r>
+              <a:rPr lang="en-US" dirty="0"/>
+              <a:t>The waste of injected drinking water needs to be as small as possible. </a:t>
+            </a:r>
+          </a:p>
+          <a:p>
+            <a:pPr marL="171450" indent="-171450">
+              <a:buFont typeface="Arial" panose="020B0604020202020204" pitchFamily="34" charset="0"/>
+              <a:buChar char="•"/>
+            </a:pPr>
+            <a:r>
+              <a:rPr lang="en-US" dirty="0"/>
+              <a:t>The system needs to meet the guidelines for injection pressure and maximum velocity during extraction. • The ASR system can function for at least 10 years with possibly a start-up year when the extracted volume is smaller. </a:t>
+            </a:r>
+          </a:p>
+        </p:txBody>
+      </p:sp>
+      <p:sp>
+        <p:nvSpPr>
+          <p:cNvPr id="4" name="Slide Number Placeholder 3"/>
+          <p:cNvSpPr>
+            <a:spLocks noGrp="1"/>
+          </p:cNvSpPr>
+          <p:nvPr>
+            <p:ph type="sldNum" sz="quarter" idx="5"/>
+          </p:nvPr>
+        </p:nvSpPr>
+        <p:spPr/>
+        <p:txBody>
+          <a:bodyPr/>
+          <a:lstStyle/>
+          <a:p>
+            <a:fld id="{C28101FB-427A-49CD-9AED-368896EE5BDA}" type="slidenum">
+              <a:rPr lang="nl-NL" smtClean="0"/>
+              <a:t>2</a:t>
+            </a:fld>
+            <a:endParaRPr lang="nl-NL"/>
+          </a:p>
+        </p:txBody>
+      </p:sp>
+    </p:spTree>
+    <p:extLst>
+      <p:ext uri="{BB962C8B-B14F-4D97-AF65-F5344CB8AC3E}">
+        <p14:creationId xmlns:p14="http://schemas.microsoft.com/office/powerpoint/2010/main" val="3293137711"/>
+      </p:ext>
+    </p:extLst>
+  </p:cSld>
+  <p:clrMapOvr>
+    <a:masterClrMapping/>
+  </p:clrMapOvr>
+</p:notes>
+</file>
+
+<file path=ppt/notesSlides/notesSlide10.xml><?xml version="1.0" encoding="utf-8"?>
+<p:notes xmlns:a="http://schemas.openxmlformats.org/drawingml/2006/main" xmlns:r="http://schemas.openxmlformats.org/officeDocument/2006/relationships" xmlns:p="http://schemas.openxmlformats.org/presentationml/2006/main">
+  <p:cSld>
+    <p:spTree>
+      <p:nvGrpSpPr>
+        <p:cNvPr id="1" name=""/>
+        <p:cNvGrpSpPr/>
+        <p:nvPr/>
+      </p:nvGrpSpPr>
+      <p:grpSpPr>
+        <a:xfrm>
+          <a:off x="0" y="0"/>
+          <a:ext cx="0" cy="0"/>
+          <a:chOff x="0" y="0"/>
+          <a:chExt cx="0" cy="0"/>
+        </a:xfrm>
+      </p:grpSpPr>
+      <p:sp>
+        <p:nvSpPr>
+          <p:cNvPr id="2" name="Slide Image Placeholder 1"/>
+          <p:cNvSpPr>
+            <a:spLocks noGrp="1" noRot="1" noChangeAspect="1"/>
+          </p:cNvSpPr>
+          <p:nvPr>
+            <p:ph type="sldImg"/>
+          </p:nvPr>
+        </p:nvSpPr>
+        <p:spPr/>
+      </p:sp>
+      <p:sp>
+        <p:nvSpPr>
+          <p:cNvPr id="3" name="Notes Placeholder 2"/>
+          <p:cNvSpPr>
+            <a:spLocks noGrp="1"/>
+          </p:cNvSpPr>
+          <p:nvPr>
+            <p:ph type="body" idx="1"/>
+          </p:nvPr>
+        </p:nvSpPr>
+        <p:spPr/>
+        <p:txBody>
+          <a:bodyPr/>
+          <a:lstStyle/>
+          <a:p>
+            <a:pPr marL="171450" indent="-171450">
+              <a:buFont typeface="Arial" panose="020B0604020202020204" pitchFamily="34" charset="0"/>
+              <a:buChar char="•"/>
+            </a:pPr>
+            <a:r>
+              <a:rPr lang="nl-NL" dirty="0"/>
+              <a:t>Setting the final conditions of the first year as initial conditions of the second year</a:t>
+            </a:r>
+          </a:p>
+          <a:p>
+            <a:pPr marL="171450" indent="-171450">
+              <a:buFont typeface="Arial" panose="020B0604020202020204" pitchFamily="34" charset="0"/>
+              <a:buChar char="•"/>
+            </a:pPr>
+            <a:r>
+              <a:rPr lang="nl-NL" dirty="0"/>
+              <a:t>Efficiency is higher, because it creates a transition area from fresh to brackish water</a:t>
+            </a:r>
+          </a:p>
+          <a:p>
+            <a:pPr marL="171450" indent="-171450">
+              <a:buFont typeface="Arial" panose="020B0604020202020204" pitchFamily="34" charset="0"/>
+              <a:buChar char="•"/>
+            </a:pPr>
+            <a:r>
+              <a:rPr lang="nl-NL" dirty="0"/>
+              <a:t>1.25 is set so that from the second year the design value is met</a:t>
+            </a:r>
+          </a:p>
+        </p:txBody>
+      </p:sp>
+      <p:sp>
+        <p:nvSpPr>
+          <p:cNvPr id="4" name="Slide Number Placeholder 3"/>
+          <p:cNvSpPr>
+            <a:spLocks noGrp="1"/>
+          </p:cNvSpPr>
+          <p:nvPr>
+            <p:ph type="sldNum" sz="quarter" idx="5"/>
+          </p:nvPr>
+        </p:nvSpPr>
+        <p:spPr/>
+        <p:txBody>
+          <a:bodyPr/>
+          <a:lstStyle/>
+          <a:p>
+            <a:fld id="{C28101FB-427A-49CD-9AED-368896EE5BDA}" type="slidenum">
+              <a:rPr lang="nl-NL" smtClean="0"/>
+              <a:t>13</a:t>
+            </a:fld>
+            <a:endParaRPr lang="nl-NL"/>
+          </a:p>
+        </p:txBody>
+      </p:sp>
+    </p:spTree>
+    <p:extLst>
+      <p:ext uri="{BB962C8B-B14F-4D97-AF65-F5344CB8AC3E}">
+        <p14:creationId xmlns:p14="http://schemas.microsoft.com/office/powerpoint/2010/main" val="1395860833"/>
+      </p:ext>
+    </p:extLst>
+  </p:cSld>
+  <p:clrMapOvr>
+    <a:masterClrMapping/>
+  </p:clrMapOvr>
+</p:notes>
+</file>
+
+<file path=ppt/notesSlides/notesSlide11.xml><?xml version="1.0" encoding="utf-8"?>
+<p:notes xmlns:a="http://schemas.openxmlformats.org/drawingml/2006/main" xmlns:r="http://schemas.openxmlformats.org/officeDocument/2006/relationships" xmlns:p="http://schemas.openxmlformats.org/presentationml/2006/main">
+  <p:cSld>
+    <p:spTree>
+      <p:nvGrpSpPr>
+        <p:cNvPr id="1" name=""/>
+        <p:cNvGrpSpPr/>
+        <p:nvPr/>
+      </p:nvGrpSpPr>
+      <p:grpSpPr>
+        <a:xfrm>
+          <a:off x="0" y="0"/>
+          <a:ext cx="0" cy="0"/>
+          <a:chOff x="0" y="0"/>
+          <a:chExt cx="0" cy="0"/>
+        </a:xfrm>
+      </p:grpSpPr>
+      <p:sp>
+        <p:nvSpPr>
+          <p:cNvPr id="2" name="Slide Image Placeholder 1"/>
+          <p:cNvSpPr>
+            <a:spLocks noGrp="1" noRot="1" noChangeAspect="1"/>
+          </p:cNvSpPr>
+          <p:nvPr>
+            <p:ph type="sldImg"/>
+          </p:nvPr>
+        </p:nvSpPr>
+        <p:spPr/>
+      </p:sp>
+      <p:sp>
+        <p:nvSpPr>
+          <p:cNvPr id="3" name="Notes Placeholder 2"/>
+          <p:cNvSpPr>
+            <a:spLocks noGrp="1"/>
+          </p:cNvSpPr>
+          <p:nvPr>
+            <p:ph type="body" idx="1"/>
+          </p:nvPr>
+        </p:nvSpPr>
+        <p:spPr/>
+        <p:txBody>
+          <a:bodyPr/>
+          <a:lstStyle/>
+          <a:p>
+            <a:pPr marL="171450" indent="-171450">
+              <a:buFont typeface="Arial" panose="020B0604020202020204" pitchFamily="34" charset="0"/>
+              <a:buChar char="•"/>
+            </a:pPr>
+            <a:r>
+              <a:rPr lang="nl-NL" dirty="0"/>
+              <a:t>Because efficiency increases, the injection volume can reduce over time to cut down waste water</a:t>
+            </a:r>
+          </a:p>
+          <a:p>
+            <a:pPr marL="171450" indent="-171450">
+              <a:buFont typeface="Arial" panose="020B0604020202020204" pitchFamily="34" charset="0"/>
+              <a:buChar char="•"/>
+            </a:pPr>
+            <a:r>
+              <a:rPr lang="nl-NL" dirty="0"/>
+              <a:t>Updated manually, minimsation scheme was not used due to the time it needs to run</a:t>
+            </a:r>
+          </a:p>
+          <a:p>
+            <a:pPr marL="171450" indent="-171450">
+              <a:buFont typeface="Arial" panose="020B0604020202020204" pitchFamily="34" charset="0"/>
+              <a:buChar char="•"/>
+            </a:pPr>
+            <a:r>
+              <a:rPr lang="nl-NL" dirty="0"/>
+              <a:t>After 10 years effeciency almost levels off</a:t>
+            </a:r>
+          </a:p>
+          <a:p>
+            <a:pPr marL="171450" indent="-171450">
+              <a:buFont typeface="Arial" panose="020B0604020202020204" pitchFamily="34" charset="0"/>
+              <a:buChar char="•"/>
+            </a:pPr>
+            <a:r>
+              <a:rPr lang="nl-NL" dirty="0"/>
+              <a:t>Loss will be eminent</a:t>
+            </a:r>
+          </a:p>
+        </p:txBody>
+      </p:sp>
+      <p:sp>
+        <p:nvSpPr>
+          <p:cNvPr id="4" name="Slide Number Placeholder 3"/>
+          <p:cNvSpPr>
+            <a:spLocks noGrp="1"/>
+          </p:cNvSpPr>
+          <p:nvPr>
+            <p:ph type="sldNum" sz="quarter" idx="5"/>
+          </p:nvPr>
+        </p:nvSpPr>
+        <p:spPr/>
+        <p:txBody>
+          <a:bodyPr/>
+          <a:lstStyle/>
+          <a:p>
+            <a:fld id="{C28101FB-427A-49CD-9AED-368896EE5BDA}" type="slidenum">
+              <a:rPr lang="nl-NL" smtClean="0"/>
+              <a:t>14</a:t>
+            </a:fld>
+            <a:endParaRPr lang="nl-NL"/>
+          </a:p>
+        </p:txBody>
+      </p:sp>
+    </p:spTree>
+    <p:extLst>
+      <p:ext uri="{BB962C8B-B14F-4D97-AF65-F5344CB8AC3E}">
+        <p14:creationId xmlns:p14="http://schemas.microsoft.com/office/powerpoint/2010/main" val="2913122913"/>
+      </p:ext>
+    </p:extLst>
+  </p:cSld>
+  <p:clrMapOvr>
+    <a:masterClrMapping/>
+  </p:clrMapOvr>
+</p:notes>
+</file>
+
+<file path=ppt/notesSlides/notesSlide12.xml><?xml version="1.0" encoding="utf-8"?>
+<p:notes xmlns:a="http://schemas.openxmlformats.org/drawingml/2006/main" xmlns:r="http://schemas.openxmlformats.org/officeDocument/2006/relationships" xmlns:p="http://schemas.openxmlformats.org/presentationml/2006/main">
+  <p:cSld>
+    <p:spTree>
+      <p:nvGrpSpPr>
+        <p:cNvPr id="1" name=""/>
+        <p:cNvGrpSpPr/>
+        <p:nvPr/>
+      </p:nvGrpSpPr>
+      <p:grpSpPr>
+        <a:xfrm>
+          <a:off x="0" y="0"/>
+          <a:ext cx="0" cy="0"/>
+          <a:chOff x="0" y="0"/>
+          <a:chExt cx="0" cy="0"/>
+        </a:xfrm>
+      </p:grpSpPr>
+      <p:sp>
+        <p:nvSpPr>
+          <p:cNvPr id="2" name="Slide Image Placeholder 1"/>
+          <p:cNvSpPr>
+            <a:spLocks noGrp="1" noRot="1" noChangeAspect="1"/>
+          </p:cNvSpPr>
+          <p:nvPr>
+            <p:ph type="sldImg"/>
+          </p:nvPr>
+        </p:nvSpPr>
+        <p:spPr/>
+      </p:sp>
+      <p:sp>
+        <p:nvSpPr>
+          <p:cNvPr id="3" name="Notes Placeholder 2"/>
+          <p:cNvSpPr>
+            <a:spLocks noGrp="1"/>
+          </p:cNvSpPr>
+          <p:nvPr>
+            <p:ph type="body" idx="1"/>
+          </p:nvPr>
+        </p:nvSpPr>
+        <p:spPr/>
+        <p:txBody>
+          <a:bodyPr/>
+          <a:lstStyle/>
+          <a:p>
+            <a:pPr marL="171450" indent="-171450">
+              <a:buFont typeface="Arial" panose="020B0604020202020204" pitchFamily="34" charset="0"/>
+              <a:buChar char="•"/>
+            </a:pPr>
+            <a:r>
+              <a:rPr lang="nl-NL" dirty="0"/>
+              <a:t>Hydraulic conductivity varies from 10 to 50 m/d</a:t>
+            </a:r>
+          </a:p>
+          <a:p>
+            <a:pPr marL="171450" indent="-171450">
+              <a:buFont typeface="Arial" panose="020B0604020202020204" pitchFamily="34" charset="0"/>
+              <a:buChar char="•"/>
+            </a:pPr>
+            <a:r>
+              <a:rPr lang="nl-NL" dirty="0"/>
+              <a:t>Porosity can vary from 0.25 to 0.45</a:t>
+            </a:r>
+          </a:p>
+          <a:p>
+            <a:pPr marL="171450" indent="-171450">
+              <a:buFont typeface="Arial" panose="020B0604020202020204" pitchFamily="34" charset="0"/>
+              <a:buChar char="•"/>
+            </a:pPr>
+            <a:r>
+              <a:rPr lang="nl-NL" dirty="0"/>
+              <a:t>Simplification: constant injection volume every year is used</a:t>
+            </a:r>
+          </a:p>
+          <a:p>
+            <a:pPr marL="171450" indent="-171450">
+              <a:buFont typeface="Arial" panose="020B0604020202020204" pitchFamily="34" charset="0"/>
+              <a:buChar char="•"/>
+            </a:pPr>
+            <a:r>
+              <a:rPr lang="nl-NL" dirty="0"/>
+              <a:t>Higher porosity is lower efficiency</a:t>
+            </a:r>
+          </a:p>
+          <a:p>
+            <a:pPr marL="171450" indent="-171450">
+              <a:buFont typeface="Arial" panose="020B0604020202020204" pitchFamily="34" charset="0"/>
+              <a:buChar char="•"/>
+            </a:pPr>
+            <a:r>
+              <a:rPr lang="nl-NL" dirty="0"/>
+              <a:t>Hydraulic conductivity has only effect on the response of groundwater heads</a:t>
             </a:r>
           </a:p>
           <a:p>
@@ -555,7 +966,7 @@
           <a:p>
             <a:fld id="{C28101FB-427A-49CD-9AED-368896EE5BDA}" type="slidenum">
               <a:rPr lang="nl-NL" smtClean="0"/>
-              <a:t>4</a:t>
+              <a:t>16</a:t>
             </a:fld>
             <a:endParaRPr lang="nl-NL"/>
           </a:p>
@@ -564,7 +975,587 @@
     </p:spTree>
     <p:extLst>
       <p:ext uri="{BB962C8B-B14F-4D97-AF65-F5344CB8AC3E}">
-        <p14:creationId xmlns:p14="http://schemas.microsoft.com/office/powerpoint/2010/main" val="212875993"/>
+        <p14:creationId xmlns:p14="http://schemas.microsoft.com/office/powerpoint/2010/main" val="2262430905"/>
+      </p:ext>
+    </p:extLst>
+  </p:cSld>
+  <p:clrMapOvr>
+    <a:masterClrMapping/>
+  </p:clrMapOvr>
+</p:notes>
+</file>
+
+<file path=ppt/notesSlides/notesSlide13.xml><?xml version="1.0" encoding="utf-8"?>
+<p:notes xmlns:a="http://schemas.openxmlformats.org/drawingml/2006/main" xmlns:r="http://schemas.openxmlformats.org/officeDocument/2006/relationships" xmlns:p="http://schemas.openxmlformats.org/presentationml/2006/main">
+  <p:cSld>
+    <p:spTree>
+      <p:nvGrpSpPr>
+        <p:cNvPr id="1" name=""/>
+        <p:cNvGrpSpPr/>
+        <p:nvPr/>
+      </p:nvGrpSpPr>
+      <p:grpSpPr>
+        <a:xfrm>
+          <a:off x="0" y="0"/>
+          <a:ext cx="0" cy="0"/>
+          <a:chOff x="0" y="0"/>
+          <a:chExt cx="0" cy="0"/>
+        </a:xfrm>
+      </p:grpSpPr>
+      <p:sp>
+        <p:nvSpPr>
+          <p:cNvPr id="2" name="Slide Image Placeholder 1"/>
+          <p:cNvSpPr>
+            <a:spLocks noGrp="1" noRot="1" noChangeAspect="1"/>
+          </p:cNvSpPr>
+          <p:nvPr>
+            <p:ph type="sldImg"/>
+          </p:nvPr>
+        </p:nvSpPr>
+        <p:spPr/>
+      </p:sp>
+      <p:sp>
+        <p:nvSpPr>
+          <p:cNvPr id="3" name="Notes Placeholder 2"/>
+          <p:cNvSpPr>
+            <a:spLocks noGrp="1"/>
+          </p:cNvSpPr>
+          <p:nvPr>
+            <p:ph type="body" idx="1"/>
+          </p:nvPr>
+        </p:nvSpPr>
+        <p:spPr/>
+        <p:txBody>
+          <a:bodyPr/>
+          <a:lstStyle/>
+          <a:p>
+            <a:pPr marL="171450" indent="-171450">
+              <a:buFont typeface="Arial" panose="020B0604020202020204" pitchFamily="34" charset="0"/>
+              <a:buChar char="•"/>
+            </a:pPr>
+            <a:r>
+              <a:rPr lang="nl-NL" dirty="0"/>
+              <a:t>Dispersivity ranges from 0.5 to 2</a:t>
+            </a:r>
+          </a:p>
+          <a:p>
+            <a:pPr marL="171450" indent="-171450">
+              <a:buFont typeface="Arial" panose="020B0604020202020204" pitchFamily="34" charset="0"/>
+              <a:buChar char="•"/>
+            </a:pPr>
+            <a:r>
+              <a:rPr lang="nl-NL" dirty="0"/>
+              <a:t>Higher value of dispersivity is a lower effciency </a:t>
+            </a:r>
+          </a:p>
+          <a:p>
+            <a:pPr marL="171450" indent="-171450">
+              <a:buFont typeface="Arial" panose="020B0604020202020204" pitchFamily="34" charset="0"/>
+              <a:buChar char="•"/>
+            </a:pPr>
+            <a:r>
+              <a:rPr lang="nl-NL" dirty="0"/>
+              <a:t>Parameters keep an asymptotic profile</a:t>
+            </a:r>
+          </a:p>
+          <a:p>
+            <a:pPr marL="171450" indent="-171450">
+              <a:buFont typeface="Arial" panose="020B0604020202020204" pitchFamily="34" charset="0"/>
+              <a:buChar char="•"/>
+            </a:pPr>
+            <a:r>
+              <a:rPr lang="en-US" dirty="0"/>
+              <a:t>Some combination of parameters are shifted down, but these can likely be compensated </a:t>
+            </a:r>
+            <a:r>
+              <a:rPr lang="en-US" dirty="0" err="1"/>
+              <a:t>throught</a:t>
+            </a:r>
+            <a:r>
+              <a:rPr lang="en-US" dirty="0"/>
+              <a:t> the injection scheme proposed.</a:t>
+            </a:r>
+            <a:endParaRPr lang="nl-NL" dirty="0"/>
+          </a:p>
+        </p:txBody>
+      </p:sp>
+      <p:sp>
+        <p:nvSpPr>
+          <p:cNvPr id="4" name="Slide Number Placeholder 3"/>
+          <p:cNvSpPr>
+            <a:spLocks noGrp="1"/>
+          </p:cNvSpPr>
+          <p:nvPr>
+            <p:ph type="sldNum" sz="quarter" idx="5"/>
+          </p:nvPr>
+        </p:nvSpPr>
+        <p:spPr/>
+        <p:txBody>
+          <a:bodyPr/>
+          <a:lstStyle/>
+          <a:p>
+            <a:fld id="{C28101FB-427A-49CD-9AED-368896EE5BDA}" type="slidenum">
+              <a:rPr lang="nl-NL" smtClean="0"/>
+              <a:t>17</a:t>
+            </a:fld>
+            <a:endParaRPr lang="nl-NL"/>
+          </a:p>
+        </p:txBody>
+      </p:sp>
+    </p:spTree>
+    <p:extLst>
+      <p:ext uri="{BB962C8B-B14F-4D97-AF65-F5344CB8AC3E}">
+        <p14:creationId xmlns:p14="http://schemas.microsoft.com/office/powerpoint/2010/main" val="164598834"/>
+      </p:ext>
+    </p:extLst>
+  </p:cSld>
+  <p:clrMapOvr>
+    <a:masterClrMapping/>
+  </p:clrMapOvr>
+</p:notes>
+</file>
+
+<file path=ppt/notesSlides/notesSlide14.xml><?xml version="1.0" encoding="utf-8"?>
+<p:notes xmlns:a="http://schemas.openxmlformats.org/drawingml/2006/main" xmlns:r="http://schemas.openxmlformats.org/officeDocument/2006/relationships" xmlns:p="http://schemas.openxmlformats.org/presentationml/2006/main">
+  <p:cSld>
+    <p:spTree>
+      <p:nvGrpSpPr>
+        <p:cNvPr id="1" name=""/>
+        <p:cNvGrpSpPr/>
+        <p:nvPr/>
+      </p:nvGrpSpPr>
+      <p:grpSpPr>
+        <a:xfrm>
+          <a:off x="0" y="0"/>
+          <a:ext cx="0" cy="0"/>
+          <a:chOff x="0" y="0"/>
+          <a:chExt cx="0" cy="0"/>
+        </a:xfrm>
+      </p:grpSpPr>
+      <p:sp>
+        <p:nvSpPr>
+          <p:cNvPr id="2" name="Slide Image Placeholder 1"/>
+          <p:cNvSpPr>
+            <a:spLocks noGrp="1" noRot="1" noChangeAspect="1"/>
+          </p:cNvSpPr>
+          <p:nvPr>
+            <p:ph type="sldImg"/>
+          </p:nvPr>
+        </p:nvSpPr>
+        <p:spPr/>
+      </p:sp>
+      <p:sp>
+        <p:nvSpPr>
+          <p:cNvPr id="3" name="Notes Placeholder 2"/>
+          <p:cNvSpPr>
+            <a:spLocks noGrp="1"/>
+          </p:cNvSpPr>
+          <p:nvPr>
+            <p:ph type="body" idx="1"/>
+          </p:nvPr>
+        </p:nvSpPr>
+        <p:spPr/>
+        <p:txBody>
+          <a:bodyPr/>
+          <a:lstStyle/>
+          <a:p>
+            <a:pPr marL="171450" indent="-171450">
+              <a:buFont typeface="Arial" panose="020B0604020202020204" pitchFamily="34" charset="0"/>
+              <a:buChar char="•"/>
+            </a:pPr>
+            <a:r>
+              <a:rPr lang="nl-NL" dirty="0"/>
+              <a:t>Worst case : k = 10 m/d, porosity = 0.5 and ldc = 2</a:t>
+            </a:r>
+          </a:p>
+          <a:p>
+            <a:pPr marL="171450" indent="-171450">
+              <a:buFont typeface="Arial" panose="020B0604020202020204" pitchFamily="34" charset="0"/>
+              <a:buChar char="•"/>
+            </a:pPr>
+            <a:r>
+              <a:rPr lang="nl-NL" dirty="0"/>
+              <a:t>70000 m3 injection needed to meet demand within 303 days</a:t>
+            </a:r>
+          </a:p>
+          <a:p>
+            <a:pPr marL="171450" indent="-171450">
+              <a:buFont typeface="Arial" panose="020B0604020202020204" pitchFamily="34" charset="0"/>
+              <a:buChar char="•"/>
+            </a:pPr>
+            <a:r>
+              <a:rPr lang="nl-NL" dirty="0"/>
+              <a:t>Maximuym allowed  is 350 m3/d so it is in range</a:t>
+            </a:r>
+          </a:p>
+          <a:p>
+            <a:pPr marL="171450" indent="-171450">
+              <a:buFont typeface="Arial" panose="020B0604020202020204" pitchFamily="34" charset="0"/>
+              <a:buChar char="•"/>
+            </a:pPr>
+            <a:r>
+              <a:rPr lang="nl-NL" dirty="0"/>
+              <a:t>To meet the extraction requirements a larger well radius should be used </a:t>
+            </a:r>
+          </a:p>
+        </p:txBody>
+      </p:sp>
+      <p:sp>
+        <p:nvSpPr>
+          <p:cNvPr id="4" name="Slide Number Placeholder 3"/>
+          <p:cNvSpPr>
+            <a:spLocks noGrp="1"/>
+          </p:cNvSpPr>
+          <p:nvPr>
+            <p:ph type="sldNum" sz="quarter" idx="5"/>
+          </p:nvPr>
+        </p:nvSpPr>
+        <p:spPr/>
+        <p:txBody>
+          <a:bodyPr/>
+          <a:lstStyle/>
+          <a:p>
+            <a:fld id="{C28101FB-427A-49CD-9AED-368896EE5BDA}" type="slidenum">
+              <a:rPr lang="nl-NL" smtClean="0"/>
+              <a:t>18</a:t>
+            </a:fld>
+            <a:endParaRPr lang="nl-NL"/>
+          </a:p>
+        </p:txBody>
+      </p:sp>
+    </p:spTree>
+    <p:extLst>
+      <p:ext uri="{BB962C8B-B14F-4D97-AF65-F5344CB8AC3E}">
+        <p14:creationId xmlns:p14="http://schemas.microsoft.com/office/powerpoint/2010/main" val="986664903"/>
+      </p:ext>
+    </p:extLst>
+  </p:cSld>
+  <p:clrMapOvr>
+    <a:masterClrMapping/>
+  </p:clrMapOvr>
+</p:notes>
+</file>
+
+<file path=ppt/notesSlides/notesSlide15.xml><?xml version="1.0" encoding="utf-8"?>
+<p:notes xmlns:a="http://schemas.openxmlformats.org/drawingml/2006/main" xmlns:r="http://schemas.openxmlformats.org/officeDocument/2006/relationships" xmlns:p="http://schemas.openxmlformats.org/presentationml/2006/main">
+  <p:cSld>
+    <p:spTree>
+      <p:nvGrpSpPr>
+        <p:cNvPr id="1" name=""/>
+        <p:cNvGrpSpPr/>
+        <p:nvPr/>
+      </p:nvGrpSpPr>
+      <p:grpSpPr>
+        <a:xfrm>
+          <a:off x="0" y="0"/>
+          <a:ext cx="0" cy="0"/>
+          <a:chOff x="0" y="0"/>
+          <a:chExt cx="0" cy="0"/>
+        </a:xfrm>
+      </p:grpSpPr>
+      <p:sp>
+        <p:nvSpPr>
+          <p:cNvPr id="2" name="Slide Image Placeholder 1"/>
+          <p:cNvSpPr>
+            <a:spLocks noGrp="1" noRot="1" noChangeAspect="1"/>
+          </p:cNvSpPr>
+          <p:nvPr>
+            <p:ph type="sldImg"/>
+          </p:nvPr>
+        </p:nvSpPr>
+        <p:spPr/>
+      </p:sp>
+      <p:sp>
+        <p:nvSpPr>
+          <p:cNvPr id="3" name="Notes Placeholder 2"/>
+          <p:cNvSpPr>
+            <a:spLocks noGrp="1"/>
+          </p:cNvSpPr>
+          <p:nvPr>
+            <p:ph type="body" idx="1"/>
+          </p:nvPr>
+        </p:nvSpPr>
+        <p:spPr/>
+        <p:txBody>
+          <a:bodyPr/>
+          <a:lstStyle/>
+          <a:p>
+            <a:endParaRPr lang="nl-NL" dirty="0"/>
+          </a:p>
+          <a:p>
+            <a:endParaRPr lang="nl-NL" dirty="0"/>
+          </a:p>
+          <a:p>
+            <a:r>
+              <a:rPr lang="nl-NL" dirty="0"/>
+              <a:t>Take - aways</a:t>
+            </a:r>
+          </a:p>
+        </p:txBody>
+      </p:sp>
+      <p:sp>
+        <p:nvSpPr>
+          <p:cNvPr id="4" name="Slide Number Placeholder 3"/>
+          <p:cNvSpPr>
+            <a:spLocks noGrp="1"/>
+          </p:cNvSpPr>
+          <p:nvPr>
+            <p:ph type="sldNum" sz="quarter" idx="5"/>
+          </p:nvPr>
+        </p:nvSpPr>
+        <p:spPr/>
+        <p:txBody>
+          <a:bodyPr/>
+          <a:lstStyle/>
+          <a:p>
+            <a:fld id="{C28101FB-427A-49CD-9AED-368896EE5BDA}" type="slidenum">
+              <a:rPr lang="nl-NL" smtClean="0"/>
+              <a:t>19</a:t>
+            </a:fld>
+            <a:endParaRPr lang="nl-NL"/>
+          </a:p>
+        </p:txBody>
+      </p:sp>
+    </p:spTree>
+    <p:extLst>
+      <p:ext uri="{BB962C8B-B14F-4D97-AF65-F5344CB8AC3E}">
+        <p14:creationId xmlns:p14="http://schemas.microsoft.com/office/powerpoint/2010/main" val="1447783959"/>
+      </p:ext>
+    </p:extLst>
+  </p:cSld>
+  <p:clrMapOvr>
+    <a:masterClrMapping/>
+  </p:clrMapOvr>
+</p:notes>
+</file>
+
+<file path=ppt/notesSlides/notesSlide16.xml><?xml version="1.0" encoding="utf-8"?>
+<p:notes xmlns:a="http://schemas.openxmlformats.org/drawingml/2006/main" xmlns:r="http://schemas.openxmlformats.org/officeDocument/2006/relationships" xmlns:p="http://schemas.openxmlformats.org/presentationml/2006/main">
+  <p:cSld>
+    <p:spTree>
+      <p:nvGrpSpPr>
+        <p:cNvPr id="1" name=""/>
+        <p:cNvGrpSpPr/>
+        <p:nvPr/>
+      </p:nvGrpSpPr>
+      <p:grpSpPr>
+        <a:xfrm>
+          <a:off x="0" y="0"/>
+          <a:ext cx="0" cy="0"/>
+          <a:chOff x="0" y="0"/>
+          <a:chExt cx="0" cy="0"/>
+        </a:xfrm>
+      </p:grpSpPr>
+      <p:sp>
+        <p:nvSpPr>
+          <p:cNvPr id="2" name="Slide Image Placeholder 1"/>
+          <p:cNvSpPr>
+            <a:spLocks noGrp="1" noRot="1" noChangeAspect="1"/>
+          </p:cNvSpPr>
+          <p:nvPr>
+            <p:ph type="sldImg"/>
+          </p:nvPr>
+        </p:nvSpPr>
+        <p:spPr/>
+      </p:sp>
+      <p:sp>
+        <p:nvSpPr>
+          <p:cNvPr id="3" name="Notes Placeholder 2"/>
+          <p:cNvSpPr>
+            <a:spLocks noGrp="1"/>
+          </p:cNvSpPr>
+          <p:nvPr>
+            <p:ph type="body" idx="1"/>
+          </p:nvPr>
+        </p:nvSpPr>
+        <p:spPr/>
+        <p:txBody>
+          <a:bodyPr/>
+          <a:lstStyle/>
+          <a:p>
+            <a:r>
+              <a:rPr lang="nl-NL" dirty="0"/>
+              <a:t>Conclusions</a:t>
+            </a:r>
+          </a:p>
+          <a:p>
+            <a:pPr marL="171450" indent="-171450">
+              <a:buFont typeface="Arial" panose="020B0604020202020204" pitchFamily="34" charset="0"/>
+              <a:buChar char="•"/>
+            </a:pPr>
+            <a:r>
+              <a:rPr lang="nl-NL" dirty="0"/>
+              <a:t>Injection volume can be lowered over time and still meet demand and minimise waste water</a:t>
+            </a:r>
+          </a:p>
+          <a:p>
+            <a:pPr marL="171450" indent="-171450">
+              <a:buFont typeface="Arial" panose="020B0604020202020204" pitchFamily="34" charset="0"/>
+              <a:buChar char="•"/>
+            </a:pPr>
+            <a:r>
+              <a:rPr lang="nl-NL" dirty="0"/>
+              <a:t>Higher porosity leeds to lower efficiency</a:t>
+            </a:r>
+          </a:p>
+          <a:p>
+            <a:pPr marL="171450" indent="-171450">
+              <a:buFont typeface="Arial" panose="020B0604020202020204" pitchFamily="34" charset="0"/>
+              <a:buChar char="•"/>
+            </a:pPr>
+            <a:r>
+              <a:rPr lang="nl-NL" dirty="0"/>
+              <a:t>Higher hydraulic conductivity only affects regulations (head-difference) but not the efficiency directly</a:t>
+            </a:r>
+          </a:p>
+          <a:p>
+            <a:pPr marL="171450" indent="-171450">
+              <a:buFont typeface="Arial" panose="020B0604020202020204" pitchFamily="34" charset="0"/>
+              <a:buChar char="•"/>
+            </a:pPr>
+            <a:r>
+              <a:rPr lang="nl-NL" dirty="0"/>
+              <a:t>Higher dispersivity means lower efficiency</a:t>
+            </a:r>
+          </a:p>
+          <a:p>
+            <a:pPr marL="171450" indent="-171450">
+              <a:buFont typeface="Arial" panose="020B0604020202020204" pitchFamily="34" charset="0"/>
+              <a:buChar char="•"/>
+            </a:pPr>
+            <a:r>
+              <a:rPr lang="nl-NL" dirty="0"/>
+              <a:t>The worst case scenario still meets injection regulations, but exceeds extraction regulations so well radius needs to change</a:t>
+            </a:r>
+          </a:p>
+          <a:p>
+            <a:endParaRPr lang="nl-NL" dirty="0"/>
+          </a:p>
+          <a:p>
+            <a:r>
+              <a:rPr lang="nl-NL" dirty="0"/>
+              <a:t>Take aways</a:t>
+            </a:r>
+          </a:p>
+          <a:p>
+            <a:pPr marL="171450" marR="0" lvl="0" indent="-171450" algn="l" defTabSz="914400" rtl="0" eaLnBrk="1" fontAlgn="auto" latinLnBrk="0" hangingPunct="1">
+              <a:lnSpc>
+                <a:spcPct val="100000"/>
+              </a:lnSpc>
+              <a:spcBef>
+                <a:spcPts val="0"/>
+              </a:spcBef>
+              <a:spcAft>
+                <a:spcPts val="0"/>
+              </a:spcAft>
+              <a:buClrTx/>
+              <a:buSzTx/>
+              <a:buFont typeface="Arial" panose="020B0604020202020204" pitchFamily="34" charset="0"/>
+              <a:buChar char="•"/>
+              <a:tabLst/>
+              <a:defRPr/>
+            </a:pPr>
+            <a:r>
+              <a:rPr lang="en-US" b="0" i="0" dirty="0">
+                <a:solidFill>
+                  <a:srgbClr val="D1D5DB"/>
+                </a:solidFill>
+                <a:effectLst/>
+                <a:latin typeface="Söhne"/>
+              </a:rPr>
+              <a:t>More certainty in porosity and hydraulic conductivity is needed.</a:t>
+            </a:r>
+          </a:p>
+          <a:p>
+            <a:pPr marL="171450" marR="0" lvl="0" indent="-171450" algn="l" defTabSz="914400" rtl="0" eaLnBrk="1" fontAlgn="auto" latinLnBrk="0" hangingPunct="1">
+              <a:lnSpc>
+                <a:spcPct val="100000"/>
+              </a:lnSpc>
+              <a:spcBef>
+                <a:spcPts val="0"/>
+              </a:spcBef>
+              <a:spcAft>
+                <a:spcPts val="0"/>
+              </a:spcAft>
+              <a:buClrTx/>
+              <a:buSzTx/>
+              <a:buFont typeface="Arial" panose="020B0604020202020204" pitchFamily="34" charset="0"/>
+              <a:buChar char="•"/>
+              <a:tabLst/>
+              <a:defRPr/>
+            </a:pPr>
+            <a:r>
+              <a:rPr lang="en-US" b="0" i="0" dirty="0">
+                <a:solidFill>
+                  <a:srgbClr val="D1D5DB"/>
+                </a:solidFill>
+                <a:effectLst/>
+                <a:latin typeface="Söhne"/>
+              </a:rPr>
+              <a:t>Optimization after the first cycle, considering actual system performance data.</a:t>
+            </a:r>
+          </a:p>
+          <a:p>
+            <a:pPr marL="171450" marR="0" lvl="0" indent="-171450" algn="l" defTabSz="914400" rtl="0" eaLnBrk="1" fontAlgn="auto" latinLnBrk="0" hangingPunct="1">
+              <a:lnSpc>
+                <a:spcPct val="100000"/>
+              </a:lnSpc>
+              <a:spcBef>
+                <a:spcPts val="0"/>
+              </a:spcBef>
+              <a:spcAft>
+                <a:spcPts val="0"/>
+              </a:spcAft>
+              <a:buClrTx/>
+              <a:buSzTx/>
+              <a:buFont typeface="Arial" panose="020B0604020202020204" pitchFamily="34" charset="0"/>
+              <a:buChar char="•"/>
+              <a:tabLst/>
+              <a:defRPr/>
+            </a:pPr>
+            <a:r>
+              <a:rPr lang="en-US" b="0" i="0" dirty="0">
+                <a:solidFill>
+                  <a:srgbClr val="D1D5DB"/>
+                </a:solidFill>
+                <a:effectLst/>
+                <a:latin typeface="Söhne"/>
+              </a:rPr>
+              <a:t>Investigation into different well radii can be conducted to prevent failing of project while working with worst case</a:t>
+            </a:r>
+          </a:p>
+          <a:p>
+            <a:endParaRPr lang="nl-NL" dirty="0"/>
+          </a:p>
+        </p:txBody>
+      </p:sp>
+      <p:sp>
+        <p:nvSpPr>
+          <p:cNvPr id="4" name="Slide Number Placeholder 3"/>
+          <p:cNvSpPr>
+            <a:spLocks noGrp="1"/>
+          </p:cNvSpPr>
+          <p:nvPr>
+            <p:ph type="sldNum" sz="quarter" idx="5"/>
+          </p:nvPr>
+        </p:nvSpPr>
+        <p:spPr/>
+        <p:txBody>
+          <a:bodyPr/>
+          <a:lstStyle/>
+          <a:p>
+            <a:fld id="{C28101FB-427A-49CD-9AED-368896EE5BDA}" type="slidenum">
+              <a:rPr lang="nl-NL" smtClean="0"/>
+              <a:t>20</a:t>
+            </a:fld>
+            <a:endParaRPr lang="nl-NL"/>
+          </a:p>
+        </p:txBody>
+      </p:sp>
+    </p:spTree>
+    <p:extLst>
+      <p:ext uri="{BB962C8B-B14F-4D97-AF65-F5344CB8AC3E}">
+        <p14:creationId xmlns:p14="http://schemas.microsoft.com/office/powerpoint/2010/main" val="1476666555"/>
       </p:ext>
     </p:extLst>
   </p:cSld>
@@ -618,6 +1609,80 @@
           <a:bodyPr/>
           <a:lstStyle/>
           <a:p>
+            <a:pPr algn="l"/>
+            <a:r>
+              <a:rPr lang="nl-NL" dirty="0"/>
+              <a:t>What is important to see on this figure is:</a:t>
+            </a:r>
+          </a:p>
+          <a:p>
+            <a:pPr marL="171450" indent="-171450" algn="l">
+              <a:buFont typeface="Arial" panose="020B0604020202020204" pitchFamily="34" charset="0"/>
+              <a:buChar char="•"/>
+            </a:pPr>
+            <a:r>
+              <a:rPr lang="en-US" b="0" i="0" dirty="0">
+                <a:solidFill>
+                  <a:srgbClr val="495365"/>
+                </a:solidFill>
+                <a:effectLst/>
+                <a:latin typeface="Arial" panose="020B0604020202020204" pitchFamily="34" charset="0"/>
+              </a:rPr>
+              <a:t>Efficient injection and recovery is achieved by aquifers with moderate to high hydraulic conductivity</a:t>
+            </a:r>
+          </a:p>
+          <a:p>
+            <a:pPr marL="171450" indent="-171450" algn="l">
+              <a:buFont typeface="Arial" panose="020B0604020202020204" pitchFamily="34" charset="0"/>
+              <a:buChar char="•"/>
+            </a:pPr>
+            <a:r>
+              <a:rPr lang="en-US" b="0" i="0" dirty="0">
+                <a:solidFill>
+                  <a:srgbClr val="495365"/>
+                </a:solidFill>
+                <a:effectLst/>
+                <a:latin typeface="Arial" panose="020B0604020202020204" pitchFamily="34" charset="0"/>
+              </a:rPr>
+              <a:t>A suitable hydraulic gradient will ensure effective movement of water in and out of the aquifer</a:t>
+            </a:r>
+          </a:p>
+          <a:p>
+            <a:pPr marL="171450" indent="-171450" algn="l">
+              <a:buFont typeface="Arial" panose="020B0604020202020204" pitchFamily="34" charset="0"/>
+              <a:buChar char="•"/>
+            </a:pPr>
+            <a:r>
+              <a:rPr lang="en-US" b="0" i="0" dirty="0">
+                <a:solidFill>
+                  <a:srgbClr val="495365"/>
+                </a:solidFill>
+                <a:effectLst/>
+                <a:latin typeface="Arial" panose="020B0604020202020204" pitchFamily="34" charset="0"/>
+              </a:rPr>
+              <a:t>The recover efficiency increases with an increasing rate between injection time and extraction</a:t>
+            </a:r>
+            <a:br>
+              <a:rPr lang="en-US" b="0" i="0" dirty="0">
+                <a:solidFill>
+                  <a:srgbClr val="495365"/>
+                </a:solidFill>
+                <a:effectLst/>
+                <a:latin typeface="Lato" panose="020F0502020204030203" pitchFamily="34" charset="0"/>
+              </a:rPr>
+            </a:br>
+            <a:r>
+              <a:rPr lang="en-US" b="0" i="0" dirty="0">
+                <a:solidFill>
+                  <a:srgbClr val="495365"/>
+                </a:solidFill>
+                <a:effectLst/>
+                <a:latin typeface="Arial" panose="020B0604020202020204" pitchFamily="34" charset="0"/>
+              </a:rPr>
+              <a:t>rate.</a:t>
+            </a:r>
+          </a:p>
+          <a:p>
             <a:pPr marL="171450" marR="0" lvl="0" indent="-171450" algn="l" defTabSz="914400" rtl="0" eaLnBrk="1" fontAlgn="auto" latinLnBrk="0" hangingPunct="1">
               <a:lnSpc>
                 <a:spcPct val="100000"/>
@@ -636,37 +1701,34 @@
               <a:defRPr/>
             </a:pPr>
             <a:r>
-              <a:rPr lang="nl-NL" dirty="0">
-                <a:latin typeface="Cambria Math" panose="02040503050406030204" pitchFamily="18" charset="0"/>
+              <a:rPr lang="en-US" b="0" i="0" dirty="0">
+                <a:solidFill>
+                  <a:srgbClr val="495365"/>
+                </a:solidFill>
+                <a:effectLst/>
+                <a:latin typeface="Arial" panose="020B0604020202020204" pitchFamily="34" charset="0"/>
               </a:rPr>
-              <a:t>Maximum allowed specific discharge on the borehole (q</a:t>
+              <a:t>The Charleston system as described in the figure has the most overlapping factors with the system</a:t>
             </a:r>
+            <a:br>
+              <a:rPr lang="en-US" b="0" i="0" dirty="0">
+                <a:solidFill>
+                  <a:srgbClr val="495365"/>
+                </a:solidFill>
+                <a:effectLst/>
+                <a:latin typeface="Lato" panose="020F0502020204030203" pitchFamily="34" charset="0"/>
+              </a:rPr>
+            </a:br>
             <a:r>
-              <a:rPr lang="nl-NL" baseline="-25000" dirty="0">
-                <a:latin typeface="Cambria Math" panose="02040503050406030204" pitchFamily="18" charset="0"/>
+              <a:rPr lang="en-US" b="0" i="0" dirty="0">
+                <a:solidFill>
+                  <a:srgbClr val="495365"/>
+                </a:solidFill>
+                <a:effectLst/>
+                <a:latin typeface="Arial" panose="020B0604020202020204" pitchFamily="34" charset="0"/>
               </a:rPr>
-              <a:t>max</a:t>
+              <a:t>discussed in this report</a:t>
             </a:r>
-            <a:r>
-              <a:rPr lang="nl-NL" dirty="0">
-                <a:latin typeface="Cambria Math" panose="02040503050406030204" pitchFamily="18" charset="0"/>
-              </a:rPr>
-              <a:t> in </a:t>
-            </a:r>
-            <a:r>
-              <a:rPr lang="nl-NL" b="1" u="sng" dirty="0">
-                <a:latin typeface="Cambria Math" panose="02040503050406030204" pitchFamily="18" charset="0"/>
-              </a:rPr>
-              <a:t>m/s</a:t>
-            </a:r>
-            <a:r>
-              <a:rPr lang="nl-NL" dirty="0">
-                <a:latin typeface="Cambria Math" panose="02040503050406030204" pitchFamily="18" charset="0"/>
-              </a:rPr>
-              <a:t>)</a:t>
-            </a:r>
-          </a:p>
-          <a:p>
             <a:endParaRPr lang="nl-NL" dirty="0"/>
           </a:p>
         </p:txBody>
@@ -688,7 +1750,7 @@
           <a:p>
             <a:fld id="{C28101FB-427A-49CD-9AED-368896EE5BDA}" type="slidenum">
               <a:rPr lang="nl-NL" smtClean="0"/>
-              <a:t>6</a:t>
+              <a:t>4</a:t>
             </a:fld>
             <a:endParaRPr lang="nl-NL"/>
           </a:p>
@@ -697,7 +1759,7 @@
     </p:spTree>
     <p:extLst>
       <p:ext uri="{BB962C8B-B14F-4D97-AF65-F5344CB8AC3E}">
-        <p14:creationId xmlns:p14="http://schemas.microsoft.com/office/powerpoint/2010/main" val="734576655"/>
+        <p14:creationId xmlns:p14="http://schemas.microsoft.com/office/powerpoint/2010/main" val="212875993"/>
       </p:ext>
     </p:extLst>
   </p:cSld>
@@ -751,14 +1813,24 @@
           <a:bodyPr/>
           <a:lstStyle/>
           <a:p>
+            <a:r>
+              <a:rPr lang="nl-NL" dirty="0"/>
+              <a:t>If this is too high it could cause:</a:t>
+            </a:r>
+          </a:p>
+          <a:p>
+            <a:endParaRPr lang="nl-NL" dirty="0"/>
+          </a:p>
+          <a:p>
             <a:pPr marL="171450" indent="-171450">
               <a:buFont typeface="Arial" panose="020B0604020202020204" pitchFamily="34" charset="0"/>
               <a:buChar char="•"/>
             </a:pPr>
             <a:r>
-              <a:rPr lang="nl-NL" dirty="0"/>
-              <a:t>The primary soil compaction is varying from ...  to ...</a:t>
+              <a:rPr lang="en-US" dirty="0"/>
+              <a:t>Over-pressurization of the aquifer which could in the end lead to fracturing or compaction of the aquifer</a:t>
             </a:r>
+            <a:endParaRPr lang="nl-NL" dirty="0"/>
           </a:p>
           <a:p>
             <a:pPr marL="171450" indent="-171450">
@@ -766,9 +1838,38 @@
               <a:buChar char="•"/>
             </a:pPr>
             <a:r>
-              <a:rPr lang="nl-NL" dirty="0"/>
-              <a:t>The secular soil compaction is varying from ...  to ...</a:t>
+              <a:rPr lang="en-US" dirty="0"/>
+              <a:t>Clogging of flow paths due to the damage to the internal structure of the aquifer</a:t>
             </a:r>
+            <a:endParaRPr lang="nl-NL" dirty="0"/>
+          </a:p>
+          <a:p>
+            <a:pPr marL="171450" indent="-171450">
+              <a:buFont typeface="Arial" panose="020B0604020202020204" pitchFamily="34" charset="0"/>
+              <a:buChar char="•"/>
+            </a:pPr>
+            <a:r>
+              <a:rPr lang="en-US" dirty="0"/>
+              <a:t>Changes in groundwater flow patterns could be induced which causes water to flow away from the aquifer and increase heads in surrounding areas</a:t>
+            </a:r>
+          </a:p>
+          <a:p>
+            <a:pPr marL="171450" indent="-171450">
+              <a:buFont typeface="Arial" panose="020B0604020202020204" pitchFamily="34" charset="0"/>
+              <a:buChar char="•"/>
+            </a:pPr>
+            <a:r>
+              <a:rPr lang="en-US" dirty="0"/>
+              <a:t>Other legal issues, for example the displacement of contaminants or other particles in the water to an area where those aren’t allowed</a:t>
+            </a:r>
+            <a:endParaRPr lang="nl-NL" dirty="0"/>
+          </a:p>
+          <a:p>
+            <a:pPr marL="171450" indent="-171450">
+              <a:buFont typeface="Arial" panose="020B0604020202020204" pitchFamily="34" charset="0"/>
+              <a:buChar char="•"/>
+            </a:pPr>
+            <a:endParaRPr lang="nl-NL" dirty="0"/>
           </a:p>
         </p:txBody>
       </p:sp>
@@ -789,7 +1890,7 @@
           <a:p>
             <a:fld id="{C28101FB-427A-49CD-9AED-368896EE5BDA}" type="slidenum">
               <a:rPr lang="nl-NL" smtClean="0"/>
-              <a:t>7</a:t>
+              <a:t>5</a:t>
             </a:fld>
             <a:endParaRPr lang="nl-NL"/>
           </a:p>
@@ -798,7 +1899,7 @@
     </p:spTree>
     <p:extLst>
       <p:ext uri="{BB962C8B-B14F-4D97-AF65-F5344CB8AC3E}">
-        <p14:creationId xmlns:p14="http://schemas.microsoft.com/office/powerpoint/2010/main" val="2305818595"/>
+        <p14:creationId xmlns:p14="http://schemas.microsoft.com/office/powerpoint/2010/main" val="214439566"/>
       </p:ext>
     </p:extLst>
   </p:cSld>
@@ -854,7 +1955,7 @@
           <a:p>
             <a:r>
               <a:rPr lang="nl-NL" dirty="0"/>
-              <a:t>In this figures one can see:</a:t>
+              <a:t>Issues that could arise if the extraction rate is too high:</a:t>
             </a:r>
           </a:p>
           <a:p>
@@ -863,9 +1964,10 @@
               <a:buChar char="•"/>
             </a:pPr>
             <a:r>
-              <a:rPr lang="nl-NL" dirty="0"/>
-              <a:t>For the worst case the extraction rate is</a:t>
+              <a:rPr lang="en-US" dirty="0"/>
+              <a:t>A specific discharge that is too high could lead to compaction of the surrounding rock or soil and this in its place leads to land subsidence. </a:t>
             </a:r>
+            <a:endParaRPr lang="nl-NL" dirty="0"/>
           </a:p>
           <a:p>
             <a:pPr marL="171450" indent="-171450">
@@ -873,8 +1975,8 @@
               <a:buChar char="•"/>
             </a:pPr>
             <a:r>
-              <a:rPr lang="nl-NL" dirty="0"/>
-              <a:t>For the worst case the injection rate is</a:t>
+              <a:rPr lang="en-US" dirty="0"/>
+              <a:t>High specific discharge may indicate that the aquifer is being pumped or exploited at a rate exceeding its natural recharge capacity. This can lead to a decline in groundwater levels, potentially causing wells to go dry and impacting the sustainability of water supply.</a:t>
             </a:r>
           </a:p>
           <a:p>
@@ -883,9 +1985,10 @@
               <a:buChar char="•"/>
             </a:pPr>
             <a:r>
-              <a:rPr lang="nl-NL" dirty="0"/>
-              <a:t>The soil compaction will be in the worst case and this can be higher if and if</a:t>
+              <a:rPr lang="en-US" dirty="0"/>
+              <a:t>If the discharge is too high, it could lead to water flowing from or to the aquifer. This may lead to increased discharge into rivers, streams or lakes. Wetlands (animals and plants), ecosystems and reservoirs could be destroyed in the process.</a:t>
             </a:r>
+            <a:endParaRPr lang="nl-NL" dirty="0"/>
           </a:p>
         </p:txBody>
       </p:sp>
@@ -906,7 +2009,7 @@
           <a:p>
             <a:fld id="{C28101FB-427A-49CD-9AED-368896EE5BDA}" type="slidenum">
               <a:rPr lang="nl-NL" smtClean="0"/>
-              <a:t>8</a:t>
+              <a:t>6</a:t>
             </a:fld>
             <a:endParaRPr lang="nl-NL"/>
           </a:p>
@@ -915,7 +2018,7 @@
     </p:spTree>
     <p:extLst>
       <p:ext uri="{BB962C8B-B14F-4D97-AF65-F5344CB8AC3E}">
-        <p14:creationId xmlns:p14="http://schemas.microsoft.com/office/powerpoint/2010/main" val="670422639"/>
+        <p14:creationId xmlns:p14="http://schemas.microsoft.com/office/powerpoint/2010/main" val="734576655"/>
       </p:ext>
     </p:extLst>
   </p:cSld>
@@ -969,6 +2072,267 @@
           <a:bodyPr/>
           <a:lstStyle/>
           <a:p>
+            <a:pPr marL="171450" indent="-171450">
+              <a:buFont typeface="Arial" panose="020B0604020202020204" pitchFamily="34" charset="0"/>
+              <a:buChar char="•"/>
+            </a:pPr>
+            <a:r>
+              <a:rPr lang="nl-NL" dirty="0"/>
+              <a:t>The primary soil compaction is varying from 7 to 140</a:t>
+            </a:r>
+          </a:p>
+          <a:p>
+            <a:pPr marL="171450" indent="-171450">
+              <a:buFont typeface="Arial" panose="020B0604020202020204" pitchFamily="34" charset="0"/>
+              <a:buChar char="•"/>
+            </a:pPr>
+            <a:r>
+              <a:rPr lang="nl-NL" dirty="0"/>
+              <a:t>The secular soil compaction is varying from 80 to 1680</a:t>
+            </a:r>
+          </a:p>
+          <a:p>
+            <a:pPr marL="171450" indent="-171450">
+              <a:buFont typeface="Arial" panose="020B0604020202020204" pitchFamily="34" charset="0"/>
+              <a:buChar char="•"/>
+            </a:pPr>
+            <a:r>
+              <a:rPr lang="nl-NL" dirty="0"/>
+              <a:t>Pore pressure change of 40 (kN/m2)</a:t>
+            </a:r>
+          </a:p>
+          <a:p>
+            <a:pPr marL="171450" indent="-171450">
+              <a:buFont typeface="Arial" panose="020B0604020202020204" pitchFamily="34" charset="0"/>
+              <a:buChar char="•"/>
+            </a:pPr>
+            <a:endParaRPr lang="nl-NL" dirty="0"/>
+          </a:p>
+          <a:p>
+            <a:pPr marL="171450" indent="-171450">
+              <a:buFont typeface="Arial" panose="020B0604020202020204" pitchFamily="34" charset="0"/>
+              <a:buChar char="•"/>
+            </a:pPr>
+            <a:r>
+              <a:rPr lang="en-US" dirty="0"/>
+              <a:t>The importance of the determination of the maximum soil compaction is great, because a large amount of compaction could lead to subsidence or decreasing of hydraulic conductivity. Subsidence in its place can cause mass damage to infrastructure and buildings at the surface. Decreasing of the hydraulic conductivity can lead to a decrease in the recover efficiency from the reservoir</a:t>
+            </a:r>
+            <a:endParaRPr lang="nl-NL" dirty="0"/>
+          </a:p>
+        </p:txBody>
+      </p:sp>
+      <p:sp>
+        <p:nvSpPr>
+          <p:cNvPr id="4" name="Slide Number Placeholder 3"/>
+          <p:cNvSpPr>
+            <a:spLocks noGrp="1"/>
+          </p:cNvSpPr>
+          <p:nvPr>
+            <p:ph type="sldNum" sz="quarter" idx="5"/>
+          </p:nvPr>
+        </p:nvSpPr>
+        <p:spPr/>
+        <p:txBody>
+          <a:bodyPr/>
+          <a:lstStyle/>
+          <a:p>
+            <a:fld id="{C28101FB-427A-49CD-9AED-368896EE5BDA}" type="slidenum">
+              <a:rPr lang="nl-NL" smtClean="0"/>
+              <a:t>7</a:t>
+            </a:fld>
+            <a:endParaRPr lang="nl-NL"/>
+          </a:p>
+        </p:txBody>
+      </p:sp>
+    </p:spTree>
+    <p:extLst>
+      <p:ext uri="{BB962C8B-B14F-4D97-AF65-F5344CB8AC3E}">
+        <p14:creationId xmlns:p14="http://schemas.microsoft.com/office/powerpoint/2010/main" val="2305818595"/>
+      </p:ext>
+    </p:extLst>
+  </p:cSld>
+  <p:clrMapOvr>
+    <a:masterClrMapping/>
+  </p:clrMapOvr>
+</p:notes>
+</file>
+
+<file path=ppt/notesSlides/notesSlide6.xml><?xml version="1.0" encoding="utf-8"?>
+<p:notes xmlns:a="http://schemas.openxmlformats.org/drawingml/2006/main" xmlns:r="http://schemas.openxmlformats.org/officeDocument/2006/relationships" xmlns:p="http://schemas.openxmlformats.org/presentationml/2006/main">
+  <p:cSld>
+    <p:spTree>
+      <p:nvGrpSpPr>
+        <p:cNvPr id="1" name=""/>
+        <p:cNvGrpSpPr/>
+        <p:nvPr/>
+      </p:nvGrpSpPr>
+      <p:grpSpPr>
+        <a:xfrm>
+          <a:off x="0" y="0"/>
+          <a:ext cx="0" cy="0"/>
+          <a:chOff x="0" y="0"/>
+          <a:chExt cx="0" cy="0"/>
+        </a:xfrm>
+      </p:grpSpPr>
+      <p:sp>
+        <p:nvSpPr>
+          <p:cNvPr id="2" name="Slide Image Placeholder 1"/>
+          <p:cNvSpPr>
+            <a:spLocks noGrp="1" noRot="1" noChangeAspect="1"/>
+          </p:cNvSpPr>
+          <p:nvPr>
+            <p:ph type="sldImg"/>
+          </p:nvPr>
+        </p:nvSpPr>
+        <p:spPr/>
+      </p:sp>
+      <p:sp>
+        <p:nvSpPr>
+          <p:cNvPr id="3" name="Notes Placeholder 2"/>
+          <p:cNvSpPr>
+            <a:spLocks noGrp="1"/>
+          </p:cNvSpPr>
+          <p:nvPr>
+            <p:ph type="body" idx="1"/>
+          </p:nvPr>
+        </p:nvSpPr>
+        <p:spPr/>
+        <p:txBody>
+          <a:bodyPr/>
+          <a:lstStyle/>
+          <a:p>
+            <a:pPr marL="0" indent="0">
+              <a:buFont typeface="Arial" panose="020B0604020202020204" pitchFamily="34" charset="0"/>
+              <a:buNone/>
+            </a:pPr>
+            <a:r>
+              <a:rPr lang="en-US" dirty="0"/>
+              <a:t>As can be concluded from figure on top that in the worst case (k = 10[m/d]) the maximum injection rate is 350 m3 d , but because we inject over 303 days, we suspect that the maximum injection rate doesn’t will be a constraint for this system. It is important to check as this will vary based on the efficiency of the system. The extraction rate however could become a problem for the system. The maximum extraction rate in the worst-case scenario will be 800 m3 d if this extraction rate is too low, a change can be made in the radius of the extraction well. The extraction rate won’t vary as the total of 40 000m3 in two months is a design requirement.</a:t>
+            </a:r>
+          </a:p>
+          <a:p>
+            <a:pPr marL="0" indent="0">
+              <a:buFont typeface="Arial" panose="020B0604020202020204" pitchFamily="34" charset="0"/>
+              <a:buNone/>
+            </a:pPr>
+            <a:endParaRPr lang="en-US" dirty="0"/>
+          </a:p>
+          <a:p>
+            <a:pPr marL="0" indent="0">
+              <a:buFont typeface="Arial" panose="020B0604020202020204" pitchFamily="34" charset="0"/>
+              <a:buNone/>
+            </a:pPr>
+            <a:r>
+              <a:rPr lang="en-US" dirty="0"/>
+              <a:t>It is shown in the bottom figure that the soil compaction increases for a lower value of the compaction coefficients, so in the worst case (sandy aquitards) will lead to a compaction of 0.16 m which is acceptable in most cases, but not with critical buildings, maybe some soil compaction need to be in place. This calculation is based on the head change for the average change in pore pressure, this will increase even further if the hydraulic conductivity of the aquifer is lower and the change in head is higher, so that should be taken into account if more knowledge is present about the exact hydraulic conductivity, this knowledge often is available after 1 cycle. </a:t>
+            </a:r>
+            <a:endParaRPr lang="nl-NL" dirty="0"/>
+          </a:p>
+        </p:txBody>
+      </p:sp>
+      <p:sp>
+        <p:nvSpPr>
+          <p:cNvPr id="4" name="Slide Number Placeholder 3"/>
+          <p:cNvSpPr>
+            <a:spLocks noGrp="1"/>
+          </p:cNvSpPr>
+          <p:nvPr>
+            <p:ph type="sldNum" sz="quarter" idx="5"/>
+          </p:nvPr>
+        </p:nvSpPr>
+        <p:spPr/>
+        <p:txBody>
+          <a:bodyPr/>
+          <a:lstStyle/>
+          <a:p>
+            <a:fld id="{C28101FB-427A-49CD-9AED-368896EE5BDA}" type="slidenum">
+              <a:rPr lang="nl-NL" smtClean="0"/>
+              <a:t>8</a:t>
+            </a:fld>
+            <a:endParaRPr lang="nl-NL"/>
+          </a:p>
+        </p:txBody>
+      </p:sp>
+    </p:spTree>
+    <p:extLst>
+      <p:ext uri="{BB962C8B-B14F-4D97-AF65-F5344CB8AC3E}">
+        <p14:creationId xmlns:p14="http://schemas.microsoft.com/office/powerpoint/2010/main" val="670422639"/>
+      </p:ext>
+    </p:extLst>
+  </p:cSld>
+  <p:clrMapOvr>
+    <a:masterClrMapping/>
+  </p:clrMapOvr>
+</p:notes>
+</file>
+
+<file path=ppt/notesSlides/notesSlide7.xml><?xml version="1.0" encoding="utf-8"?>
+<p:notes xmlns:a="http://schemas.openxmlformats.org/drawingml/2006/main" xmlns:r="http://schemas.openxmlformats.org/officeDocument/2006/relationships" xmlns:p="http://schemas.openxmlformats.org/presentationml/2006/main">
+  <p:cSld>
+    <p:spTree>
+      <p:nvGrpSpPr>
+        <p:cNvPr id="1" name=""/>
+        <p:cNvGrpSpPr/>
+        <p:nvPr/>
+      </p:nvGrpSpPr>
+      <p:grpSpPr>
+        <a:xfrm>
+          <a:off x="0" y="0"/>
+          <a:ext cx="0" cy="0"/>
+          <a:chOff x="0" y="0"/>
+          <a:chExt cx="0" cy="0"/>
+        </a:xfrm>
+      </p:grpSpPr>
+      <p:sp>
+        <p:nvSpPr>
+          <p:cNvPr id="2" name="Slide Image Placeholder 1"/>
+          <p:cNvSpPr>
+            <a:spLocks noGrp="1" noRot="1" noChangeAspect="1"/>
+          </p:cNvSpPr>
+          <p:nvPr>
+            <p:ph type="sldImg"/>
+          </p:nvPr>
+        </p:nvSpPr>
+        <p:spPr/>
+      </p:sp>
+      <p:sp>
+        <p:nvSpPr>
+          <p:cNvPr id="3" name="Notes Placeholder 2"/>
+          <p:cNvSpPr>
+            <a:spLocks noGrp="1"/>
+          </p:cNvSpPr>
+          <p:nvPr>
+            <p:ph type="body" idx="1"/>
+          </p:nvPr>
+        </p:nvSpPr>
+        <p:spPr/>
+        <p:txBody>
+          <a:bodyPr/>
+          <a:lstStyle/>
+          <a:p>
+            <a:pPr marL="171450" indent="-171450">
+              <a:buFont typeface="Arial" panose="020B0604020202020204" pitchFamily="34" charset="0"/>
+              <a:buChar char="•"/>
+            </a:pPr>
+            <a:r>
+              <a:rPr lang="en-US" dirty="0"/>
+              <a:t>The </a:t>
+            </a:r>
+            <a:r>
+              <a:rPr lang="en-US" dirty="0" err="1"/>
+              <a:t>dispersivity</a:t>
+            </a:r>
+            <a:r>
+              <a:rPr lang="en-US" dirty="0"/>
+              <a:t> of an aquifer is a parameter that characterizes the spreading or dispersion of solutes as they move through the porous media of the aquifer</a:t>
+            </a:r>
+            <a:endParaRPr lang="nl-NL" dirty="0"/>
+          </a:p>
+          <a:p>
+            <a:pPr marL="171450" indent="-171450">
+              <a:buFont typeface="Arial" panose="020B0604020202020204" pitchFamily="34" charset="0"/>
+              <a:buChar char="•"/>
+            </a:pPr>
             <a:r>
               <a:rPr lang="nl-NL" dirty="0"/>
               <a:t>Dispersivity is determined based on this graph using the scale we are working in . </a:t>
@@ -1003,6 +2367,268 @@
     <p:extLst>
       <p:ext uri="{BB962C8B-B14F-4D97-AF65-F5344CB8AC3E}">
         <p14:creationId xmlns:p14="http://schemas.microsoft.com/office/powerpoint/2010/main" val="3558656609"/>
+      </p:ext>
+    </p:extLst>
+  </p:cSld>
+  <p:clrMapOvr>
+    <a:masterClrMapping/>
+  </p:clrMapOvr>
+</p:notes>
+</file>
+
+<file path=ppt/notesSlides/notesSlide8.xml><?xml version="1.0" encoding="utf-8"?>
+<p:notes xmlns:a="http://schemas.openxmlformats.org/drawingml/2006/main" xmlns:r="http://schemas.openxmlformats.org/officeDocument/2006/relationships" xmlns:p="http://schemas.openxmlformats.org/presentationml/2006/main">
+  <p:cSld>
+    <p:spTree>
+      <p:nvGrpSpPr>
+        <p:cNvPr id="1" name=""/>
+        <p:cNvGrpSpPr/>
+        <p:nvPr/>
+      </p:nvGrpSpPr>
+      <p:grpSpPr>
+        <a:xfrm>
+          <a:off x="0" y="0"/>
+          <a:ext cx="0" cy="0"/>
+          <a:chOff x="0" y="0"/>
+          <a:chExt cx="0" cy="0"/>
+        </a:xfrm>
+      </p:grpSpPr>
+      <p:sp>
+        <p:nvSpPr>
+          <p:cNvPr id="2" name="Slide Image Placeholder 1"/>
+          <p:cNvSpPr>
+            <a:spLocks noGrp="1" noRot="1" noChangeAspect="1"/>
+          </p:cNvSpPr>
+          <p:nvPr>
+            <p:ph type="sldImg"/>
+          </p:nvPr>
+        </p:nvSpPr>
+        <p:spPr/>
+      </p:sp>
+      <p:sp>
+        <p:nvSpPr>
+          <p:cNvPr id="3" name="Notes Placeholder 2"/>
+          <p:cNvSpPr>
+            <a:spLocks noGrp="1"/>
+          </p:cNvSpPr>
+          <p:nvPr>
+            <p:ph type="body" idx="1"/>
+          </p:nvPr>
+        </p:nvSpPr>
+        <p:spPr/>
+        <p:txBody>
+          <a:bodyPr/>
+          <a:lstStyle/>
+          <a:p>
+            <a:pPr marL="171450" indent="-171450">
+              <a:buFont typeface="Arial" panose="020B0604020202020204" pitchFamily="34" charset="0"/>
+              <a:buChar char="•"/>
+            </a:pPr>
+            <a:r>
+              <a:rPr lang="nl-NL" dirty="0"/>
+              <a:t>Radial flow used to reduce modeling complexity</a:t>
+            </a:r>
+          </a:p>
+          <a:p>
+            <a:pPr marL="171450" indent="-171450">
+              <a:buFont typeface="Arial" panose="020B0604020202020204" pitchFamily="34" charset="0"/>
+              <a:buChar char="•"/>
+            </a:pPr>
+            <a:r>
+              <a:rPr lang="nl-NL" dirty="0"/>
+              <a:t>1D model that behaves radial but uses cell based approach from MODFLOW 6</a:t>
+            </a:r>
+          </a:p>
+          <a:p>
+            <a:pPr marL="171450" indent="-171450">
+              <a:buFont typeface="Arial" panose="020B0604020202020204" pitchFamily="34" charset="0"/>
+              <a:buChar char="•"/>
+            </a:pPr>
+            <a:r>
+              <a:rPr lang="en-US" dirty="0"/>
+              <a:t>The porosity and hydraulic conductivity change moving out from the well</a:t>
+            </a:r>
+          </a:p>
+          <a:p>
+            <a:pPr marL="171450" indent="-171450">
+              <a:buFont typeface="Arial" panose="020B0604020202020204" pitchFamily="34" charset="0"/>
+              <a:buChar char="•"/>
+            </a:pPr>
+            <a:r>
+              <a:rPr lang="en-US" dirty="0"/>
+              <a:t>Scale the porosity and hydraulic conductivity to still model the groundwater flow correctly</a:t>
+            </a:r>
+            <a:endParaRPr lang="nl-NL" dirty="0"/>
+          </a:p>
+        </p:txBody>
+      </p:sp>
+      <p:sp>
+        <p:nvSpPr>
+          <p:cNvPr id="4" name="Slide Number Placeholder 3"/>
+          <p:cNvSpPr>
+            <a:spLocks noGrp="1"/>
+          </p:cNvSpPr>
+          <p:nvPr>
+            <p:ph type="sldNum" sz="quarter" idx="5"/>
+          </p:nvPr>
+        </p:nvSpPr>
+        <p:spPr/>
+        <p:txBody>
+          <a:bodyPr/>
+          <a:lstStyle/>
+          <a:p>
+            <a:fld id="{C28101FB-427A-49CD-9AED-368896EE5BDA}" type="slidenum">
+              <a:rPr lang="nl-NL" smtClean="0"/>
+              <a:t>11</a:t>
+            </a:fld>
+            <a:endParaRPr lang="nl-NL"/>
+          </a:p>
+        </p:txBody>
+      </p:sp>
+    </p:spTree>
+    <p:extLst>
+      <p:ext uri="{BB962C8B-B14F-4D97-AF65-F5344CB8AC3E}">
+        <p14:creationId xmlns:p14="http://schemas.microsoft.com/office/powerpoint/2010/main" val="2091905526"/>
+      </p:ext>
+    </p:extLst>
+  </p:cSld>
+  <p:clrMapOvr>
+    <a:masterClrMapping/>
+  </p:clrMapOvr>
+</p:notes>
+</file>
+
+<file path=ppt/notesSlides/notesSlide9.xml><?xml version="1.0" encoding="utf-8"?>
+<p:notes xmlns:a="http://schemas.openxmlformats.org/drawingml/2006/main" xmlns:r="http://schemas.openxmlformats.org/officeDocument/2006/relationships" xmlns:p="http://schemas.openxmlformats.org/presentationml/2006/main">
+  <p:cSld>
+    <p:spTree>
+      <p:nvGrpSpPr>
+        <p:cNvPr id="1" name=""/>
+        <p:cNvGrpSpPr/>
+        <p:nvPr/>
+      </p:nvGrpSpPr>
+      <p:grpSpPr>
+        <a:xfrm>
+          <a:off x="0" y="0"/>
+          <a:ext cx="0" cy="0"/>
+          <a:chOff x="0" y="0"/>
+          <a:chExt cx="0" cy="0"/>
+        </a:xfrm>
+      </p:grpSpPr>
+      <p:sp>
+        <p:nvSpPr>
+          <p:cNvPr id="2" name="Slide Image Placeholder 1"/>
+          <p:cNvSpPr>
+            <a:spLocks noGrp="1" noRot="1" noChangeAspect="1"/>
+          </p:cNvSpPr>
+          <p:nvPr>
+            <p:ph type="sldImg"/>
+          </p:nvPr>
+        </p:nvSpPr>
+        <p:spPr/>
+      </p:sp>
+      <p:sp>
+        <p:nvSpPr>
+          <p:cNvPr id="3" name="Notes Placeholder 2"/>
+          <p:cNvSpPr>
+            <a:spLocks noGrp="1"/>
+          </p:cNvSpPr>
+          <p:nvPr>
+            <p:ph type="body" idx="1"/>
+          </p:nvPr>
+        </p:nvSpPr>
+        <p:spPr/>
+        <p:txBody>
+          <a:bodyPr/>
+          <a:lstStyle/>
+          <a:p>
+            <a:pPr marL="171450" indent="-171450">
+              <a:buFont typeface="Arial" panose="020B0604020202020204" pitchFamily="34" charset="0"/>
+              <a:buChar char="•"/>
+            </a:pPr>
+            <a:r>
+              <a:rPr lang="en-US" dirty="0"/>
+              <a:t>An average value of 30m/d for hydraulic conductivity and 0.35 for porosity are used. An initial guess of 0.5 is used for the longitudinal </a:t>
+            </a:r>
+            <a:r>
+              <a:rPr lang="en-US" dirty="0" err="1"/>
+              <a:t>dispersivity</a:t>
+            </a:r>
+            <a:r>
+              <a:rPr lang="en-US" dirty="0"/>
+              <a:t>.</a:t>
+            </a:r>
+          </a:p>
+          <a:p>
+            <a:pPr marL="171450" indent="-171450">
+              <a:buFont typeface="Arial" panose="020B0604020202020204" pitchFamily="34" charset="0"/>
+              <a:buChar char="•"/>
+            </a:pPr>
+            <a:r>
+              <a:rPr lang="en-US" dirty="0"/>
+              <a:t>Salt transport model is added</a:t>
+            </a:r>
+          </a:p>
+          <a:p>
+            <a:pPr marL="171450" indent="-171450">
+              <a:buFont typeface="Arial" panose="020B0604020202020204" pitchFamily="34" charset="0"/>
+              <a:buChar char="•"/>
+            </a:pPr>
+            <a:r>
+              <a:rPr lang="en-US" dirty="0"/>
+              <a:t>The water is assumed to be injected throughout the year (303 days) and extracted in the 62 days during July and August.</a:t>
+            </a:r>
+          </a:p>
+          <a:p>
+            <a:pPr marL="171450" indent="-171450">
+              <a:buFont typeface="Arial" panose="020B0604020202020204" pitchFamily="34" charset="0"/>
+              <a:buChar char="•"/>
+            </a:pPr>
+            <a:r>
+              <a:rPr lang="en-US" dirty="0"/>
+              <a:t>The total wanted production is 40 000 m3 /year, initially a design factor of 1.25 is applied to account for losses resulting in a total injection of 50 000 m3 /year,. For the later years where efficiency reaches around 90% this is too high, but this is adjusted later.</a:t>
+            </a:r>
+          </a:p>
+          <a:p>
+            <a:pPr marL="171450" indent="-171450">
+              <a:buFont typeface="Arial" panose="020B0604020202020204" pitchFamily="34" charset="0"/>
+              <a:buChar char="•"/>
+            </a:pPr>
+            <a:r>
+              <a:rPr lang="en-US" dirty="0"/>
+              <a:t>This results in an extraction of 806m3 /d and an injection of 165m3 /d. The extraction is stopped when the concentration reaches 1g/L as this is a design limit. In the first year this happens after 27 days of extraction (day 340) as seen depicted as the purple line in figure 3.2. This results in a low efficiency of 61%. </a:t>
+            </a:r>
+            <a:endParaRPr lang="nl-NL" dirty="0"/>
+          </a:p>
+        </p:txBody>
+      </p:sp>
+      <p:sp>
+        <p:nvSpPr>
+          <p:cNvPr id="4" name="Slide Number Placeholder 3"/>
+          <p:cNvSpPr>
+            <a:spLocks noGrp="1"/>
+          </p:cNvSpPr>
+          <p:nvPr>
+            <p:ph type="sldNum" sz="quarter" idx="5"/>
+          </p:nvPr>
+        </p:nvSpPr>
+        <p:spPr/>
+        <p:txBody>
+          <a:bodyPr/>
+          <a:lstStyle/>
+          <a:p>
+            <a:fld id="{C28101FB-427A-49CD-9AED-368896EE5BDA}" type="slidenum">
+              <a:rPr lang="nl-NL" smtClean="0"/>
+              <a:t>12</a:t>
+            </a:fld>
+            <a:endParaRPr lang="nl-NL"/>
+          </a:p>
+        </p:txBody>
+      </p:sp>
+    </p:spTree>
+    <p:extLst>
+      <p:ext uri="{BB962C8B-B14F-4D97-AF65-F5344CB8AC3E}">
+        <p14:creationId xmlns:p14="http://schemas.microsoft.com/office/powerpoint/2010/main" val="751681926"/>
       </p:ext>
     </p:extLst>
   </p:cSld>
@@ -5708,6 +7334,18 @@
   <p:clrMapOvr>
     <a:masterClrMapping/>
   </p:clrMapOvr>
+  <mc:AlternateContent xmlns:mc="http://schemas.openxmlformats.org/markup-compatibility/2006">
+    <mc:Choice xmlns:p159="http://schemas.microsoft.com/office/powerpoint/2015/09/main" Requires="p159">
+      <p:transition xmlns:p14="http://schemas.microsoft.com/office/powerpoint/2010/main" spd="slow" p14:dur="2000">
+        <p159:morph option="byObject"/>
+      </p:transition>
+    </mc:Choice>
+    <mc:Fallback>
+      <p:transition spd="slow">
+        <p:fade/>
+      </p:transition>
+    </mc:Fallback>
+  </mc:AlternateContent>
   <p:timing>
     <p:tnLst>
       <p:par>
@@ -6480,13 +8118,13 @@
           <a:p>
             <a:pPr algn="r" fontAlgn="b"/>
             <a:r>
-              <a:rPr lang="en-GB" sz="4000" u="none" strike="noStrike">
+              <a:rPr lang="en-GB" sz="4000" u="none" strike="noStrike" dirty="0">
                 <a:solidFill>
                   <a:srgbClr val="FFFFFF"/>
                 </a:solidFill>
                 <a:effectLst/>
               </a:rPr>
-              <a:t>Schedule for injection, extraction and storage</a:t>
+              <a:t>Model one year</a:t>
             </a:r>
           </a:p>
         </p:txBody>
@@ -6520,22 +8158,58 @@
           <a:lstStyle/>
           <a:p>
             <a:pPr lvl="1"/>
-            <a:endParaRPr lang="en-GB" sz="2000"/>
+            <a:endParaRPr lang="en-GB" sz="2000" dirty="0"/>
           </a:p>
           <a:p>
             <a:pPr lvl="1"/>
-            <a:endParaRPr lang="en-GB" sz="2000"/>
+            <a:endParaRPr lang="en-GB" sz="2000" dirty="0"/>
           </a:p>
           <a:p>
             <a:pPr lvl="1"/>
-            <a:endParaRPr lang="en-GB" sz="2000"/>
+            <a:endParaRPr lang="en-GB" sz="2000" dirty="0"/>
           </a:p>
           <a:p>
             <a:pPr lvl="1"/>
-            <a:endParaRPr lang="en-NL" sz="2000"/>
-          </a:p>
-        </p:txBody>
-      </p:sp>
+            <a:endParaRPr lang="en-NL" sz="2000" dirty="0"/>
+          </a:p>
+        </p:txBody>
+      </p:sp>
+      <p:pic>
+        <p:nvPicPr>
+          <p:cNvPr id="5" name="Picture 4" descr="A graph of a function&#10;&#10;Description automatically generated">
+            <a:extLst>
+              <a:ext uri="{FF2B5EF4-FFF2-40B4-BE49-F238E27FC236}">
+                <a16:creationId xmlns:a16="http://schemas.microsoft.com/office/drawing/2014/main" id="{0F09AF89-5C15-A20E-C07E-ED1E1646EE21}"/>
+              </a:ext>
+            </a:extLst>
+          </p:cNvPr>
+          <p:cNvPicPr>
+            <a:picLocks noChangeAspect="1"/>
+          </p:cNvPicPr>
+          <p:nvPr/>
+        </p:nvPicPr>
+        <p:blipFill>
+          <a:blip r:embed="rId3">
+            <a:extLst>
+              <a:ext uri="{28A0092B-C50C-407E-A947-70E740481C1C}">
+                <a14:useLocalDpi xmlns:a14="http://schemas.microsoft.com/office/drawing/2010/main" val="0"/>
+              </a:ext>
+            </a:extLst>
+          </a:blip>
+          <a:stretch>
+            <a:fillRect/>
+          </a:stretch>
+        </p:blipFill>
+        <p:spPr>
+          <a:xfrm>
+            <a:off x="5034542" y="1200185"/>
+            <a:ext cx="6106780" cy="4406820"/>
+          </a:xfrm>
+          <a:prstGeom prst="rect">
+            <a:avLst/>
+          </a:prstGeom>
+        </p:spPr>
+      </p:pic>
     </p:spTree>
     <p:extLst>
       <p:ext uri="{BB962C8B-B14F-4D97-AF65-F5344CB8AC3E}">
@@ -6546,10 +8220,2446 @@
   <p:clrMapOvr>
     <a:masterClrMapping/>
   </p:clrMapOvr>
+  <mc:AlternateContent xmlns:mc="http://schemas.openxmlformats.org/markup-compatibility/2006">
+    <mc:Choice xmlns:p159="http://schemas.microsoft.com/office/powerpoint/2015/09/main" Requires="p159">
+      <p:transition xmlns:p14="http://schemas.microsoft.com/office/powerpoint/2010/main" spd="slow" p14:dur="2000">
+        <p159:morph option="byObject"/>
+      </p:transition>
+    </mc:Choice>
+    <mc:Fallback>
+      <p:transition spd="slow">
+        <p:fade/>
+      </p:transition>
+    </mc:Fallback>
+  </mc:AlternateContent>
 </p:sld>
 </file>
 
 <file path=ppt/slides/slide12.xml><?xml version="1.0" encoding="utf-8"?>
+<p:sld xmlns:a="http://schemas.openxmlformats.org/drawingml/2006/main" xmlns:r="http://schemas.openxmlformats.org/officeDocument/2006/relationships" xmlns:p="http://schemas.openxmlformats.org/presentationml/2006/main">
+  <p:cSld>
+    <p:bg>
+      <p:bgPr>
+        <a:solidFill>
+          <a:schemeClr val="bg1"/>
+        </a:solidFill>
+        <a:effectLst/>
+      </p:bgPr>
+    </p:bg>
+    <p:spTree>
+      <p:nvGrpSpPr>
+        <p:cNvPr id="1" name=""/>
+        <p:cNvGrpSpPr/>
+        <p:nvPr/>
+      </p:nvGrpSpPr>
+      <p:grpSpPr>
+        <a:xfrm>
+          <a:off x="0" y="0"/>
+          <a:ext cx="0" cy="0"/>
+          <a:chOff x="0" y="0"/>
+          <a:chExt cx="0" cy="0"/>
+        </a:xfrm>
+      </p:grpSpPr>
+      <p:sp useBgFill="1">
+        <p:nvSpPr>
+          <p:cNvPr id="8" name="Rectangle 7">
+            <a:extLst>
+              <a:ext uri="{FF2B5EF4-FFF2-40B4-BE49-F238E27FC236}">
+                <a16:creationId xmlns:a16="http://schemas.microsoft.com/office/drawing/2014/main" id="{09588DA8-065E-4F6F-8EFD-43104AB2E0CF}"/>
+              </a:ext>
+              <a:ext uri="{C183D7F6-B498-43B3-948B-1728B52AA6E4}">
+                <adec:decorative xmlns:adec="http://schemas.microsoft.com/office/drawing/2017/decorative" val="1"/>
+              </a:ext>
+            </a:extLst>
+          </p:cNvPr>
+          <p:cNvSpPr>
+            <a:spLocks noGrp="1" noRot="1" noChangeAspect="1" noMove="1" noResize="1" noEditPoints="1" noAdjustHandles="1" noChangeArrowheads="1" noChangeShapeType="1" noTextEdit="1"/>
+          </p:cNvSpPr>
+          <p:nvPr>
+            <p:extLst>
+              <p:ext uri="{386F3935-93C4-4BCD-93E2-E3B085C9AB24}">
+                <p16:designElem xmlns:p16="http://schemas.microsoft.com/office/powerpoint/2015/main" val="1"/>
+              </p:ext>
+            </p:extLst>
+          </p:nvPr>
+        </p:nvSpPr>
+        <p:spPr>
+          <a:xfrm>
+            <a:off x="0" y="0"/>
+            <a:ext cx="12192000" cy="6858000"/>
+          </a:xfrm>
+          <a:prstGeom prst="rect">
+            <a:avLst/>
+          </a:prstGeom>
+          <a:ln w="12700" cap="flat" cmpd="sng" algn="ctr">
+            <a:noFill/>
+            <a:prstDash val="solid"/>
+            <a:miter lim="800000"/>
+          </a:ln>
+          <a:effectLst/>
+          <a:extLst>
+            <a:ext uri="{91240B29-F687-4F45-9708-019B960494DF}">
+              <a14:hiddenLine xmlns:a14="http://schemas.microsoft.com/office/drawing/2010/main" w="12700" cap="flat" cmpd="sng" algn="ctr">
+                <a:solidFill>
+                  <a:schemeClr val="accent1">
+                    <a:shade val="50000"/>
+                  </a:schemeClr>
+                </a:solidFill>
+                <a:prstDash val="solid"/>
+                <a:miter lim="800000"/>
+              </a14:hiddenLine>
+            </a:ext>
+          </a:extLst>
+        </p:spPr>
+        <p:style>
+          <a:lnRef idx="2">
+            <a:schemeClr val="accent1">
+              <a:shade val="50000"/>
+            </a:schemeClr>
+          </a:lnRef>
+          <a:fillRef idx="1">
+            <a:schemeClr val="accent1"/>
+          </a:fillRef>
+          <a:effectRef idx="0">
+            <a:schemeClr val="accent1"/>
+          </a:effectRef>
+          <a:fontRef idx="minor">
+            <a:schemeClr val="lt1"/>
+          </a:fontRef>
+        </p:style>
+        <p:txBody>
+          <a:bodyPr rtlCol="0" anchor="ctr"/>
+          <a:lstStyle/>
+          <a:p>
+            <a:pPr algn="ctr"/>
+            <a:endParaRPr lang="en-US"/>
+          </a:p>
+        </p:txBody>
+      </p:sp>
+      <p:sp useBgFill="1">
+        <p:nvSpPr>
+          <p:cNvPr id="10" name="Rectangle 9">
+            <a:extLst>
+              <a:ext uri="{FF2B5EF4-FFF2-40B4-BE49-F238E27FC236}">
+                <a16:creationId xmlns:a16="http://schemas.microsoft.com/office/drawing/2014/main" id="{C4285719-470E-454C-AF62-8323075F1F5B}"/>
+              </a:ext>
+              <a:ext uri="{C183D7F6-B498-43B3-948B-1728B52AA6E4}">
+                <adec:decorative xmlns:adec="http://schemas.microsoft.com/office/drawing/2017/decorative" val="1"/>
+              </a:ext>
+            </a:extLst>
+          </p:cNvPr>
+          <p:cNvSpPr>
+            <a:spLocks noGrp="1" noRot="1" noChangeAspect="1" noMove="1" noResize="1" noEditPoints="1" noAdjustHandles="1" noChangeArrowheads="1" noChangeShapeType="1" noTextEdit="1"/>
+          </p:cNvSpPr>
+          <p:nvPr>
+            <p:extLst>
+              <p:ext uri="{386F3935-93C4-4BCD-93E2-E3B085C9AB24}">
+                <p16:designElem xmlns:p16="http://schemas.microsoft.com/office/powerpoint/2015/main" val="1"/>
+              </p:ext>
+            </p:extLst>
+          </p:nvPr>
+        </p:nvSpPr>
+        <p:spPr>
+          <a:xfrm>
+            <a:off x="0" y="0"/>
+            <a:ext cx="12188952" cy="6858000"/>
+          </a:xfrm>
+          <a:prstGeom prst="rect">
+            <a:avLst/>
+          </a:prstGeom>
+          <a:ln w="12700" cap="flat" cmpd="sng" algn="ctr">
+            <a:noFill/>
+            <a:prstDash val="solid"/>
+            <a:miter lim="800000"/>
+          </a:ln>
+          <a:effectLst/>
+          <a:extLst>
+            <a:ext uri="{91240B29-F687-4F45-9708-019B960494DF}">
+              <a14:hiddenLine xmlns:a14="http://schemas.microsoft.com/office/drawing/2010/main" w="12700" cap="flat" cmpd="sng" algn="ctr">
+                <a:solidFill>
+                  <a:schemeClr val="accent1">
+                    <a:shade val="50000"/>
+                  </a:schemeClr>
+                </a:solidFill>
+                <a:prstDash val="solid"/>
+                <a:miter lim="800000"/>
+              </a14:hiddenLine>
+            </a:ext>
+          </a:extLst>
+        </p:spPr>
+        <p:style>
+          <a:lnRef idx="2">
+            <a:schemeClr val="accent1">
+              <a:shade val="50000"/>
+            </a:schemeClr>
+          </a:lnRef>
+          <a:fillRef idx="1">
+            <a:schemeClr val="accent1"/>
+          </a:fillRef>
+          <a:effectRef idx="0">
+            <a:schemeClr val="accent1"/>
+          </a:effectRef>
+          <a:fontRef idx="minor">
+            <a:schemeClr val="lt1"/>
+          </a:fontRef>
+        </p:style>
+        <p:txBody>
+          <a:bodyPr rtlCol="0" anchor="ctr"/>
+          <a:lstStyle/>
+          <a:p>
+            <a:pPr algn="ctr"/>
+            <a:endParaRPr lang="en-US"/>
+          </a:p>
+        </p:txBody>
+      </p:sp>
+      <p:sp>
+        <p:nvSpPr>
+          <p:cNvPr id="12" name="Rectangle 11">
+            <a:extLst>
+              <a:ext uri="{FF2B5EF4-FFF2-40B4-BE49-F238E27FC236}">
+                <a16:creationId xmlns:a16="http://schemas.microsoft.com/office/drawing/2014/main" id="{CD9FE4EF-C4D8-49A0-B2FF-81D8DB7D8A24}"/>
+              </a:ext>
+              <a:ext uri="{C183D7F6-B498-43B3-948B-1728B52AA6E4}">
+                <adec:decorative xmlns:adec="http://schemas.microsoft.com/office/drawing/2017/decorative" val="1"/>
+              </a:ext>
+            </a:extLst>
+          </p:cNvPr>
+          <p:cNvSpPr>
+            <a:spLocks noGrp="1" noRot="1" noChangeAspect="1" noMove="1" noResize="1" noEditPoints="1" noAdjustHandles="1" noChangeArrowheads="1" noChangeShapeType="1" noTextEdit="1"/>
+          </p:cNvSpPr>
+          <p:nvPr>
+            <p:extLst>
+              <p:ext uri="{386F3935-93C4-4BCD-93E2-E3B085C9AB24}">
+                <p16:designElem xmlns:p16="http://schemas.microsoft.com/office/powerpoint/2015/main" val="1"/>
+              </p:ext>
+            </p:extLst>
+          </p:nvPr>
+        </p:nvSpPr>
+        <p:spPr>
+          <a:xfrm rot="5400000" flipH="1">
+            <a:off x="-1410084" y="1410082"/>
+            <a:ext cx="6858000" cy="4037836"/>
+          </a:xfrm>
+          <a:prstGeom prst="rect">
+            <a:avLst/>
+          </a:prstGeom>
+          <a:gradFill>
+            <a:gsLst>
+              <a:gs pos="8000">
+                <a:srgbClr val="000000"/>
+              </a:gs>
+              <a:gs pos="100000">
+                <a:schemeClr val="accent1">
+                  <a:lumMod val="75000"/>
+                </a:schemeClr>
+              </a:gs>
+            </a:gsLst>
+            <a:lin ang="3000000" scaled="0"/>
+          </a:gradFill>
+          <a:ln>
+            <a:noFill/>
+          </a:ln>
+        </p:spPr>
+        <p:style>
+          <a:lnRef idx="2">
+            <a:schemeClr val="accent1">
+              <a:shade val="50000"/>
+            </a:schemeClr>
+          </a:lnRef>
+          <a:fillRef idx="1">
+            <a:schemeClr val="accent1"/>
+          </a:fillRef>
+          <a:effectRef idx="0">
+            <a:schemeClr val="accent1"/>
+          </a:effectRef>
+          <a:fontRef idx="minor">
+            <a:schemeClr val="lt1"/>
+          </a:fontRef>
+        </p:style>
+        <p:txBody>
+          <a:bodyPr rtlCol="0" anchor="ctr"/>
+          <a:lstStyle/>
+          <a:p>
+            <a:pPr algn="ctr"/>
+            <a:endParaRPr lang="en-US"/>
+          </a:p>
+        </p:txBody>
+      </p:sp>
+      <p:sp>
+        <p:nvSpPr>
+          <p:cNvPr id="14" name="Rectangle 13">
+            <a:extLst>
+              <a:ext uri="{FF2B5EF4-FFF2-40B4-BE49-F238E27FC236}">
+                <a16:creationId xmlns:a16="http://schemas.microsoft.com/office/drawing/2014/main" id="{4300840D-0A0B-4512-BACA-B439D5B9C57C}"/>
+              </a:ext>
+              <a:ext uri="{C183D7F6-B498-43B3-948B-1728B52AA6E4}">
+                <adec:decorative xmlns:adec="http://schemas.microsoft.com/office/drawing/2017/decorative" val="1"/>
+              </a:ext>
+            </a:extLst>
+          </p:cNvPr>
+          <p:cNvSpPr>
+            <a:spLocks noGrp="1" noRot="1" noChangeAspect="1" noMove="1" noResize="1" noEditPoints="1" noAdjustHandles="1" noChangeArrowheads="1" noChangeShapeType="1" noTextEdit="1"/>
+          </p:cNvSpPr>
+          <p:nvPr>
+            <p:extLst>
+              <p:ext uri="{386F3935-93C4-4BCD-93E2-E3B085C9AB24}">
+                <p16:designElem xmlns:p16="http://schemas.microsoft.com/office/powerpoint/2015/main" val="1"/>
+              </p:ext>
+            </p:extLst>
+          </p:nvPr>
+        </p:nvSpPr>
+        <p:spPr>
+          <a:xfrm rot="5400000" flipH="1">
+            <a:off x="-1410085" y="1420219"/>
+            <a:ext cx="6857999" cy="4037839"/>
+          </a:xfrm>
+          <a:prstGeom prst="rect">
+            <a:avLst/>
+          </a:prstGeom>
+          <a:gradFill>
+            <a:gsLst>
+              <a:gs pos="0">
+                <a:srgbClr val="000000">
+                  <a:alpha val="0"/>
+                </a:srgbClr>
+              </a:gs>
+              <a:gs pos="99000">
+                <a:schemeClr val="accent1">
+                  <a:alpha val="46000"/>
+                </a:schemeClr>
+              </a:gs>
+            </a:gsLst>
+            <a:lin ang="1800000" scaled="0"/>
+          </a:gradFill>
+          <a:ln>
+            <a:noFill/>
+          </a:ln>
+        </p:spPr>
+        <p:style>
+          <a:lnRef idx="2">
+            <a:schemeClr val="accent1">
+              <a:shade val="50000"/>
+            </a:schemeClr>
+          </a:lnRef>
+          <a:fillRef idx="1">
+            <a:schemeClr val="accent1"/>
+          </a:fillRef>
+          <a:effectRef idx="0">
+            <a:schemeClr val="accent1"/>
+          </a:effectRef>
+          <a:fontRef idx="minor">
+            <a:schemeClr val="lt1"/>
+          </a:fontRef>
+        </p:style>
+        <p:txBody>
+          <a:bodyPr rtlCol="0" anchor="ctr"/>
+          <a:lstStyle/>
+          <a:p>
+            <a:pPr algn="ctr"/>
+            <a:endParaRPr lang="en-US"/>
+          </a:p>
+        </p:txBody>
+      </p:sp>
+      <p:sp>
+        <p:nvSpPr>
+          <p:cNvPr id="16" name="Rectangle 15">
+            <a:extLst>
+              <a:ext uri="{FF2B5EF4-FFF2-40B4-BE49-F238E27FC236}">
+                <a16:creationId xmlns:a16="http://schemas.microsoft.com/office/drawing/2014/main" id="{D2B78728-A580-49A7-84F9-6EF6F583ADE0}"/>
+              </a:ext>
+              <a:ext uri="{C183D7F6-B498-43B3-948B-1728B52AA6E4}">
+                <adec:decorative xmlns:adec="http://schemas.microsoft.com/office/drawing/2017/decorative" val="1"/>
+              </a:ext>
+            </a:extLst>
+          </p:cNvPr>
+          <p:cNvSpPr>
+            <a:spLocks noGrp="1" noRot="1" noChangeAspect="1" noMove="1" noResize="1" noEditPoints="1" noAdjustHandles="1" noChangeArrowheads="1" noChangeShapeType="1" noTextEdit="1"/>
+          </p:cNvSpPr>
+          <p:nvPr>
+            <p:extLst>
+              <p:ext uri="{386F3935-93C4-4BCD-93E2-E3B085C9AB24}">
+                <p16:designElem xmlns:p16="http://schemas.microsoft.com/office/powerpoint/2015/main" val="1"/>
+              </p:ext>
+            </p:extLst>
+          </p:nvPr>
+        </p:nvSpPr>
+        <p:spPr>
+          <a:xfrm rot="5400000" flipH="1">
+            <a:off x="767923" y="3588085"/>
+            <a:ext cx="2501979" cy="4037841"/>
+          </a:xfrm>
+          <a:prstGeom prst="rect">
+            <a:avLst/>
+          </a:prstGeom>
+          <a:gradFill>
+            <a:gsLst>
+              <a:gs pos="2000">
+                <a:schemeClr val="accent1">
+                  <a:alpha val="29000"/>
+                </a:schemeClr>
+              </a:gs>
+              <a:gs pos="100000">
+                <a:srgbClr val="000000">
+                  <a:alpha val="30000"/>
+                </a:srgbClr>
+              </a:gs>
+            </a:gsLst>
+            <a:lin ang="7800000" scaled="0"/>
+          </a:gradFill>
+          <a:ln>
+            <a:noFill/>
+          </a:ln>
+        </p:spPr>
+        <p:style>
+          <a:lnRef idx="2">
+            <a:schemeClr val="accent1">
+              <a:shade val="50000"/>
+            </a:schemeClr>
+          </a:lnRef>
+          <a:fillRef idx="1">
+            <a:schemeClr val="accent1"/>
+          </a:fillRef>
+          <a:effectRef idx="0">
+            <a:schemeClr val="accent1"/>
+          </a:effectRef>
+          <a:fontRef idx="minor">
+            <a:schemeClr val="lt1"/>
+          </a:fontRef>
+        </p:style>
+        <p:txBody>
+          <a:bodyPr rtlCol="0" anchor="ctr"/>
+          <a:lstStyle/>
+          <a:p>
+            <a:pPr algn="ctr"/>
+            <a:endParaRPr lang="en-US" dirty="0"/>
+          </a:p>
+        </p:txBody>
+      </p:sp>
+      <p:sp>
+        <p:nvSpPr>
+          <p:cNvPr id="18" name="Freeform: Shape 17">
+            <a:extLst>
+              <a:ext uri="{FF2B5EF4-FFF2-40B4-BE49-F238E27FC236}">
+                <a16:creationId xmlns:a16="http://schemas.microsoft.com/office/drawing/2014/main" id="{38FAA1A1-D861-433F-88FA-1E9D6FD31D11}"/>
+              </a:ext>
+              <a:ext uri="{C183D7F6-B498-43B3-948B-1728B52AA6E4}">
+                <adec:decorative xmlns:adec="http://schemas.microsoft.com/office/drawing/2017/decorative" val="1"/>
+              </a:ext>
+            </a:extLst>
+          </p:cNvPr>
+          <p:cNvSpPr>
+            <a:spLocks noGrp="1" noRot="1" noChangeAspect="1" noMove="1" noResize="1" noEditPoints="1" noAdjustHandles="1" noChangeArrowheads="1" noChangeShapeType="1" noTextEdit="1"/>
+          </p:cNvSpPr>
+          <p:nvPr>
+            <p:extLst>
+              <p:ext uri="{386F3935-93C4-4BCD-93E2-E3B085C9AB24}">
+                <p16:designElem xmlns:p16="http://schemas.microsoft.com/office/powerpoint/2015/main" val="1"/>
+              </p:ext>
+            </p:extLst>
+          </p:nvPr>
+        </p:nvSpPr>
+        <p:spPr>
+          <a:xfrm rot="20635413">
+            <a:off x="-501737" y="969718"/>
+            <a:ext cx="3900357" cy="4178958"/>
+          </a:xfrm>
+          <a:custGeom>
+            <a:avLst/>
+            <a:gdLst>
+              <a:gd name="connsiteX0" fmla="*/ 2432225 w 3900357"/>
+              <a:gd name="connsiteY0" fmla="*/ 93939 h 4178958"/>
+              <a:gd name="connsiteX1" fmla="*/ 3900357 w 3900357"/>
+              <a:gd name="connsiteY1" fmla="*/ 2089479 h 4178958"/>
+              <a:gd name="connsiteX2" fmla="*/ 1810878 w 3900357"/>
+              <a:gd name="connsiteY2" fmla="*/ 4178958 h 4178958"/>
+              <a:gd name="connsiteX3" fmla="*/ 78249 w 3900357"/>
+              <a:gd name="connsiteY3" fmla="*/ 3257727 h 4178958"/>
+              <a:gd name="connsiteX4" fmla="*/ 0 w 3900357"/>
+              <a:gd name="connsiteY4" fmla="*/ 3128923 h 4178958"/>
+              <a:gd name="connsiteX5" fmla="*/ 831324 w 3900357"/>
+              <a:gd name="connsiteY5" fmla="*/ 244281 h 4178958"/>
+              <a:gd name="connsiteX6" fmla="*/ 997559 w 3900357"/>
+              <a:gd name="connsiteY6" fmla="*/ 164202 h 4178958"/>
+              <a:gd name="connsiteX7" fmla="*/ 1810878 w 3900357"/>
+              <a:gd name="connsiteY7" fmla="*/ 0 h 4178958"/>
+              <a:gd name="connsiteX8" fmla="*/ 2432225 w 3900357"/>
+              <a:gd name="connsiteY8" fmla="*/ 93939 h 4178958"/>
+            </a:gdLst>
+            <a:ahLst/>
+            <a:cxnLst>
+              <a:cxn ang="0">
+                <a:pos x="connsiteX0" y="connsiteY0"/>
+              </a:cxn>
+              <a:cxn ang="0">
+                <a:pos x="connsiteX1" y="connsiteY1"/>
+              </a:cxn>
+              <a:cxn ang="0">
+                <a:pos x="connsiteX2" y="connsiteY2"/>
+              </a:cxn>
+              <a:cxn ang="0">
+                <a:pos x="connsiteX3" y="connsiteY3"/>
+              </a:cxn>
+              <a:cxn ang="0">
+                <a:pos x="connsiteX4" y="connsiteY4"/>
+              </a:cxn>
+              <a:cxn ang="0">
+                <a:pos x="connsiteX5" y="connsiteY5"/>
+              </a:cxn>
+              <a:cxn ang="0">
+                <a:pos x="connsiteX6" y="connsiteY6"/>
+              </a:cxn>
+              <a:cxn ang="0">
+                <a:pos x="connsiteX7" y="connsiteY7"/>
+              </a:cxn>
+              <a:cxn ang="0">
+                <a:pos x="connsiteX8" y="connsiteY8"/>
+              </a:cxn>
+            </a:cxnLst>
+            <a:rect l="l" t="t" r="r" b="b"/>
+            <a:pathLst>
+              <a:path w="3900357" h="4178958">
+                <a:moveTo>
+                  <a:pt x="2432225" y="93939"/>
+                </a:moveTo>
+                <a:cubicBezTo>
+                  <a:pt x="3282786" y="358491"/>
+                  <a:pt x="3900357" y="1151865"/>
+                  <a:pt x="3900357" y="2089479"/>
+                </a:cubicBezTo>
+                <a:cubicBezTo>
+                  <a:pt x="3900357" y="3243466"/>
+                  <a:pt x="2964865" y="4178958"/>
+                  <a:pt x="1810878" y="4178958"/>
+                </a:cubicBezTo>
+                <a:cubicBezTo>
+                  <a:pt x="1089636" y="4178958"/>
+                  <a:pt x="453744" y="3813531"/>
+                  <a:pt x="78249" y="3257727"/>
+                </a:cubicBezTo>
+                <a:lnTo>
+                  <a:pt x="0" y="3128923"/>
+                </a:lnTo>
+                <a:lnTo>
+                  <a:pt x="831324" y="244281"/>
+                </a:lnTo>
+                <a:lnTo>
+                  <a:pt x="997559" y="164202"/>
+                </a:lnTo>
+                <a:cubicBezTo>
+                  <a:pt x="1247540" y="58468"/>
+                  <a:pt x="1522381" y="0"/>
+                  <a:pt x="1810878" y="0"/>
+                </a:cubicBezTo>
+                <a:cubicBezTo>
+                  <a:pt x="2027251" y="0"/>
+                  <a:pt x="2235942" y="32888"/>
+                  <a:pt x="2432225" y="93939"/>
+                </a:cubicBezTo>
+                <a:close/>
+              </a:path>
+            </a:pathLst>
+          </a:custGeom>
+          <a:gradFill>
+            <a:gsLst>
+              <a:gs pos="29000">
+                <a:srgbClr val="000000">
+                  <a:alpha val="0"/>
+                </a:srgbClr>
+              </a:gs>
+              <a:gs pos="100000">
+                <a:schemeClr val="accent1">
+                  <a:alpha val="43000"/>
+                </a:schemeClr>
+              </a:gs>
+            </a:gsLst>
+            <a:lin ang="1800000" scaled="0"/>
+          </a:gradFill>
+          <a:ln>
+            <a:noFill/>
+          </a:ln>
+        </p:spPr>
+        <p:style>
+          <a:lnRef idx="2">
+            <a:schemeClr val="accent1">
+              <a:shade val="50000"/>
+            </a:schemeClr>
+          </a:lnRef>
+          <a:fillRef idx="1">
+            <a:schemeClr val="accent1"/>
+          </a:fillRef>
+          <a:effectRef idx="0">
+            <a:schemeClr val="accent1"/>
+          </a:effectRef>
+          <a:fontRef idx="minor">
+            <a:schemeClr val="lt1"/>
+          </a:fontRef>
+        </p:style>
+        <p:txBody>
+          <a:bodyPr wrap="square" rtlCol="0" anchor="ctr">
+            <a:noAutofit/>
+          </a:bodyPr>
+          <a:lstStyle/>
+          <a:p>
+            <a:pPr algn="ctr"/>
+            <a:endParaRPr lang="en-US" dirty="0"/>
+          </a:p>
+        </p:txBody>
+      </p:sp>
+      <p:sp>
+        <p:nvSpPr>
+          <p:cNvPr id="20" name="Rectangle 19">
+            <a:extLst>
+              <a:ext uri="{FF2B5EF4-FFF2-40B4-BE49-F238E27FC236}">
+                <a16:creationId xmlns:a16="http://schemas.microsoft.com/office/drawing/2014/main" id="{8D71EDA1-87BF-4D5D-AB79-F346FD19278A}"/>
+              </a:ext>
+              <a:ext uri="{C183D7F6-B498-43B3-948B-1728B52AA6E4}">
+                <adec:decorative xmlns:adec="http://schemas.microsoft.com/office/drawing/2017/decorative" val="1"/>
+              </a:ext>
+            </a:extLst>
+          </p:cNvPr>
+          <p:cNvSpPr>
+            <a:spLocks noGrp="1" noRot="1" noChangeAspect="1" noMove="1" noResize="1" noEditPoints="1" noAdjustHandles="1" noChangeArrowheads="1" noChangeShapeType="1" noTextEdit="1"/>
+          </p:cNvSpPr>
+          <p:nvPr>
+            <p:extLst>
+              <p:ext uri="{386F3935-93C4-4BCD-93E2-E3B085C9AB24}">
+                <p16:designElem xmlns:p16="http://schemas.microsoft.com/office/powerpoint/2015/main" val="1"/>
+              </p:ext>
+            </p:extLst>
+          </p:nvPr>
+        </p:nvSpPr>
+        <p:spPr>
+          <a:xfrm rot="5400000" flipH="1">
+            <a:off x="-1410093" y="1399943"/>
+            <a:ext cx="6858003" cy="4037835"/>
+          </a:xfrm>
+          <a:prstGeom prst="rect">
+            <a:avLst/>
+          </a:prstGeom>
+          <a:gradFill>
+            <a:gsLst>
+              <a:gs pos="0">
+                <a:srgbClr val="000000">
+                  <a:alpha val="0"/>
+                </a:srgbClr>
+              </a:gs>
+              <a:gs pos="99000">
+                <a:schemeClr val="accent1">
+                  <a:lumMod val="60000"/>
+                  <a:lumOff val="40000"/>
+                  <a:alpha val="11000"/>
+                </a:schemeClr>
+              </a:gs>
+            </a:gsLst>
+            <a:lin ang="7200000" scaled="0"/>
+          </a:gradFill>
+          <a:ln>
+            <a:noFill/>
+          </a:ln>
+        </p:spPr>
+        <p:style>
+          <a:lnRef idx="2">
+            <a:schemeClr val="accent1">
+              <a:shade val="50000"/>
+            </a:schemeClr>
+          </a:lnRef>
+          <a:fillRef idx="1">
+            <a:schemeClr val="accent1"/>
+          </a:fillRef>
+          <a:effectRef idx="0">
+            <a:schemeClr val="accent1"/>
+          </a:effectRef>
+          <a:fontRef idx="minor">
+            <a:schemeClr val="lt1"/>
+          </a:fontRef>
+        </p:style>
+        <p:txBody>
+          <a:bodyPr rtlCol="0" anchor="ctr"/>
+          <a:lstStyle/>
+          <a:p>
+            <a:pPr algn="ctr"/>
+            <a:endParaRPr lang="en-US"/>
+          </a:p>
+        </p:txBody>
+      </p:sp>
+      <p:sp>
+        <p:nvSpPr>
+          <p:cNvPr id="2" name="Title 1">
+            <a:extLst>
+              <a:ext uri="{FF2B5EF4-FFF2-40B4-BE49-F238E27FC236}">
+                <a16:creationId xmlns:a16="http://schemas.microsoft.com/office/drawing/2014/main" id="{B501916C-D4E2-386A-B250-5CEAF46B5F6D}"/>
+              </a:ext>
+            </a:extLst>
+          </p:cNvPr>
+          <p:cNvSpPr>
+            <a:spLocks noGrp="1"/>
+          </p:cNvSpPr>
+          <p:nvPr>
+            <p:ph type="title"/>
+          </p:nvPr>
+        </p:nvSpPr>
+        <p:spPr>
+          <a:xfrm>
+            <a:off x="466722" y="586855"/>
+            <a:ext cx="3201366" cy="3387497"/>
+          </a:xfrm>
+        </p:spPr>
+        <p:txBody>
+          <a:bodyPr anchor="b">
+            <a:normAutofit/>
+          </a:bodyPr>
+          <a:lstStyle/>
+          <a:p>
+            <a:pPr algn="r" fontAlgn="b"/>
+            <a:r>
+              <a:rPr lang="en-GB" sz="4000" u="none" strike="noStrike">
+                <a:solidFill>
+                  <a:srgbClr val="FFFFFF"/>
+                </a:solidFill>
+                <a:effectLst/>
+              </a:rPr>
+              <a:t>Concentration during injection &amp; extraction</a:t>
+            </a:r>
+            <a:endParaRPr lang="en-GB" sz="4000" u="none" strike="noStrike" dirty="0">
+              <a:solidFill>
+                <a:srgbClr val="FFFFFF"/>
+              </a:solidFill>
+              <a:effectLst/>
+            </a:endParaRPr>
+          </a:p>
+        </p:txBody>
+      </p:sp>
+      <p:sp>
+        <p:nvSpPr>
+          <p:cNvPr id="3" name="Content Placeholder 2">
+            <a:extLst>
+              <a:ext uri="{FF2B5EF4-FFF2-40B4-BE49-F238E27FC236}">
+                <a16:creationId xmlns:a16="http://schemas.microsoft.com/office/drawing/2014/main" id="{09C5E4A4-9126-BB3E-A065-D2362182A902}"/>
+              </a:ext>
+            </a:extLst>
+          </p:cNvPr>
+          <p:cNvSpPr>
+            <a:spLocks noGrp="1"/>
+          </p:cNvSpPr>
+          <p:nvPr>
+            <p:ph idx="1"/>
+          </p:nvPr>
+        </p:nvSpPr>
+        <p:spPr>
+          <a:xfrm>
+            <a:off x="4810259" y="649480"/>
+            <a:ext cx="6555347" cy="5546047"/>
+          </a:xfrm>
+        </p:spPr>
+        <p:txBody>
+          <a:bodyPr numCol="2" anchor="ctr">
+            <a:normAutofit/>
+          </a:bodyPr>
+          <a:lstStyle/>
+          <a:p>
+            <a:pPr lvl="1"/>
+            <a:endParaRPr lang="en-GB" sz="2000"/>
+          </a:p>
+          <a:p>
+            <a:pPr lvl="1"/>
+            <a:endParaRPr lang="en-GB" sz="2000"/>
+          </a:p>
+          <a:p>
+            <a:pPr lvl="1"/>
+            <a:endParaRPr lang="en-GB" sz="2000"/>
+          </a:p>
+          <a:p>
+            <a:pPr lvl="1"/>
+            <a:endParaRPr lang="en-NL" sz="2000" dirty="0"/>
+          </a:p>
+        </p:txBody>
+      </p:sp>
+      <p:pic>
+        <p:nvPicPr>
+          <p:cNvPr id="5" name="Picture 4">
+            <a:extLst>
+              <a:ext uri="{FF2B5EF4-FFF2-40B4-BE49-F238E27FC236}">
+                <a16:creationId xmlns:a16="http://schemas.microsoft.com/office/drawing/2014/main" id="{5A74841E-6349-F430-87DF-A5883A1BD42B}"/>
+              </a:ext>
+            </a:extLst>
+          </p:cNvPr>
+          <p:cNvPicPr>
+            <a:picLocks noChangeAspect="1"/>
+          </p:cNvPicPr>
+          <p:nvPr/>
+        </p:nvPicPr>
+        <p:blipFill>
+          <a:blip r:embed="rId3">
+            <a:extLst>
+              <a:ext uri="{28A0092B-C50C-407E-A947-70E740481C1C}">
+                <a14:useLocalDpi xmlns:a14="http://schemas.microsoft.com/office/drawing/2010/main" val="0"/>
+              </a:ext>
+            </a:extLst>
+          </a:blip>
+          <a:stretch>
+            <a:fillRect/>
+          </a:stretch>
+        </p:blipFill>
+        <p:spPr>
+          <a:xfrm>
+            <a:off x="4268389" y="1937529"/>
+            <a:ext cx="7772415" cy="2962662"/>
+          </a:xfrm>
+          <a:prstGeom prst="rect">
+            <a:avLst/>
+          </a:prstGeom>
+        </p:spPr>
+      </p:pic>
+    </p:spTree>
+    <p:extLst>
+      <p:ext uri="{BB962C8B-B14F-4D97-AF65-F5344CB8AC3E}">
+        <p14:creationId xmlns:p14="http://schemas.microsoft.com/office/powerpoint/2010/main" val="1474440223"/>
+      </p:ext>
+    </p:extLst>
+  </p:cSld>
+  <p:clrMapOvr>
+    <a:masterClrMapping/>
+  </p:clrMapOvr>
+  <mc:AlternateContent xmlns:mc="http://schemas.openxmlformats.org/markup-compatibility/2006">
+    <mc:Choice xmlns:p159="http://schemas.microsoft.com/office/powerpoint/2015/09/main" Requires="p159">
+      <p:transition xmlns:p14="http://schemas.microsoft.com/office/powerpoint/2010/main" spd="slow" p14:dur="2000">
+        <p159:morph option="byObject"/>
+      </p:transition>
+    </mc:Choice>
+    <mc:Fallback>
+      <p:transition spd="slow">
+        <p:fade/>
+      </p:transition>
+    </mc:Fallback>
+  </mc:AlternateContent>
+</p:sld>
+</file>
+
+<file path=ppt/slides/slide13.xml><?xml version="1.0" encoding="utf-8"?>
+<p:sld xmlns:a="http://schemas.openxmlformats.org/drawingml/2006/main" xmlns:r="http://schemas.openxmlformats.org/officeDocument/2006/relationships" xmlns:p="http://schemas.openxmlformats.org/presentationml/2006/main">
+  <p:cSld>
+    <p:bg>
+      <p:bgPr>
+        <a:solidFill>
+          <a:schemeClr val="bg1"/>
+        </a:solidFill>
+        <a:effectLst/>
+      </p:bgPr>
+    </p:bg>
+    <p:spTree>
+      <p:nvGrpSpPr>
+        <p:cNvPr id="1" name=""/>
+        <p:cNvGrpSpPr/>
+        <p:nvPr/>
+      </p:nvGrpSpPr>
+      <p:grpSpPr>
+        <a:xfrm>
+          <a:off x="0" y="0"/>
+          <a:ext cx="0" cy="0"/>
+          <a:chOff x="0" y="0"/>
+          <a:chExt cx="0" cy="0"/>
+        </a:xfrm>
+      </p:grpSpPr>
+      <p:sp useBgFill="1">
+        <p:nvSpPr>
+          <p:cNvPr id="8" name="Rectangle 7">
+            <a:extLst>
+              <a:ext uri="{FF2B5EF4-FFF2-40B4-BE49-F238E27FC236}">
+                <a16:creationId xmlns:a16="http://schemas.microsoft.com/office/drawing/2014/main" id="{09588DA8-065E-4F6F-8EFD-43104AB2E0CF}"/>
+              </a:ext>
+              <a:ext uri="{C183D7F6-B498-43B3-948B-1728B52AA6E4}">
+                <adec:decorative xmlns:adec="http://schemas.microsoft.com/office/drawing/2017/decorative" val="1"/>
+              </a:ext>
+            </a:extLst>
+          </p:cNvPr>
+          <p:cNvSpPr>
+            <a:spLocks noGrp="1" noRot="1" noChangeAspect="1" noMove="1" noResize="1" noEditPoints="1" noAdjustHandles="1" noChangeArrowheads="1" noChangeShapeType="1" noTextEdit="1"/>
+          </p:cNvSpPr>
+          <p:nvPr>
+            <p:extLst>
+              <p:ext uri="{386F3935-93C4-4BCD-93E2-E3B085C9AB24}">
+                <p16:designElem xmlns:p16="http://schemas.microsoft.com/office/powerpoint/2015/main" val="1"/>
+              </p:ext>
+            </p:extLst>
+          </p:nvPr>
+        </p:nvSpPr>
+        <p:spPr>
+          <a:xfrm>
+            <a:off x="0" y="0"/>
+            <a:ext cx="12192000" cy="6858000"/>
+          </a:xfrm>
+          <a:prstGeom prst="rect">
+            <a:avLst/>
+          </a:prstGeom>
+          <a:ln w="12700" cap="flat" cmpd="sng" algn="ctr">
+            <a:noFill/>
+            <a:prstDash val="solid"/>
+            <a:miter lim="800000"/>
+          </a:ln>
+          <a:effectLst/>
+          <a:extLst>
+            <a:ext uri="{91240B29-F687-4F45-9708-019B960494DF}">
+              <a14:hiddenLine xmlns:a14="http://schemas.microsoft.com/office/drawing/2010/main" w="12700" cap="flat" cmpd="sng" algn="ctr">
+                <a:solidFill>
+                  <a:schemeClr val="accent1">
+                    <a:shade val="50000"/>
+                  </a:schemeClr>
+                </a:solidFill>
+                <a:prstDash val="solid"/>
+                <a:miter lim="800000"/>
+              </a14:hiddenLine>
+            </a:ext>
+          </a:extLst>
+        </p:spPr>
+        <p:style>
+          <a:lnRef idx="2">
+            <a:schemeClr val="accent1">
+              <a:shade val="50000"/>
+            </a:schemeClr>
+          </a:lnRef>
+          <a:fillRef idx="1">
+            <a:schemeClr val="accent1"/>
+          </a:fillRef>
+          <a:effectRef idx="0">
+            <a:schemeClr val="accent1"/>
+          </a:effectRef>
+          <a:fontRef idx="minor">
+            <a:schemeClr val="lt1"/>
+          </a:fontRef>
+        </p:style>
+        <p:txBody>
+          <a:bodyPr rtlCol="0" anchor="ctr"/>
+          <a:lstStyle/>
+          <a:p>
+            <a:pPr algn="ctr"/>
+            <a:endParaRPr lang="en-US"/>
+          </a:p>
+        </p:txBody>
+      </p:sp>
+      <p:sp useBgFill="1">
+        <p:nvSpPr>
+          <p:cNvPr id="10" name="Rectangle 9">
+            <a:extLst>
+              <a:ext uri="{FF2B5EF4-FFF2-40B4-BE49-F238E27FC236}">
+                <a16:creationId xmlns:a16="http://schemas.microsoft.com/office/drawing/2014/main" id="{C4285719-470E-454C-AF62-8323075F1F5B}"/>
+              </a:ext>
+              <a:ext uri="{C183D7F6-B498-43B3-948B-1728B52AA6E4}">
+                <adec:decorative xmlns:adec="http://schemas.microsoft.com/office/drawing/2017/decorative" val="1"/>
+              </a:ext>
+            </a:extLst>
+          </p:cNvPr>
+          <p:cNvSpPr>
+            <a:spLocks noGrp="1" noRot="1" noChangeAspect="1" noMove="1" noResize="1" noEditPoints="1" noAdjustHandles="1" noChangeArrowheads="1" noChangeShapeType="1" noTextEdit="1"/>
+          </p:cNvSpPr>
+          <p:nvPr>
+            <p:extLst>
+              <p:ext uri="{386F3935-93C4-4BCD-93E2-E3B085C9AB24}">
+                <p16:designElem xmlns:p16="http://schemas.microsoft.com/office/powerpoint/2015/main" val="1"/>
+              </p:ext>
+            </p:extLst>
+          </p:nvPr>
+        </p:nvSpPr>
+        <p:spPr>
+          <a:xfrm>
+            <a:off x="0" y="0"/>
+            <a:ext cx="12188952" cy="6858000"/>
+          </a:xfrm>
+          <a:prstGeom prst="rect">
+            <a:avLst/>
+          </a:prstGeom>
+          <a:ln w="12700" cap="flat" cmpd="sng" algn="ctr">
+            <a:noFill/>
+            <a:prstDash val="solid"/>
+            <a:miter lim="800000"/>
+          </a:ln>
+          <a:effectLst/>
+          <a:extLst>
+            <a:ext uri="{91240B29-F687-4F45-9708-019B960494DF}">
+              <a14:hiddenLine xmlns:a14="http://schemas.microsoft.com/office/drawing/2010/main" w="12700" cap="flat" cmpd="sng" algn="ctr">
+                <a:solidFill>
+                  <a:schemeClr val="accent1">
+                    <a:shade val="50000"/>
+                  </a:schemeClr>
+                </a:solidFill>
+                <a:prstDash val="solid"/>
+                <a:miter lim="800000"/>
+              </a14:hiddenLine>
+            </a:ext>
+          </a:extLst>
+        </p:spPr>
+        <p:style>
+          <a:lnRef idx="2">
+            <a:schemeClr val="accent1">
+              <a:shade val="50000"/>
+            </a:schemeClr>
+          </a:lnRef>
+          <a:fillRef idx="1">
+            <a:schemeClr val="accent1"/>
+          </a:fillRef>
+          <a:effectRef idx="0">
+            <a:schemeClr val="accent1"/>
+          </a:effectRef>
+          <a:fontRef idx="minor">
+            <a:schemeClr val="lt1"/>
+          </a:fontRef>
+        </p:style>
+        <p:txBody>
+          <a:bodyPr rtlCol="0" anchor="ctr"/>
+          <a:lstStyle/>
+          <a:p>
+            <a:pPr algn="ctr"/>
+            <a:endParaRPr lang="en-US"/>
+          </a:p>
+        </p:txBody>
+      </p:sp>
+      <p:sp>
+        <p:nvSpPr>
+          <p:cNvPr id="12" name="Rectangle 11">
+            <a:extLst>
+              <a:ext uri="{FF2B5EF4-FFF2-40B4-BE49-F238E27FC236}">
+                <a16:creationId xmlns:a16="http://schemas.microsoft.com/office/drawing/2014/main" id="{CD9FE4EF-C4D8-49A0-B2FF-81D8DB7D8A24}"/>
+              </a:ext>
+              <a:ext uri="{C183D7F6-B498-43B3-948B-1728B52AA6E4}">
+                <adec:decorative xmlns:adec="http://schemas.microsoft.com/office/drawing/2017/decorative" val="1"/>
+              </a:ext>
+            </a:extLst>
+          </p:cNvPr>
+          <p:cNvSpPr>
+            <a:spLocks noGrp="1" noRot="1" noChangeAspect="1" noMove="1" noResize="1" noEditPoints="1" noAdjustHandles="1" noChangeArrowheads="1" noChangeShapeType="1" noTextEdit="1"/>
+          </p:cNvSpPr>
+          <p:nvPr>
+            <p:extLst>
+              <p:ext uri="{386F3935-93C4-4BCD-93E2-E3B085C9AB24}">
+                <p16:designElem xmlns:p16="http://schemas.microsoft.com/office/powerpoint/2015/main" val="1"/>
+              </p:ext>
+            </p:extLst>
+          </p:nvPr>
+        </p:nvSpPr>
+        <p:spPr>
+          <a:xfrm rot="5400000" flipH="1">
+            <a:off x="-1410084" y="1410082"/>
+            <a:ext cx="6858000" cy="4037836"/>
+          </a:xfrm>
+          <a:prstGeom prst="rect">
+            <a:avLst/>
+          </a:prstGeom>
+          <a:gradFill>
+            <a:gsLst>
+              <a:gs pos="8000">
+                <a:srgbClr val="000000"/>
+              </a:gs>
+              <a:gs pos="100000">
+                <a:schemeClr val="accent1">
+                  <a:lumMod val="75000"/>
+                </a:schemeClr>
+              </a:gs>
+            </a:gsLst>
+            <a:lin ang="3000000" scaled="0"/>
+          </a:gradFill>
+          <a:ln>
+            <a:noFill/>
+          </a:ln>
+        </p:spPr>
+        <p:style>
+          <a:lnRef idx="2">
+            <a:schemeClr val="accent1">
+              <a:shade val="50000"/>
+            </a:schemeClr>
+          </a:lnRef>
+          <a:fillRef idx="1">
+            <a:schemeClr val="accent1"/>
+          </a:fillRef>
+          <a:effectRef idx="0">
+            <a:schemeClr val="accent1"/>
+          </a:effectRef>
+          <a:fontRef idx="minor">
+            <a:schemeClr val="lt1"/>
+          </a:fontRef>
+        </p:style>
+        <p:txBody>
+          <a:bodyPr rtlCol="0" anchor="ctr"/>
+          <a:lstStyle/>
+          <a:p>
+            <a:pPr algn="ctr"/>
+            <a:endParaRPr lang="en-US"/>
+          </a:p>
+        </p:txBody>
+      </p:sp>
+      <p:sp>
+        <p:nvSpPr>
+          <p:cNvPr id="14" name="Rectangle 13">
+            <a:extLst>
+              <a:ext uri="{FF2B5EF4-FFF2-40B4-BE49-F238E27FC236}">
+                <a16:creationId xmlns:a16="http://schemas.microsoft.com/office/drawing/2014/main" id="{4300840D-0A0B-4512-BACA-B439D5B9C57C}"/>
+              </a:ext>
+              <a:ext uri="{C183D7F6-B498-43B3-948B-1728B52AA6E4}">
+                <adec:decorative xmlns:adec="http://schemas.microsoft.com/office/drawing/2017/decorative" val="1"/>
+              </a:ext>
+            </a:extLst>
+          </p:cNvPr>
+          <p:cNvSpPr>
+            <a:spLocks noGrp="1" noRot="1" noChangeAspect="1" noMove="1" noResize="1" noEditPoints="1" noAdjustHandles="1" noChangeArrowheads="1" noChangeShapeType="1" noTextEdit="1"/>
+          </p:cNvSpPr>
+          <p:nvPr>
+            <p:extLst>
+              <p:ext uri="{386F3935-93C4-4BCD-93E2-E3B085C9AB24}">
+                <p16:designElem xmlns:p16="http://schemas.microsoft.com/office/powerpoint/2015/main" val="1"/>
+              </p:ext>
+            </p:extLst>
+          </p:nvPr>
+        </p:nvSpPr>
+        <p:spPr>
+          <a:xfrm rot="5400000" flipH="1">
+            <a:off x="-1410085" y="1420219"/>
+            <a:ext cx="6857999" cy="4037839"/>
+          </a:xfrm>
+          <a:prstGeom prst="rect">
+            <a:avLst/>
+          </a:prstGeom>
+          <a:gradFill>
+            <a:gsLst>
+              <a:gs pos="0">
+                <a:srgbClr val="000000">
+                  <a:alpha val="0"/>
+                </a:srgbClr>
+              </a:gs>
+              <a:gs pos="99000">
+                <a:schemeClr val="accent1">
+                  <a:alpha val="46000"/>
+                </a:schemeClr>
+              </a:gs>
+            </a:gsLst>
+            <a:lin ang="1800000" scaled="0"/>
+          </a:gradFill>
+          <a:ln>
+            <a:noFill/>
+          </a:ln>
+        </p:spPr>
+        <p:style>
+          <a:lnRef idx="2">
+            <a:schemeClr val="accent1">
+              <a:shade val="50000"/>
+            </a:schemeClr>
+          </a:lnRef>
+          <a:fillRef idx="1">
+            <a:schemeClr val="accent1"/>
+          </a:fillRef>
+          <a:effectRef idx="0">
+            <a:schemeClr val="accent1"/>
+          </a:effectRef>
+          <a:fontRef idx="minor">
+            <a:schemeClr val="lt1"/>
+          </a:fontRef>
+        </p:style>
+        <p:txBody>
+          <a:bodyPr rtlCol="0" anchor="ctr"/>
+          <a:lstStyle/>
+          <a:p>
+            <a:pPr algn="ctr"/>
+            <a:endParaRPr lang="en-US"/>
+          </a:p>
+        </p:txBody>
+      </p:sp>
+      <p:sp>
+        <p:nvSpPr>
+          <p:cNvPr id="16" name="Rectangle 15">
+            <a:extLst>
+              <a:ext uri="{FF2B5EF4-FFF2-40B4-BE49-F238E27FC236}">
+                <a16:creationId xmlns:a16="http://schemas.microsoft.com/office/drawing/2014/main" id="{D2B78728-A580-49A7-84F9-6EF6F583ADE0}"/>
+              </a:ext>
+              <a:ext uri="{C183D7F6-B498-43B3-948B-1728B52AA6E4}">
+                <adec:decorative xmlns:adec="http://schemas.microsoft.com/office/drawing/2017/decorative" val="1"/>
+              </a:ext>
+            </a:extLst>
+          </p:cNvPr>
+          <p:cNvSpPr>
+            <a:spLocks noGrp="1" noRot="1" noChangeAspect="1" noMove="1" noResize="1" noEditPoints="1" noAdjustHandles="1" noChangeArrowheads="1" noChangeShapeType="1" noTextEdit="1"/>
+          </p:cNvSpPr>
+          <p:nvPr>
+            <p:extLst>
+              <p:ext uri="{386F3935-93C4-4BCD-93E2-E3B085C9AB24}">
+                <p16:designElem xmlns:p16="http://schemas.microsoft.com/office/powerpoint/2015/main" val="1"/>
+              </p:ext>
+            </p:extLst>
+          </p:nvPr>
+        </p:nvSpPr>
+        <p:spPr>
+          <a:xfrm rot="5400000" flipH="1">
+            <a:off x="767923" y="3588085"/>
+            <a:ext cx="2501979" cy="4037841"/>
+          </a:xfrm>
+          <a:prstGeom prst="rect">
+            <a:avLst/>
+          </a:prstGeom>
+          <a:gradFill>
+            <a:gsLst>
+              <a:gs pos="2000">
+                <a:schemeClr val="accent1">
+                  <a:alpha val="29000"/>
+                </a:schemeClr>
+              </a:gs>
+              <a:gs pos="100000">
+                <a:srgbClr val="000000">
+                  <a:alpha val="30000"/>
+                </a:srgbClr>
+              </a:gs>
+            </a:gsLst>
+            <a:lin ang="7800000" scaled="0"/>
+          </a:gradFill>
+          <a:ln>
+            <a:noFill/>
+          </a:ln>
+        </p:spPr>
+        <p:style>
+          <a:lnRef idx="2">
+            <a:schemeClr val="accent1">
+              <a:shade val="50000"/>
+            </a:schemeClr>
+          </a:lnRef>
+          <a:fillRef idx="1">
+            <a:schemeClr val="accent1"/>
+          </a:fillRef>
+          <a:effectRef idx="0">
+            <a:schemeClr val="accent1"/>
+          </a:effectRef>
+          <a:fontRef idx="minor">
+            <a:schemeClr val="lt1"/>
+          </a:fontRef>
+        </p:style>
+        <p:txBody>
+          <a:bodyPr rtlCol="0" anchor="ctr"/>
+          <a:lstStyle/>
+          <a:p>
+            <a:pPr algn="ctr"/>
+            <a:endParaRPr lang="en-US" dirty="0"/>
+          </a:p>
+        </p:txBody>
+      </p:sp>
+      <p:sp>
+        <p:nvSpPr>
+          <p:cNvPr id="18" name="Freeform: Shape 17">
+            <a:extLst>
+              <a:ext uri="{FF2B5EF4-FFF2-40B4-BE49-F238E27FC236}">
+                <a16:creationId xmlns:a16="http://schemas.microsoft.com/office/drawing/2014/main" id="{38FAA1A1-D861-433F-88FA-1E9D6FD31D11}"/>
+              </a:ext>
+              <a:ext uri="{C183D7F6-B498-43B3-948B-1728B52AA6E4}">
+                <adec:decorative xmlns:adec="http://schemas.microsoft.com/office/drawing/2017/decorative" val="1"/>
+              </a:ext>
+            </a:extLst>
+          </p:cNvPr>
+          <p:cNvSpPr>
+            <a:spLocks noGrp="1" noRot="1" noChangeAspect="1" noMove="1" noResize="1" noEditPoints="1" noAdjustHandles="1" noChangeArrowheads="1" noChangeShapeType="1" noTextEdit="1"/>
+          </p:cNvSpPr>
+          <p:nvPr>
+            <p:extLst>
+              <p:ext uri="{386F3935-93C4-4BCD-93E2-E3B085C9AB24}">
+                <p16:designElem xmlns:p16="http://schemas.microsoft.com/office/powerpoint/2015/main" val="1"/>
+              </p:ext>
+            </p:extLst>
+          </p:nvPr>
+        </p:nvSpPr>
+        <p:spPr>
+          <a:xfrm rot="20635413">
+            <a:off x="-501737" y="969718"/>
+            <a:ext cx="3900357" cy="4178958"/>
+          </a:xfrm>
+          <a:custGeom>
+            <a:avLst/>
+            <a:gdLst>
+              <a:gd name="connsiteX0" fmla="*/ 2432225 w 3900357"/>
+              <a:gd name="connsiteY0" fmla="*/ 93939 h 4178958"/>
+              <a:gd name="connsiteX1" fmla="*/ 3900357 w 3900357"/>
+              <a:gd name="connsiteY1" fmla="*/ 2089479 h 4178958"/>
+              <a:gd name="connsiteX2" fmla="*/ 1810878 w 3900357"/>
+              <a:gd name="connsiteY2" fmla="*/ 4178958 h 4178958"/>
+              <a:gd name="connsiteX3" fmla="*/ 78249 w 3900357"/>
+              <a:gd name="connsiteY3" fmla="*/ 3257727 h 4178958"/>
+              <a:gd name="connsiteX4" fmla="*/ 0 w 3900357"/>
+              <a:gd name="connsiteY4" fmla="*/ 3128923 h 4178958"/>
+              <a:gd name="connsiteX5" fmla="*/ 831324 w 3900357"/>
+              <a:gd name="connsiteY5" fmla="*/ 244281 h 4178958"/>
+              <a:gd name="connsiteX6" fmla="*/ 997559 w 3900357"/>
+              <a:gd name="connsiteY6" fmla="*/ 164202 h 4178958"/>
+              <a:gd name="connsiteX7" fmla="*/ 1810878 w 3900357"/>
+              <a:gd name="connsiteY7" fmla="*/ 0 h 4178958"/>
+              <a:gd name="connsiteX8" fmla="*/ 2432225 w 3900357"/>
+              <a:gd name="connsiteY8" fmla="*/ 93939 h 4178958"/>
+            </a:gdLst>
+            <a:ahLst/>
+            <a:cxnLst>
+              <a:cxn ang="0">
+                <a:pos x="connsiteX0" y="connsiteY0"/>
+              </a:cxn>
+              <a:cxn ang="0">
+                <a:pos x="connsiteX1" y="connsiteY1"/>
+              </a:cxn>
+              <a:cxn ang="0">
+                <a:pos x="connsiteX2" y="connsiteY2"/>
+              </a:cxn>
+              <a:cxn ang="0">
+                <a:pos x="connsiteX3" y="connsiteY3"/>
+              </a:cxn>
+              <a:cxn ang="0">
+                <a:pos x="connsiteX4" y="connsiteY4"/>
+              </a:cxn>
+              <a:cxn ang="0">
+                <a:pos x="connsiteX5" y="connsiteY5"/>
+              </a:cxn>
+              <a:cxn ang="0">
+                <a:pos x="connsiteX6" y="connsiteY6"/>
+              </a:cxn>
+              <a:cxn ang="0">
+                <a:pos x="connsiteX7" y="connsiteY7"/>
+              </a:cxn>
+              <a:cxn ang="0">
+                <a:pos x="connsiteX8" y="connsiteY8"/>
+              </a:cxn>
+            </a:cxnLst>
+            <a:rect l="l" t="t" r="r" b="b"/>
+            <a:pathLst>
+              <a:path w="3900357" h="4178958">
+                <a:moveTo>
+                  <a:pt x="2432225" y="93939"/>
+                </a:moveTo>
+                <a:cubicBezTo>
+                  <a:pt x="3282786" y="358491"/>
+                  <a:pt x="3900357" y="1151865"/>
+                  <a:pt x="3900357" y="2089479"/>
+                </a:cubicBezTo>
+                <a:cubicBezTo>
+                  <a:pt x="3900357" y="3243466"/>
+                  <a:pt x="2964865" y="4178958"/>
+                  <a:pt x="1810878" y="4178958"/>
+                </a:cubicBezTo>
+                <a:cubicBezTo>
+                  <a:pt x="1089636" y="4178958"/>
+                  <a:pt x="453744" y="3813531"/>
+                  <a:pt x="78249" y="3257727"/>
+                </a:cubicBezTo>
+                <a:lnTo>
+                  <a:pt x="0" y="3128923"/>
+                </a:lnTo>
+                <a:lnTo>
+                  <a:pt x="831324" y="244281"/>
+                </a:lnTo>
+                <a:lnTo>
+                  <a:pt x="997559" y="164202"/>
+                </a:lnTo>
+                <a:cubicBezTo>
+                  <a:pt x="1247540" y="58468"/>
+                  <a:pt x="1522381" y="0"/>
+                  <a:pt x="1810878" y="0"/>
+                </a:cubicBezTo>
+                <a:cubicBezTo>
+                  <a:pt x="2027251" y="0"/>
+                  <a:pt x="2235942" y="32888"/>
+                  <a:pt x="2432225" y="93939"/>
+                </a:cubicBezTo>
+                <a:close/>
+              </a:path>
+            </a:pathLst>
+          </a:custGeom>
+          <a:gradFill>
+            <a:gsLst>
+              <a:gs pos="29000">
+                <a:srgbClr val="000000">
+                  <a:alpha val="0"/>
+                </a:srgbClr>
+              </a:gs>
+              <a:gs pos="100000">
+                <a:schemeClr val="accent1">
+                  <a:alpha val="43000"/>
+                </a:schemeClr>
+              </a:gs>
+            </a:gsLst>
+            <a:lin ang="1800000" scaled="0"/>
+          </a:gradFill>
+          <a:ln>
+            <a:noFill/>
+          </a:ln>
+        </p:spPr>
+        <p:style>
+          <a:lnRef idx="2">
+            <a:schemeClr val="accent1">
+              <a:shade val="50000"/>
+            </a:schemeClr>
+          </a:lnRef>
+          <a:fillRef idx="1">
+            <a:schemeClr val="accent1"/>
+          </a:fillRef>
+          <a:effectRef idx="0">
+            <a:schemeClr val="accent1"/>
+          </a:effectRef>
+          <a:fontRef idx="minor">
+            <a:schemeClr val="lt1"/>
+          </a:fontRef>
+        </p:style>
+        <p:txBody>
+          <a:bodyPr wrap="square" rtlCol="0" anchor="ctr">
+            <a:noAutofit/>
+          </a:bodyPr>
+          <a:lstStyle/>
+          <a:p>
+            <a:pPr algn="ctr"/>
+            <a:endParaRPr lang="en-US" dirty="0"/>
+          </a:p>
+        </p:txBody>
+      </p:sp>
+      <p:sp>
+        <p:nvSpPr>
+          <p:cNvPr id="20" name="Rectangle 19">
+            <a:extLst>
+              <a:ext uri="{FF2B5EF4-FFF2-40B4-BE49-F238E27FC236}">
+                <a16:creationId xmlns:a16="http://schemas.microsoft.com/office/drawing/2014/main" id="{8D71EDA1-87BF-4D5D-AB79-F346FD19278A}"/>
+              </a:ext>
+              <a:ext uri="{C183D7F6-B498-43B3-948B-1728B52AA6E4}">
+                <adec:decorative xmlns:adec="http://schemas.microsoft.com/office/drawing/2017/decorative" val="1"/>
+              </a:ext>
+            </a:extLst>
+          </p:cNvPr>
+          <p:cNvSpPr>
+            <a:spLocks noGrp="1" noRot="1" noChangeAspect="1" noMove="1" noResize="1" noEditPoints="1" noAdjustHandles="1" noChangeArrowheads="1" noChangeShapeType="1" noTextEdit="1"/>
+          </p:cNvSpPr>
+          <p:nvPr>
+            <p:extLst>
+              <p:ext uri="{386F3935-93C4-4BCD-93E2-E3B085C9AB24}">
+                <p16:designElem xmlns:p16="http://schemas.microsoft.com/office/powerpoint/2015/main" val="1"/>
+              </p:ext>
+            </p:extLst>
+          </p:nvPr>
+        </p:nvSpPr>
+        <p:spPr>
+          <a:xfrm rot="5400000" flipH="1">
+            <a:off x="-1410093" y="1399943"/>
+            <a:ext cx="6858003" cy="4037835"/>
+          </a:xfrm>
+          <a:prstGeom prst="rect">
+            <a:avLst/>
+          </a:prstGeom>
+          <a:gradFill>
+            <a:gsLst>
+              <a:gs pos="0">
+                <a:srgbClr val="000000">
+                  <a:alpha val="0"/>
+                </a:srgbClr>
+              </a:gs>
+              <a:gs pos="99000">
+                <a:schemeClr val="accent1">
+                  <a:lumMod val="60000"/>
+                  <a:lumOff val="40000"/>
+                  <a:alpha val="11000"/>
+                </a:schemeClr>
+              </a:gs>
+            </a:gsLst>
+            <a:lin ang="7200000" scaled="0"/>
+          </a:gradFill>
+          <a:ln>
+            <a:noFill/>
+          </a:ln>
+        </p:spPr>
+        <p:style>
+          <a:lnRef idx="2">
+            <a:schemeClr val="accent1">
+              <a:shade val="50000"/>
+            </a:schemeClr>
+          </a:lnRef>
+          <a:fillRef idx="1">
+            <a:schemeClr val="accent1"/>
+          </a:fillRef>
+          <a:effectRef idx="0">
+            <a:schemeClr val="accent1"/>
+          </a:effectRef>
+          <a:fontRef idx="minor">
+            <a:schemeClr val="lt1"/>
+          </a:fontRef>
+        </p:style>
+        <p:txBody>
+          <a:bodyPr rtlCol="0" anchor="ctr"/>
+          <a:lstStyle/>
+          <a:p>
+            <a:pPr algn="ctr"/>
+            <a:endParaRPr lang="en-US"/>
+          </a:p>
+        </p:txBody>
+      </p:sp>
+      <p:sp>
+        <p:nvSpPr>
+          <p:cNvPr id="2" name="Title 1">
+            <a:extLst>
+              <a:ext uri="{FF2B5EF4-FFF2-40B4-BE49-F238E27FC236}">
+                <a16:creationId xmlns:a16="http://schemas.microsoft.com/office/drawing/2014/main" id="{B501916C-D4E2-386A-B250-5CEAF46B5F6D}"/>
+              </a:ext>
+            </a:extLst>
+          </p:cNvPr>
+          <p:cNvSpPr>
+            <a:spLocks noGrp="1"/>
+          </p:cNvSpPr>
+          <p:nvPr>
+            <p:ph type="title"/>
+          </p:nvPr>
+        </p:nvSpPr>
+        <p:spPr>
+          <a:xfrm>
+            <a:off x="466722" y="586855"/>
+            <a:ext cx="3201366" cy="3387497"/>
+          </a:xfrm>
+        </p:spPr>
+        <p:txBody>
+          <a:bodyPr anchor="b">
+            <a:normAutofit/>
+          </a:bodyPr>
+          <a:lstStyle/>
+          <a:p>
+            <a:pPr algn="r" fontAlgn="b"/>
+            <a:r>
+              <a:rPr lang="en-GB" sz="4000" u="none" strike="noStrike" dirty="0">
+                <a:solidFill>
+                  <a:srgbClr val="FFFFFF"/>
+                </a:solidFill>
+                <a:effectLst/>
+              </a:rPr>
+              <a:t>Repetition for 10 years</a:t>
+            </a:r>
+          </a:p>
+        </p:txBody>
+      </p:sp>
+      <p:sp>
+        <p:nvSpPr>
+          <p:cNvPr id="3" name="Content Placeholder 2">
+            <a:extLst>
+              <a:ext uri="{FF2B5EF4-FFF2-40B4-BE49-F238E27FC236}">
+                <a16:creationId xmlns:a16="http://schemas.microsoft.com/office/drawing/2014/main" id="{09C5E4A4-9126-BB3E-A065-D2362182A902}"/>
+              </a:ext>
+            </a:extLst>
+          </p:cNvPr>
+          <p:cNvSpPr>
+            <a:spLocks noGrp="1"/>
+          </p:cNvSpPr>
+          <p:nvPr>
+            <p:ph idx="1"/>
+          </p:nvPr>
+        </p:nvSpPr>
+        <p:spPr>
+          <a:xfrm>
+            <a:off x="4810259" y="649480"/>
+            <a:ext cx="6555347" cy="5546047"/>
+          </a:xfrm>
+        </p:spPr>
+        <p:txBody>
+          <a:bodyPr numCol="2" anchor="ctr">
+            <a:normAutofit/>
+          </a:bodyPr>
+          <a:lstStyle/>
+          <a:p>
+            <a:pPr lvl="1"/>
+            <a:endParaRPr lang="en-GB" sz="2000"/>
+          </a:p>
+          <a:p>
+            <a:pPr lvl="1"/>
+            <a:endParaRPr lang="en-GB" sz="2000"/>
+          </a:p>
+          <a:p>
+            <a:pPr lvl="1"/>
+            <a:endParaRPr lang="en-GB" sz="2000"/>
+          </a:p>
+          <a:p>
+            <a:pPr lvl="1"/>
+            <a:endParaRPr lang="en-NL" sz="2000"/>
+          </a:p>
+        </p:txBody>
+      </p:sp>
+      <p:pic>
+        <p:nvPicPr>
+          <p:cNvPr id="5" name="Picture 4" descr="A graph with a blue line&#10;&#10;Description automatically generated">
+            <a:extLst>
+              <a:ext uri="{FF2B5EF4-FFF2-40B4-BE49-F238E27FC236}">
+                <a16:creationId xmlns:a16="http://schemas.microsoft.com/office/drawing/2014/main" id="{2A6F3FF8-11D3-CBA8-0BB6-333539397D47}"/>
+              </a:ext>
+            </a:extLst>
+          </p:cNvPr>
+          <p:cNvPicPr>
+            <a:picLocks noChangeAspect="1"/>
+          </p:cNvPicPr>
+          <p:nvPr/>
+        </p:nvPicPr>
+        <p:blipFill>
+          <a:blip r:embed="rId3">
+            <a:extLst>
+              <a:ext uri="{28A0092B-C50C-407E-A947-70E740481C1C}">
+                <a14:useLocalDpi xmlns:a14="http://schemas.microsoft.com/office/drawing/2010/main" val="0"/>
+              </a:ext>
+            </a:extLst>
+          </a:blip>
+          <a:stretch>
+            <a:fillRect/>
+          </a:stretch>
+        </p:blipFill>
+        <p:spPr>
+          <a:xfrm>
+            <a:off x="5698222" y="306163"/>
+            <a:ext cx="4297689" cy="2926086"/>
+          </a:xfrm>
+          <a:prstGeom prst="rect">
+            <a:avLst/>
+          </a:prstGeom>
+        </p:spPr>
+      </p:pic>
+      <p:pic>
+        <p:nvPicPr>
+          <p:cNvPr id="7" name="Picture 6" descr="A graph with a line and a line&#10;&#10;Description automatically generated">
+            <a:extLst>
+              <a:ext uri="{FF2B5EF4-FFF2-40B4-BE49-F238E27FC236}">
+                <a16:creationId xmlns:a16="http://schemas.microsoft.com/office/drawing/2014/main" id="{F63EC863-575F-0476-4C4A-51A6C627417F}"/>
+              </a:ext>
+            </a:extLst>
+          </p:cNvPr>
+          <p:cNvPicPr>
+            <a:picLocks noChangeAspect="1"/>
+          </p:cNvPicPr>
+          <p:nvPr/>
+        </p:nvPicPr>
+        <p:blipFill>
+          <a:blip r:embed="rId4">
+            <a:extLst>
+              <a:ext uri="{28A0092B-C50C-407E-A947-70E740481C1C}">
+                <a14:useLocalDpi xmlns:a14="http://schemas.microsoft.com/office/drawing/2010/main" val="0"/>
+              </a:ext>
+            </a:extLst>
+          </a:blip>
+          <a:stretch>
+            <a:fillRect/>
+          </a:stretch>
+        </p:blipFill>
+        <p:spPr>
+          <a:xfrm>
+            <a:off x="5698222" y="3625752"/>
+            <a:ext cx="4389129" cy="2889510"/>
+          </a:xfrm>
+          <a:prstGeom prst="rect">
+            <a:avLst/>
+          </a:prstGeom>
+        </p:spPr>
+      </p:pic>
+    </p:spTree>
+    <p:extLst>
+      <p:ext uri="{BB962C8B-B14F-4D97-AF65-F5344CB8AC3E}">
+        <p14:creationId xmlns:p14="http://schemas.microsoft.com/office/powerpoint/2010/main" val="2971985967"/>
+      </p:ext>
+    </p:extLst>
+  </p:cSld>
+  <p:clrMapOvr>
+    <a:masterClrMapping/>
+  </p:clrMapOvr>
+  <mc:AlternateContent xmlns:mc="http://schemas.openxmlformats.org/markup-compatibility/2006">
+    <mc:Choice xmlns:p159="http://schemas.microsoft.com/office/powerpoint/2015/09/main" Requires="p159">
+      <p:transition xmlns:p14="http://schemas.microsoft.com/office/powerpoint/2010/main" spd="slow" p14:dur="2000">
+        <p159:morph option="byObject"/>
+      </p:transition>
+    </mc:Choice>
+    <mc:Fallback>
+      <p:transition spd="slow">
+        <p:fade/>
+      </p:transition>
+    </mc:Fallback>
+  </mc:AlternateContent>
+</p:sld>
+</file>
+
+<file path=ppt/slides/slide14.xml><?xml version="1.0" encoding="utf-8"?>
+<p:sld xmlns:a="http://schemas.openxmlformats.org/drawingml/2006/main" xmlns:r="http://schemas.openxmlformats.org/officeDocument/2006/relationships" xmlns:p="http://schemas.openxmlformats.org/presentationml/2006/main">
+  <p:cSld>
+    <p:bg>
+      <p:bgPr>
+        <a:solidFill>
+          <a:schemeClr val="bg1"/>
+        </a:solidFill>
+        <a:effectLst/>
+      </p:bgPr>
+    </p:bg>
+    <p:spTree>
+      <p:nvGrpSpPr>
+        <p:cNvPr id="1" name=""/>
+        <p:cNvGrpSpPr/>
+        <p:nvPr/>
+      </p:nvGrpSpPr>
+      <p:grpSpPr>
+        <a:xfrm>
+          <a:off x="0" y="0"/>
+          <a:ext cx="0" cy="0"/>
+          <a:chOff x="0" y="0"/>
+          <a:chExt cx="0" cy="0"/>
+        </a:xfrm>
+      </p:grpSpPr>
+      <p:sp useBgFill="1">
+        <p:nvSpPr>
+          <p:cNvPr id="8" name="Rectangle 7">
+            <a:extLst>
+              <a:ext uri="{FF2B5EF4-FFF2-40B4-BE49-F238E27FC236}">
+                <a16:creationId xmlns:a16="http://schemas.microsoft.com/office/drawing/2014/main" id="{09588DA8-065E-4F6F-8EFD-43104AB2E0CF}"/>
+              </a:ext>
+              <a:ext uri="{C183D7F6-B498-43B3-948B-1728B52AA6E4}">
+                <adec:decorative xmlns:adec="http://schemas.microsoft.com/office/drawing/2017/decorative" val="1"/>
+              </a:ext>
+            </a:extLst>
+          </p:cNvPr>
+          <p:cNvSpPr>
+            <a:spLocks noGrp="1" noRot="1" noChangeAspect="1" noMove="1" noResize="1" noEditPoints="1" noAdjustHandles="1" noChangeArrowheads="1" noChangeShapeType="1" noTextEdit="1"/>
+          </p:cNvSpPr>
+          <p:nvPr>
+            <p:extLst>
+              <p:ext uri="{386F3935-93C4-4BCD-93E2-E3B085C9AB24}">
+                <p16:designElem xmlns:p16="http://schemas.microsoft.com/office/powerpoint/2015/main" val="1"/>
+              </p:ext>
+            </p:extLst>
+          </p:nvPr>
+        </p:nvSpPr>
+        <p:spPr>
+          <a:xfrm>
+            <a:off x="0" y="0"/>
+            <a:ext cx="12192000" cy="6858000"/>
+          </a:xfrm>
+          <a:prstGeom prst="rect">
+            <a:avLst/>
+          </a:prstGeom>
+          <a:ln w="12700" cap="flat" cmpd="sng" algn="ctr">
+            <a:noFill/>
+            <a:prstDash val="solid"/>
+            <a:miter lim="800000"/>
+          </a:ln>
+          <a:effectLst/>
+          <a:extLst>
+            <a:ext uri="{91240B29-F687-4F45-9708-019B960494DF}">
+              <a14:hiddenLine xmlns:a14="http://schemas.microsoft.com/office/drawing/2010/main" w="12700" cap="flat" cmpd="sng" algn="ctr">
+                <a:solidFill>
+                  <a:schemeClr val="accent1">
+                    <a:shade val="50000"/>
+                  </a:schemeClr>
+                </a:solidFill>
+                <a:prstDash val="solid"/>
+                <a:miter lim="800000"/>
+              </a14:hiddenLine>
+            </a:ext>
+          </a:extLst>
+        </p:spPr>
+        <p:style>
+          <a:lnRef idx="2">
+            <a:schemeClr val="accent1">
+              <a:shade val="50000"/>
+            </a:schemeClr>
+          </a:lnRef>
+          <a:fillRef idx="1">
+            <a:schemeClr val="accent1"/>
+          </a:fillRef>
+          <a:effectRef idx="0">
+            <a:schemeClr val="accent1"/>
+          </a:effectRef>
+          <a:fontRef idx="minor">
+            <a:schemeClr val="lt1"/>
+          </a:fontRef>
+        </p:style>
+        <p:txBody>
+          <a:bodyPr rtlCol="0" anchor="ctr"/>
+          <a:lstStyle/>
+          <a:p>
+            <a:pPr algn="ctr"/>
+            <a:endParaRPr lang="en-US"/>
+          </a:p>
+        </p:txBody>
+      </p:sp>
+      <p:sp useBgFill="1">
+        <p:nvSpPr>
+          <p:cNvPr id="10" name="Rectangle 9">
+            <a:extLst>
+              <a:ext uri="{FF2B5EF4-FFF2-40B4-BE49-F238E27FC236}">
+                <a16:creationId xmlns:a16="http://schemas.microsoft.com/office/drawing/2014/main" id="{C4285719-470E-454C-AF62-8323075F1F5B}"/>
+              </a:ext>
+              <a:ext uri="{C183D7F6-B498-43B3-948B-1728B52AA6E4}">
+                <adec:decorative xmlns:adec="http://schemas.microsoft.com/office/drawing/2017/decorative" val="1"/>
+              </a:ext>
+            </a:extLst>
+          </p:cNvPr>
+          <p:cNvSpPr>
+            <a:spLocks noGrp="1" noRot="1" noChangeAspect="1" noMove="1" noResize="1" noEditPoints="1" noAdjustHandles="1" noChangeArrowheads="1" noChangeShapeType="1" noTextEdit="1"/>
+          </p:cNvSpPr>
+          <p:nvPr>
+            <p:extLst>
+              <p:ext uri="{386F3935-93C4-4BCD-93E2-E3B085C9AB24}">
+                <p16:designElem xmlns:p16="http://schemas.microsoft.com/office/powerpoint/2015/main" val="1"/>
+              </p:ext>
+            </p:extLst>
+          </p:nvPr>
+        </p:nvSpPr>
+        <p:spPr>
+          <a:xfrm>
+            <a:off x="0" y="0"/>
+            <a:ext cx="12188952" cy="6858000"/>
+          </a:xfrm>
+          <a:prstGeom prst="rect">
+            <a:avLst/>
+          </a:prstGeom>
+          <a:ln w="12700" cap="flat" cmpd="sng" algn="ctr">
+            <a:noFill/>
+            <a:prstDash val="solid"/>
+            <a:miter lim="800000"/>
+          </a:ln>
+          <a:effectLst/>
+          <a:extLst>
+            <a:ext uri="{91240B29-F687-4F45-9708-019B960494DF}">
+              <a14:hiddenLine xmlns:a14="http://schemas.microsoft.com/office/drawing/2010/main" w="12700" cap="flat" cmpd="sng" algn="ctr">
+                <a:solidFill>
+                  <a:schemeClr val="accent1">
+                    <a:shade val="50000"/>
+                  </a:schemeClr>
+                </a:solidFill>
+                <a:prstDash val="solid"/>
+                <a:miter lim="800000"/>
+              </a14:hiddenLine>
+            </a:ext>
+          </a:extLst>
+        </p:spPr>
+        <p:style>
+          <a:lnRef idx="2">
+            <a:schemeClr val="accent1">
+              <a:shade val="50000"/>
+            </a:schemeClr>
+          </a:lnRef>
+          <a:fillRef idx="1">
+            <a:schemeClr val="accent1"/>
+          </a:fillRef>
+          <a:effectRef idx="0">
+            <a:schemeClr val="accent1"/>
+          </a:effectRef>
+          <a:fontRef idx="minor">
+            <a:schemeClr val="lt1"/>
+          </a:fontRef>
+        </p:style>
+        <p:txBody>
+          <a:bodyPr rtlCol="0" anchor="ctr"/>
+          <a:lstStyle/>
+          <a:p>
+            <a:pPr algn="ctr"/>
+            <a:endParaRPr lang="en-US"/>
+          </a:p>
+        </p:txBody>
+      </p:sp>
+      <p:sp>
+        <p:nvSpPr>
+          <p:cNvPr id="12" name="Rectangle 11">
+            <a:extLst>
+              <a:ext uri="{FF2B5EF4-FFF2-40B4-BE49-F238E27FC236}">
+                <a16:creationId xmlns:a16="http://schemas.microsoft.com/office/drawing/2014/main" id="{CD9FE4EF-C4D8-49A0-B2FF-81D8DB7D8A24}"/>
+              </a:ext>
+              <a:ext uri="{C183D7F6-B498-43B3-948B-1728B52AA6E4}">
+                <adec:decorative xmlns:adec="http://schemas.microsoft.com/office/drawing/2017/decorative" val="1"/>
+              </a:ext>
+            </a:extLst>
+          </p:cNvPr>
+          <p:cNvSpPr>
+            <a:spLocks noGrp="1" noRot="1" noChangeAspect="1" noMove="1" noResize="1" noEditPoints="1" noAdjustHandles="1" noChangeArrowheads="1" noChangeShapeType="1" noTextEdit="1"/>
+          </p:cNvSpPr>
+          <p:nvPr>
+            <p:extLst>
+              <p:ext uri="{386F3935-93C4-4BCD-93E2-E3B085C9AB24}">
+                <p16:designElem xmlns:p16="http://schemas.microsoft.com/office/powerpoint/2015/main" val="1"/>
+              </p:ext>
+            </p:extLst>
+          </p:nvPr>
+        </p:nvSpPr>
+        <p:spPr>
+          <a:xfrm rot="5400000" flipH="1">
+            <a:off x="-1410084" y="1410082"/>
+            <a:ext cx="6858000" cy="4037836"/>
+          </a:xfrm>
+          <a:prstGeom prst="rect">
+            <a:avLst/>
+          </a:prstGeom>
+          <a:gradFill>
+            <a:gsLst>
+              <a:gs pos="8000">
+                <a:srgbClr val="000000"/>
+              </a:gs>
+              <a:gs pos="100000">
+                <a:schemeClr val="accent1">
+                  <a:lumMod val="75000"/>
+                </a:schemeClr>
+              </a:gs>
+            </a:gsLst>
+            <a:lin ang="3000000" scaled="0"/>
+          </a:gradFill>
+          <a:ln>
+            <a:noFill/>
+          </a:ln>
+        </p:spPr>
+        <p:style>
+          <a:lnRef idx="2">
+            <a:schemeClr val="accent1">
+              <a:shade val="50000"/>
+            </a:schemeClr>
+          </a:lnRef>
+          <a:fillRef idx="1">
+            <a:schemeClr val="accent1"/>
+          </a:fillRef>
+          <a:effectRef idx="0">
+            <a:schemeClr val="accent1"/>
+          </a:effectRef>
+          <a:fontRef idx="minor">
+            <a:schemeClr val="lt1"/>
+          </a:fontRef>
+        </p:style>
+        <p:txBody>
+          <a:bodyPr rtlCol="0" anchor="ctr"/>
+          <a:lstStyle/>
+          <a:p>
+            <a:pPr algn="ctr"/>
+            <a:endParaRPr lang="en-US"/>
+          </a:p>
+        </p:txBody>
+      </p:sp>
+      <p:sp>
+        <p:nvSpPr>
+          <p:cNvPr id="14" name="Rectangle 13">
+            <a:extLst>
+              <a:ext uri="{FF2B5EF4-FFF2-40B4-BE49-F238E27FC236}">
+                <a16:creationId xmlns:a16="http://schemas.microsoft.com/office/drawing/2014/main" id="{4300840D-0A0B-4512-BACA-B439D5B9C57C}"/>
+              </a:ext>
+              <a:ext uri="{C183D7F6-B498-43B3-948B-1728B52AA6E4}">
+                <adec:decorative xmlns:adec="http://schemas.microsoft.com/office/drawing/2017/decorative" val="1"/>
+              </a:ext>
+            </a:extLst>
+          </p:cNvPr>
+          <p:cNvSpPr>
+            <a:spLocks noGrp="1" noRot="1" noChangeAspect="1" noMove="1" noResize="1" noEditPoints="1" noAdjustHandles="1" noChangeArrowheads="1" noChangeShapeType="1" noTextEdit="1"/>
+          </p:cNvSpPr>
+          <p:nvPr>
+            <p:extLst>
+              <p:ext uri="{386F3935-93C4-4BCD-93E2-E3B085C9AB24}">
+                <p16:designElem xmlns:p16="http://schemas.microsoft.com/office/powerpoint/2015/main" val="1"/>
+              </p:ext>
+            </p:extLst>
+          </p:nvPr>
+        </p:nvSpPr>
+        <p:spPr>
+          <a:xfrm rot="5400000" flipH="1">
+            <a:off x="-1410085" y="1420219"/>
+            <a:ext cx="6857999" cy="4037839"/>
+          </a:xfrm>
+          <a:prstGeom prst="rect">
+            <a:avLst/>
+          </a:prstGeom>
+          <a:gradFill>
+            <a:gsLst>
+              <a:gs pos="0">
+                <a:srgbClr val="000000">
+                  <a:alpha val="0"/>
+                </a:srgbClr>
+              </a:gs>
+              <a:gs pos="99000">
+                <a:schemeClr val="accent1">
+                  <a:alpha val="46000"/>
+                </a:schemeClr>
+              </a:gs>
+            </a:gsLst>
+            <a:lin ang="1800000" scaled="0"/>
+          </a:gradFill>
+          <a:ln>
+            <a:noFill/>
+          </a:ln>
+        </p:spPr>
+        <p:style>
+          <a:lnRef idx="2">
+            <a:schemeClr val="accent1">
+              <a:shade val="50000"/>
+            </a:schemeClr>
+          </a:lnRef>
+          <a:fillRef idx="1">
+            <a:schemeClr val="accent1"/>
+          </a:fillRef>
+          <a:effectRef idx="0">
+            <a:schemeClr val="accent1"/>
+          </a:effectRef>
+          <a:fontRef idx="minor">
+            <a:schemeClr val="lt1"/>
+          </a:fontRef>
+        </p:style>
+        <p:txBody>
+          <a:bodyPr rtlCol="0" anchor="ctr"/>
+          <a:lstStyle/>
+          <a:p>
+            <a:pPr algn="ctr"/>
+            <a:endParaRPr lang="en-US"/>
+          </a:p>
+        </p:txBody>
+      </p:sp>
+      <p:sp>
+        <p:nvSpPr>
+          <p:cNvPr id="16" name="Rectangle 15">
+            <a:extLst>
+              <a:ext uri="{FF2B5EF4-FFF2-40B4-BE49-F238E27FC236}">
+                <a16:creationId xmlns:a16="http://schemas.microsoft.com/office/drawing/2014/main" id="{D2B78728-A580-49A7-84F9-6EF6F583ADE0}"/>
+              </a:ext>
+              <a:ext uri="{C183D7F6-B498-43B3-948B-1728B52AA6E4}">
+                <adec:decorative xmlns:adec="http://schemas.microsoft.com/office/drawing/2017/decorative" val="1"/>
+              </a:ext>
+            </a:extLst>
+          </p:cNvPr>
+          <p:cNvSpPr>
+            <a:spLocks noGrp="1" noRot="1" noChangeAspect="1" noMove="1" noResize="1" noEditPoints="1" noAdjustHandles="1" noChangeArrowheads="1" noChangeShapeType="1" noTextEdit="1"/>
+          </p:cNvSpPr>
+          <p:nvPr>
+            <p:extLst>
+              <p:ext uri="{386F3935-93C4-4BCD-93E2-E3B085C9AB24}">
+                <p16:designElem xmlns:p16="http://schemas.microsoft.com/office/powerpoint/2015/main" val="1"/>
+              </p:ext>
+            </p:extLst>
+          </p:nvPr>
+        </p:nvSpPr>
+        <p:spPr>
+          <a:xfrm rot="5400000" flipH="1">
+            <a:off x="767923" y="3588085"/>
+            <a:ext cx="2501979" cy="4037841"/>
+          </a:xfrm>
+          <a:prstGeom prst="rect">
+            <a:avLst/>
+          </a:prstGeom>
+          <a:gradFill>
+            <a:gsLst>
+              <a:gs pos="2000">
+                <a:schemeClr val="accent1">
+                  <a:alpha val="29000"/>
+                </a:schemeClr>
+              </a:gs>
+              <a:gs pos="100000">
+                <a:srgbClr val="000000">
+                  <a:alpha val="30000"/>
+                </a:srgbClr>
+              </a:gs>
+            </a:gsLst>
+            <a:lin ang="7800000" scaled="0"/>
+          </a:gradFill>
+          <a:ln>
+            <a:noFill/>
+          </a:ln>
+        </p:spPr>
+        <p:style>
+          <a:lnRef idx="2">
+            <a:schemeClr val="accent1">
+              <a:shade val="50000"/>
+            </a:schemeClr>
+          </a:lnRef>
+          <a:fillRef idx="1">
+            <a:schemeClr val="accent1"/>
+          </a:fillRef>
+          <a:effectRef idx="0">
+            <a:schemeClr val="accent1"/>
+          </a:effectRef>
+          <a:fontRef idx="minor">
+            <a:schemeClr val="lt1"/>
+          </a:fontRef>
+        </p:style>
+        <p:txBody>
+          <a:bodyPr rtlCol="0" anchor="ctr"/>
+          <a:lstStyle/>
+          <a:p>
+            <a:pPr algn="ctr"/>
+            <a:endParaRPr lang="en-US" dirty="0"/>
+          </a:p>
+        </p:txBody>
+      </p:sp>
+      <p:sp>
+        <p:nvSpPr>
+          <p:cNvPr id="18" name="Freeform: Shape 17">
+            <a:extLst>
+              <a:ext uri="{FF2B5EF4-FFF2-40B4-BE49-F238E27FC236}">
+                <a16:creationId xmlns:a16="http://schemas.microsoft.com/office/drawing/2014/main" id="{38FAA1A1-D861-433F-88FA-1E9D6FD31D11}"/>
+              </a:ext>
+              <a:ext uri="{C183D7F6-B498-43B3-948B-1728B52AA6E4}">
+                <adec:decorative xmlns:adec="http://schemas.microsoft.com/office/drawing/2017/decorative" val="1"/>
+              </a:ext>
+            </a:extLst>
+          </p:cNvPr>
+          <p:cNvSpPr>
+            <a:spLocks noGrp="1" noRot="1" noChangeAspect="1" noMove="1" noResize="1" noEditPoints="1" noAdjustHandles="1" noChangeArrowheads="1" noChangeShapeType="1" noTextEdit="1"/>
+          </p:cNvSpPr>
+          <p:nvPr>
+            <p:extLst>
+              <p:ext uri="{386F3935-93C4-4BCD-93E2-E3B085C9AB24}">
+                <p16:designElem xmlns:p16="http://schemas.microsoft.com/office/powerpoint/2015/main" val="1"/>
+              </p:ext>
+            </p:extLst>
+          </p:nvPr>
+        </p:nvSpPr>
+        <p:spPr>
+          <a:xfrm rot="20635413">
+            <a:off x="-501737" y="969718"/>
+            <a:ext cx="3900357" cy="4178958"/>
+          </a:xfrm>
+          <a:custGeom>
+            <a:avLst/>
+            <a:gdLst>
+              <a:gd name="connsiteX0" fmla="*/ 2432225 w 3900357"/>
+              <a:gd name="connsiteY0" fmla="*/ 93939 h 4178958"/>
+              <a:gd name="connsiteX1" fmla="*/ 3900357 w 3900357"/>
+              <a:gd name="connsiteY1" fmla="*/ 2089479 h 4178958"/>
+              <a:gd name="connsiteX2" fmla="*/ 1810878 w 3900357"/>
+              <a:gd name="connsiteY2" fmla="*/ 4178958 h 4178958"/>
+              <a:gd name="connsiteX3" fmla="*/ 78249 w 3900357"/>
+              <a:gd name="connsiteY3" fmla="*/ 3257727 h 4178958"/>
+              <a:gd name="connsiteX4" fmla="*/ 0 w 3900357"/>
+              <a:gd name="connsiteY4" fmla="*/ 3128923 h 4178958"/>
+              <a:gd name="connsiteX5" fmla="*/ 831324 w 3900357"/>
+              <a:gd name="connsiteY5" fmla="*/ 244281 h 4178958"/>
+              <a:gd name="connsiteX6" fmla="*/ 997559 w 3900357"/>
+              <a:gd name="connsiteY6" fmla="*/ 164202 h 4178958"/>
+              <a:gd name="connsiteX7" fmla="*/ 1810878 w 3900357"/>
+              <a:gd name="connsiteY7" fmla="*/ 0 h 4178958"/>
+              <a:gd name="connsiteX8" fmla="*/ 2432225 w 3900357"/>
+              <a:gd name="connsiteY8" fmla="*/ 93939 h 4178958"/>
+            </a:gdLst>
+            <a:ahLst/>
+            <a:cxnLst>
+              <a:cxn ang="0">
+                <a:pos x="connsiteX0" y="connsiteY0"/>
+              </a:cxn>
+              <a:cxn ang="0">
+                <a:pos x="connsiteX1" y="connsiteY1"/>
+              </a:cxn>
+              <a:cxn ang="0">
+                <a:pos x="connsiteX2" y="connsiteY2"/>
+              </a:cxn>
+              <a:cxn ang="0">
+                <a:pos x="connsiteX3" y="connsiteY3"/>
+              </a:cxn>
+              <a:cxn ang="0">
+                <a:pos x="connsiteX4" y="connsiteY4"/>
+              </a:cxn>
+              <a:cxn ang="0">
+                <a:pos x="connsiteX5" y="connsiteY5"/>
+              </a:cxn>
+              <a:cxn ang="0">
+                <a:pos x="connsiteX6" y="connsiteY6"/>
+              </a:cxn>
+              <a:cxn ang="0">
+                <a:pos x="connsiteX7" y="connsiteY7"/>
+              </a:cxn>
+              <a:cxn ang="0">
+                <a:pos x="connsiteX8" y="connsiteY8"/>
+              </a:cxn>
+            </a:cxnLst>
+            <a:rect l="l" t="t" r="r" b="b"/>
+            <a:pathLst>
+              <a:path w="3900357" h="4178958">
+                <a:moveTo>
+                  <a:pt x="2432225" y="93939"/>
+                </a:moveTo>
+                <a:cubicBezTo>
+                  <a:pt x="3282786" y="358491"/>
+                  <a:pt x="3900357" y="1151865"/>
+                  <a:pt x="3900357" y="2089479"/>
+                </a:cubicBezTo>
+                <a:cubicBezTo>
+                  <a:pt x="3900357" y="3243466"/>
+                  <a:pt x="2964865" y="4178958"/>
+                  <a:pt x="1810878" y="4178958"/>
+                </a:cubicBezTo>
+                <a:cubicBezTo>
+                  <a:pt x="1089636" y="4178958"/>
+                  <a:pt x="453744" y="3813531"/>
+                  <a:pt x="78249" y="3257727"/>
+                </a:cubicBezTo>
+                <a:lnTo>
+                  <a:pt x="0" y="3128923"/>
+                </a:lnTo>
+                <a:lnTo>
+                  <a:pt x="831324" y="244281"/>
+                </a:lnTo>
+                <a:lnTo>
+                  <a:pt x="997559" y="164202"/>
+                </a:lnTo>
+                <a:cubicBezTo>
+                  <a:pt x="1247540" y="58468"/>
+                  <a:pt x="1522381" y="0"/>
+                  <a:pt x="1810878" y="0"/>
+                </a:cubicBezTo>
+                <a:cubicBezTo>
+                  <a:pt x="2027251" y="0"/>
+                  <a:pt x="2235942" y="32888"/>
+                  <a:pt x="2432225" y="93939"/>
+                </a:cubicBezTo>
+                <a:close/>
+              </a:path>
+            </a:pathLst>
+          </a:custGeom>
+          <a:gradFill>
+            <a:gsLst>
+              <a:gs pos="29000">
+                <a:srgbClr val="000000">
+                  <a:alpha val="0"/>
+                </a:srgbClr>
+              </a:gs>
+              <a:gs pos="100000">
+                <a:schemeClr val="accent1">
+                  <a:alpha val="43000"/>
+                </a:schemeClr>
+              </a:gs>
+            </a:gsLst>
+            <a:lin ang="1800000" scaled="0"/>
+          </a:gradFill>
+          <a:ln>
+            <a:noFill/>
+          </a:ln>
+        </p:spPr>
+        <p:style>
+          <a:lnRef idx="2">
+            <a:schemeClr val="accent1">
+              <a:shade val="50000"/>
+            </a:schemeClr>
+          </a:lnRef>
+          <a:fillRef idx="1">
+            <a:schemeClr val="accent1"/>
+          </a:fillRef>
+          <a:effectRef idx="0">
+            <a:schemeClr val="accent1"/>
+          </a:effectRef>
+          <a:fontRef idx="minor">
+            <a:schemeClr val="lt1"/>
+          </a:fontRef>
+        </p:style>
+        <p:txBody>
+          <a:bodyPr wrap="square" rtlCol="0" anchor="ctr">
+            <a:noAutofit/>
+          </a:bodyPr>
+          <a:lstStyle/>
+          <a:p>
+            <a:pPr algn="ctr"/>
+            <a:endParaRPr lang="en-US" dirty="0"/>
+          </a:p>
+        </p:txBody>
+      </p:sp>
+      <p:sp>
+        <p:nvSpPr>
+          <p:cNvPr id="20" name="Rectangle 19">
+            <a:extLst>
+              <a:ext uri="{FF2B5EF4-FFF2-40B4-BE49-F238E27FC236}">
+                <a16:creationId xmlns:a16="http://schemas.microsoft.com/office/drawing/2014/main" id="{8D71EDA1-87BF-4D5D-AB79-F346FD19278A}"/>
+              </a:ext>
+              <a:ext uri="{C183D7F6-B498-43B3-948B-1728B52AA6E4}">
+                <adec:decorative xmlns:adec="http://schemas.microsoft.com/office/drawing/2017/decorative" val="1"/>
+              </a:ext>
+            </a:extLst>
+          </p:cNvPr>
+          <p:cNvSpPr>
+            <a:spLocks noGrp="1" noRot="1" noChangeAspect="1" noMove="1" noResize="1" noEditPoints="1" noAdjustHandles="1" noChangeArrowheads="1" noChangeShapeType="1" noTextEdit="1"/>
+          </p:cNvSpPr>
+          <p:nvPr>
+            <p:extLst>
+              <p:ext uri="{386F3935-93C4-4BCD-93E2-E3B085C9AB24}">
+                <p16:designElem xmlns:p16="http://schemas.microsoft.com/office/powerpoint/2015/main" val="1"/>
+              </p:ext>
+            </p:extLst>
+          </p:nvPr>
+        </p:nvSpPr>
+        <p:spPr>
+          <a:xfrm rot="5400000" flipH="1">
+            <a:off x="-1410093" y="1399943"/>
+            <a:ext cx="6858003" cy="4037835"/>
+          </a:xfrm>
+          <a:prstGeom prst="rect">
+            <a:avLst/>
+          </a:prstGeom>
+          <a:gradFill>
+            <a:gsLst>
+              <a:gs pos="0">
+                <a:srgbClr val="000000">
+                  <a:alpha val="0"/>
+                </a:srgbClr>
+              </a:gs>
+              <a:gs pos="99000">
+                <a:schemeClr val="accent1">
+                  <a:lumMod val="60000"/>
+                  <a:lumOff val="40000"/>
+                  <a:alpha val="11000"/>
+                </a:schemeClr>
+              </a:gs>
+            </a:gsLst>
+            <a:lin ang="7200000" scaled="0"/>
+          </a:gradFill>
+          <a:ln>
+            <a:noFill/>
+          </a:ln>
+        </p:spPr>
+        <p:style>
+          <a:lnRef idx="2">
+            <a:schemeClr val="accent1">
+              <a:shade val="50000"/>
+            </a:schemeClr>
+          </a:lnRef>
+          <a:fillRef idx="1">
+            <a:schemeClr val="accent1"/>
+          </a:fillRef>
+          <a:effectRef idx="0">
+            <a:schemeClr val="accent1"/>
+          </a:effectRef>
+          <a:fontRef idx="minor">
+            <a:schemeClr val="lt1"/>
+          </a:fontRef>
+        </p:style>
+        <p:txBody>
+          <a:bodyPr rtlCol="0" anchor="ctr"/>
+          <a:lstStyle/>
+          <a:p>
+            <a:pPr algn="ctr"/>
+            <a:endParaRPr lang="en-US"/>
+          </a:p>
+        </p:txBody>
+      </p:sp>
+      <p:sp>
+        <p:nvSpPr>
+          <p:cNvPr id="2" name="Title 1">
+            <a:extLst>
+              <a:ext uri="{FF2B5EF4-FFF2-40B4-BE49-F238E27FC236}">
+                <a16:creationId xmlns:a16="http://schemas.microsoft.com/office/drawing/2014/main" id="{B501916C-D4E2-386A-B250-5CEAF46B5F6D}"/>
+              </a:ext>
+            </a:extLst>
+          </p:cNvPr>
+          <p:cNvSpPr>
+            <a:spLocks noGrp="1"/>
+          </p:cNvSpPr>
+          <p:nvPr>
+            <p:ph type="title"/>
+          </p:nvPr>
+        </p:nvSpPr>
+        <p:spPr>
+          <a:xfrm>
+            <a:off x="466722" y="586855"/>
+            <a:ext cx="3201366" cy="3387497"/>
+          </a:xfrm>
+        </p:spPr>
+        <p:txBody>
+          <a:bodyPr anchor="b">
+            <a:normAutofit/>
+          </a:bodyPr>
+          <a:lstStyle/>
+          <a:p>
+            <a:pPr algn="r" fontAlgn="b"/>
+            <a:r>
+              <a:rPr lang="en-GB" sz="4000" u="none" strike="noStrike">
+                <a:solidFill>
+                  <a:srgbClr val="FFFFFF"/>
+                </a:solidFill>
+                <a:effectLst/>
+              </a:rPr>
+              <a:t>Schedule for injection, extraction and storage</a:t>
+            </a:r>
+          </a:p>
+        </p:txBody>
+      </p:sp>
+      <p:sp>
+        <p:nvSpPr>
+          <p:cNvPr id="3" name="Content Placeholder 2">
+            <a:extLst>
+              <a:ext uri="{FF2B5EF4-FFF2-40B4-BE49-F238E27FC236}">
+                <a16:creationId xmlns:a16="http://schemas.microsoft.com/office/drawing/2014/main" id="{09C5E4A4-9126-BB3E-A065-D2362182A902}"/>
+              </a:ext>
+            </a:extLst>
+          </p:cNvPr>
+          <p:cNvSpPr>
+            <a:spLocks noGrp="1"/>
+          </p:cNvSpPr>
+          <p:nvPr>
+            <p:ph idx="1"/>
+          </p:nvPr>
+        </p:nvSpPr>
+        <p:spPr>
+          <a:xfrm>
+            <a:off x="4810259" y="649480"/>
+            <a:ext cx="6555347" cy="5546047"/>
+          </a:xfrm>
+        </p:spPr>
+        <p:txBody>
+          <a:bodyPr numCol="2" anchor="ctr">
+            <a:normAutofit/>
+          </a:bodyPr>
+          <a:lstStyle/>
+          <a:p>
+            <a:pPr lvl="1"/>
+            <a:endParaRPr lang="en-GB" sz="2000"/>
+          </a:p>
+          <a:p>
+            <a:pPr lvl="1"/>
+            <a:endParaRPr lang="en-GB" sz="2000"/>
+          </a:p>
+          <a:p>
+            <a:pPr lvl="1"/>
+            <a:endParaRPr lang="en-GB" sz="2000"/>
+          </a:p>
+          <a:p>
+            <a:pPr lvl="1"/>
+            <a:endParaRPr lang="en-NL" sz="2000"/>
+          </a:p>
+        </p:txBody>
+      </p:sp>
+      <p:pic>
+        <p:nvPicPr>
+          <p:cNvPr id="5" name="Picture 4">
+            <a:extLst>
+              <a:ext uri="{FF2B5EF4-FFF2-40B4-BE49-F238E27FC236}">
+                <a16:creationId xmlns:a16="http://schemas.microsoft.com/office/drawing/2014/main" id="{B951E990-3F89-0BEB-CCB5-363642606A20}"/>
+              </a:ext>
+            </a:extLst>
+          </p:cNvPr>
+          <p:cNvPicPr>
+            <a:picLocks noChangeAspect="1"/>
+          </p:cNvPicPr>
+          <p:nvPr/>
+        </p:nvPicPr>
+        <p:blipFill>
+          <a:blip r:embed="rId3">
+            <a:extLst>
+              <a:ext uri="{28A0092B-C50C-407E-A947-70E740481C1C}">
+                <a14:useLocalDpi xmlns:a14="http://schemas.microsoft.com/office/drawing/2010/main" val="0"/>
+              </a:ext>
+            </a:extLst>
+          </a:blip>
+          <a:stretch>
+            <a:fillRect/>
+          </a:stretch>
+        </p:blipFill>
+        <p:spPr>
+          <a:xfrm>
+            <a:off x="4866561" y="1240704"/>
+            <a:ext cx="6442742" cy="4241472"/>
+          </a:xfrm>
+          <a:prstGeom prst="rect">
+            <a:avLst/>
+          </a:prstGeom>
+        </p:spPr>
+      </p:pic>
+    </p:spTree>
+    <p:extLst>
+      <p:ext uri="{BB962C8B-B14F-4D97-AF65-F5344CB8AC3E}">
+        <p14:creationId xmlns:p14="http://schemas.microsoft.com/office/powerpoint/2010/main" val="2373920545"/>
+      </p:ext>
+    </p:extLst>
+  </p:cSld>
+  <p:clrMapOvr>
+    <a:masterClrMapping/>
+  </p:clrMapOvr>
+  <mc:AlternateContent xmlns:mc="http://schemas.openxmlformats.org/markup-compatibility/2006">
+    <mc:Choice xmlns:p159="http://schemas.microsoft.com/office/powerpoint/2015/09/main" Requires="p159">
+      <p:transition xmlns:p14="http://schemas.microsoft.com/office/powerpoint/2010/main" spd="slow" p14:dur="2000">
+        <p159:morph option="byObject"/>
+      </p:transition>
+    </mc:Choice>
+    <mc:Fallback>
+      <p:transition spd="slow">
+        <p:fade/>
+      </p:transition>
+    </mc:Fallback>
+  </mc:AlternateContent>
+</p:sld>
+</file>
+
+<file path=ppt/slides/slide15.xml><?xml version="1.0" encoding="utf-8"?>
 <p:sld xmlns:a="http://schemas.openxmlformats.org/drawingml/2006/main" xmlns:r="http://schemas.openxmlformats.org/officeDocument/2006/relationships" xmlns:p="http://schemas.openxmlformats.org/presentationml/2006/main">
   <p:cSld>
     <p:bg>
@@ -7177,6 +11287,18 @@
   <p:clrMapOvr>
     <a:masterClrMapping/>
   </p:clrMapOvr>
+  <mc:AlternateContent xmlns:mc="http://schemas.openxmlformats.org/markup-compatibility/2006">
+    <mc:Choice xmlns:p159="http://schemas.microsoft.com/office/powerpoint/2015/09/main" Requires="p159">
+      <p:transition xmlns:p14="http://schemas.microsoft.com/office/powerpoint/2010/main" spd="slow" p14:dur="2000">
+        <p159:morph option="byObject"/>
+      </p:transition>
+    </mc:Choice>
+    <mc:Fallback>
+      <p:transition spd="slow">
+        <p:fade/>
+      </p:transition>
+    </mc:Fallback>
+  </mc:AlternateContent>
   <p:timing>
     <p:tnLst>
       <p:par>
@@ -7272,9 +11394,17 @@
 </p:sld>
 </file>
 
-<file path=ppt/slides/slide13.xml><?xml version="1.0" encoding="utf-8"?>
+<file path=ppt/slides/slide16.xml><?xml version="1.0" encoding="utf-8"?>
 <p:sld xmlns:a="http://schemas.openxmlformats.org/drawingml/2006/main" xmlns:r="http://schemas.openxmlformats.org/officeDocument/2006/relationships" xmlns:p="http://schemas.openxmlformats.org/presentationml/2006/main">
   <p:cSld>
+    <p:bg>
+      <p:bgPr>
+        <a:solidFill>
+          <a:schemeClr val="bg1"/>
+        </a:solidFill>
+        <a:effectLst/>
+      </p:bgPr>
+    </p:bg>
     <p:spTree>
       <p:nvGrpSpPr>
         <p:cNvPr id="1" name=""/>
@@ -7289,12 +11419,634 @@
           <a:chExt cx="0" cy="0"/>
         </a:xfrm>
       </p:grpSpPr>
+      <p:sp useBgFill="1">
+        <p:nvSpPr>
+          <p:cNvPr id="8" name="Rectangle 7">
+            <a:extLst>
+              <a:ext uri="{FF2B5EF4-FFF2-40B4-BE49-F238E27FC236}">
+                <a16:creationId xmlns:a16="http://schemas.microsoft.com/office/drawing/2014/main" id="{09588DA8-065E-4F6F-8EFD-43104AB2E0CF}"/>
+              </a:ext>
+              <a:ext uri="{C183D7F6-B498-43B3-948B-1728B52AA6E4}">
+                <adec:decorative xmlns:adec="http://schemas.microsoft.com/office/drawing/2017/decorative" val="1"/>
+              </a:ext>
+            </a:extLst>
+          </p:cNvPr>
+          <p:cNvSpPr>
+            <a:spLocks noGrp="1" noRot="1" noChangeAspect="1" noMove="1" noResize="1" noEditPoints="1" noAdjustHandles="1" noChangeArrowheads="1" noChangeShapeType="1" noTextEdit="1"/>
+          </p:cNvSpPr>
+          <p:nvPr>
+            <p:extLst>
+              <p:ext uri="{386F3935-93C4-4BCD-93E2-E3B085C9AB24}">
+                <p16:designElem xmlns:p16="http://schemas.microsoft.com/office/powerpoint/2015/main" val="1"/>
+              </p:ext>
+            </p:extLst>
+          </p:nvPr>
+        </p:nvSpPr>
+        <p:spPr>
+          <a:xfrm>
+            <a:off x="0" y="0"/>
+            <a:ext cx="12192000" cy="6858000"/>
+          </a:xfrm>
+          <a:prstGeom prst="rect">
+            <a:avLst/>
+          </a:prstGeom>
+          <a:ln w="12700" cap="flat" cmpd="sng" algn="ctr">
+            <a:noFill/>
+            <a:prstDash val="solid"/>
+            <a:miter lim="800000"/>
+          </a:ln>
+          <a:effectLst/>
+          <a:extLst>
+            <a:ext uri="{91240B29-F687-4F45-9708-019B960494DF}">
+              <a14:hiddenLine xmlns:a14="http://schemas.microsoft.com/office/drawing/2010/main" w="12700" cap="flat" cmpd="sng" algn="ctr">
+                <a:solidFill>
+                  <a:schemeClr val="accent1">
+                    <a:shade val="50000"/>
+                  </a:schemeClr>
+                </a:solidFill>
+                <a:prstDash val="solid"/>
+                <a:miter lim="800000"/>
+              </a14:hiddenLine>
+            </a:ext>
+          </a:extLst>
+        </p:spPr>
+        <p:style>
+          <a:lnRef idx="2">
+            <a:schemeClr val="accent1">
+              <a:shade val="50000"/>
+            </a:schemeClr>
+          </a:lnRef>
+          <a:fillRef idx="1">
+            <a:schemeClr val="accent1"/>
+          </a:fillRef>
+          <a:effectRef idx="0">
+            <a:schemeClr val="accent1"/>
+          </a:effectRef>
+          <a:fontRef idx="minor">
+            <a:schemeClr val="lt1"/>
+          </a:fontRef>
+        </p:style>
+        <p:txBody>
+          <a:bodyPr rtlCol="0" anchor="ctr"/>
+          <a:lstStyle/>
+          <a:p>
+            <a:pPr algn="ctr"/>
+            <a:endParaRPr lang="en-US"/>
+          </a:p>
+        </p:txBody>
+      </p:sp>
+      <p:sp useBgFill="1">
+        <p:nvSpPr>
+          <p:cNvPr id="10" name="Rectangle 9">
+            <a:extLst>
+              <a:ext uri="{FF2B5EF4-FFF2-40B4-BE49-F238E27FC236}">
+                <a16:creationId xmlns:a16="http://schemas.microsoft.com/office/drawing/2014/main" id="{C4285719-470E-454C-AF62-8323075F1F5B}"/>
+              </a:ext>
+              <a:ext uri="{C183D7F6-B498-43B3-948B-1728B52AA6E4}">
+                <adec:decorative xmlns:adec="http://schemas.microsoft.com/office/drawing/2017/decorative" val="1"/>
+              </a:ext>
+            </a:extLst>
+          </p:cNvPr>
+          <p:cNvSpPr>
+            <a:spLocks noGrp="1" noRot="1" noChangeAspect="1" noMove="1" noResize="1" noEditPoints="1" noAdjustHandles="1" noChangeArrowheads="1" noChangeShapeType="1" noTextEdit="1"/>
+          </p:cNvSpPr>
+          <p:nvPr>
+            <p:extLst>
+              <p:ext uri="{386F3935-93C4-4BCD-93E2-E3B085C9AB24}">
+                <p16:designElem xmlns:p16="http://schemas.microsoft.com/office/powerpoint/2015/main" val="1"/>
+              </p:ext>
+            </p:extLst>
+          </p:nvPr>
+        </p:nvSpPr>
+        <p:spPr>
+          <a:xfrm>
+            <a:off x="0" y="0"/>
+            <a:ext cx="12188952" cy="6858000"/>
+          </a:xfrm>
+          <a:prstGeom prst="rect">
+            <a:avLst/>
+          </a:prstGeom>
+          <a:ln w="12700" cap="flat" cmpd="sng" algn="ctr">
+            <a:noFill/>
+            <a:prstDash val="solid"/>
+            <a:miter lim="800000"/>
+          </a:ln>
+          <a:effectLst/>
+          <a:extLst>
+            <a:ext uri="{91240B29-F687-4F45-9708-019B960494DF}">
+              <a14:hiddenLine xmlns:a14="http://schemas.microsoft.com/office/drawing/2010/main" w="12700" cap="flat" cmpd="sng" algn="ctr">
+                <a:solidFill>
+                  <a:schemeClr val="accent1">
+                    <a:shade val="50000"/>
+                  </a:schemeClr>
+                </a:solidFill>
+                <a:prstDash val="solid"/>
+                <a:miter lim="800000"/>
+              </a14:hiddenLine>
+            </a:ext>
+          </a:extLst>
+        </p:spPr>
+        <p:style>
+          <a:lnRef idx="2">
+            <a:schemeClr val="accent1">
+              <a:shade val="50000"/>
+            </a:schemeClr>
+          </a:lnRef>
+          <a:fillRef idx="1">
+            <a:schemeClr val="accent1"/>
+          </a:fillRef>
+          <a:effectRef idx="0">
+            <a:schemeClr val="accent1"/>
+          </a:effectRef>
+          <a:fontRef idx="minor">
+            <a:schemeClr val="lt1"/>
+          </a:fontRef>
+        </p:style>
+        <p:txBody>
+          <a:bodyPr rtlCol="0" anchor="ctr"/>
+          <a:lstStyle/>
+          <a:p>
+            <a:pPr algn="ctr"/>
+            <a:endParaRPr lang="en-US"/>
+          </a:p>
+        </p:txBody>
+      </p:sp>
+      <p:sp>
+        <p:nvSpPr>
+          <p:cNvPr id="12" name="Rectangle 11">
+            <a:extLst>
+              <a:ext uri="{FF2B5EF4-FFF2-40B4-BE49-F238E27FC236}">
+                <a16:creationId xmlns:a16="http://schemas.microsoft.com/office/drawing/2014/main" id="{CD9FE4EF-C4D8-49A0-B2FF-81D8DB7D8A24}"/>
+              </a:ext>
+              <a:ext uri="{C183D7F6-B498-43B3-948B-1728B52AA6E4}">
+                <adec:decorative xmlns:adec="http://schemas.microsoft.com/office/drawing/2017/decorative" val="1"/>
+              </a:ext>
+            </a:extLst>
+          </p:cNvPr>
+          <p:cNvSpPr>
+            <a:spLocks noGrp="1" noRot="1" noChangeAspect="1" noMove="1" noResize="1" noEditPoints="1" noAdjustHandles="1" noChangeArrowheads="1" noChangeShapeType="1" noTextEdit="1"/>
+          </p:cNvSpPr>
+          <p:nvPr>
+            <p:extLst>
+              <p:ext uri="{386F3935-93C4-4BCD-93E2-E3B085C9AB24}">
+                <p16:designElem xmlns:p16="http://schemas.microsoft.com/office/powerpoint/2015/main" val="1"/>
+              </p:ext>
+            </p:extLst>
+          </p:nvPr>
+        </p:nvSpPr>
+        <p:spPr>
+          <a:xfrm rot="5400000" flipH="1">
+            <a:off x="-1410084" y="1410082"/>
+            <a:ext cx="6858000" cy="4037836"/>
+          </a:xfrm>
+          <a:prstGeom prst="rect">
+            <a:avLst/>
+          </a:prstGeom>
+          <a:gradFill>
+            <a:gsLst>
+              <a:gs pos="8000">
+                <a:srgbClr val="000000"/>
+              </a:gs>
+              <a:gs pos="100000">
+                <a:schemeClr val="accent1">
+                  <a:lumMod val="75000"/>
+                </a:schemeClr>
+              </a:gs>
+            </a:gsLst>
+            <a:lin ang="3000000" scaled="0"/>
+          </a:gradFill>
+          <a:ln>
+            <a:noFill/>
+          </a:ln>
+        </p:spPr>
+        <p:style>
+          <a:lnRef idx="2">
+            <a:schemeClr val="accent1">
+              <a:shade val="50000"/>
+            </a:schemeClr>
+          </a:lnRef>
+          <a:fillRef idx="1">
+            <a:schemeClr val="accent1"/>
+          </a:fillRef>
+          <a:effectRef idx="0">
+            <a:schemeClr val="accent1"/>
+          </a:effectRef>
+          <a:fontRef idx="minor">
+            <a:schemeClr val="lt1"/>
+          </a:fontRef>
+        </p:style>
+        <p:txBody>
+          <a:bodyPr rtlCol="0" anchor="ctr"/>
+          <a:lstStyle/>
+          <a:p>
+            <a:pPr algn="ctr"/>
+            <a:endParaRPr lang="en-US"/>
+          </a:p>
+        </p:txBody>
+      </p:sp>
+      <p:sp>
+        <p:nvSpPr>
+          <p:cNvPr id="14" name="Rectangle 13">
+            <a:extLst>
+              <a:ext uri="{FF2B5EF4-FFF2-40B4-BE49-F238E27FC236}">
+                <a16:creationId xmlns:a16="http://schemas.microsoft.com/office/drawing/2014/main" id="{4300840D-0A0B-4512-BACA-B439D5B9C57C}"/>
+              </a:ext>
+              <a:ext uri="{C183D7F6-B498-43B3-948B-1728B52AA6E4}">
+                <adec:decorative xmlns:adec="http://schemas.microsoft.com/office/drawing/2017/decorative" val="1"/>
+              </a:ext>
+            </a:extLst>
+          </p:cNvPr>
+          <p:cNvSpPr>
+            <a:spLocks noGrp="1" noRot="1" noChangeAspect="1" noMove="1" noResize="1" noEditPoints="1" noAdjustHandles="1" noChangeArrowheads="1" noChangeShapeType="1" noTextEdit="1"/>
+          </p:cNvSpPr>
+          <p:nvPr>
+            <p:extLst>
+              <p:ext uri="{386F3935-93C4-4BCD-93E2-E3B085C9AB24}">
+                <p16:designElem xmlns:p16="http://schemas.microsoft.com/office/powerpoint/2015/main" val="1"/>
+              </p:ext>
+            </p:extLst>
+          </p:nvPr>
+        </p:nvSpPr>
+        <p:spPr>
+          <a:xfrm rot="5400000" flipH="1">
+            <a:off x="-1410085" y="1420219"/>
+            <a:ext cx="6857999" cy="4037839"/>
+          </a:xfrm>
+          <a:prstGeom prst="rect">
+            <a:avLst/>
+          </a:prstGeom>
+          <a:gradFill>
+            <a:gsLst>
+              <a:gs pos="0">
+                <a:srgbClr val="000000">
+                  <a:alpha val="0"/>
+                </a:srgbClr>
+              </a:gs>
+              <a:gs pos="99000">
+                <a:schemeClr val="accent1">
+                  <a:alpha val="46000"/>
+                </a:schemeClr>
+              </a:gs>
+            </a:gsLst>
+            <a:lin ang="1800000" scaled="0"/>
+          </a:gradFill>
+          <a:ln>
+            <a:noFill/>
+          </a:ln>
+        </p:spPr>
+        <p:style>
+          <a:lnRef idx="2">
+            <a:schemeClr val="accent1">
+              <a:shade val="50000"/>
+            </a:schemeClr>
+          </a:lnRef>
+          <a:fillRef idx="1">
+            <a:schemeClr val="accent1"/>
+          </a:fillRef>
+          <a:effectRef idx="0">
+            <a:schemeClr val="accent1"/>
+          </a:effectRef>
+          <a:fontRef idx="minor">
+            <a:schemeClr val="lt1"/>
+          </a:fontRef>
+        </p:style>
+        <p:txBody>
+          <a:bodyPr rtlCol="0" anchor="ctr"/>
+          <a:lstStyle/>
+          <a:p>
+            <a:pPr algn="ctr"/>
+            <a:endParaRPr lang="en-US"/>
+          </a:p>
+        </p:txBody>
+      </p:sp>
+      <p:sp>
+        <p:nvSpPr>
+          <p:cNvPr id="16" name="Rectangle 15">
+            <a:extLst>
+              <a:ext uri="{FF2B5EF4-FFF2-40B4-BE49-F238E27FC236}">
+                <a16:creationId xmlns:a16="http://schemas.microsoft.com/office/drawing/2014/main" id="{D2B78728-A580-49A7-84F9-6EF6F583ADE0}"/>
+              </a:ext>
+              <a:ext uri="{C183D7F6-B498-43B3-948B-1728B52AA6E4}">
+                <adec:decorative xmlns:adec="http://schemas.microsoft.com/office/drawing/2017/decorative" val="1"/>
+              </a:ext>
+            </a:extLst>
+          </p:cNvPr>
+          <p:cNvSpPr>
+            <a:spLocks noGrp="1" noRot="1" noChangeAspect="1" noMove="1" noResize="1" noEditPoints="1" noAdjustHandles="1" noChangeArrowheads="1" noChangeShapeType="1" noTextEdit="1"/>
+          </p:cNvSpPr>
+          <p:nvPr>
+            <p:extLst>
+              <p:ext uri="{386F3935-93C4-4BCD-93E2-E3B085C9AB24}">
+                <p16:designElem xmlns:p16="http://schemas.microsoft.com/office/powerpoint/2015/main" val="1"/>
+              </p:ext>
+            </p:extLst>
+          </p:nvPr>
+        </p:nvSpPr>
+        <p:spPr>
+          <a:xfrm rot="5400000" flipH="1">
+            <a:off x="767923" y="3588085"/>
+            <a:ext cx="2501979" cy="4037841"/>
+          </a:xfrm>
+          <a:prstGeom prst="rect">
+            <a:avLst/>
+          </a:prstGeom>
+          <a:gradFill>
+            <a:gsLst>
+              <a:gs pos="2000">
+                <a:schemeClr val="accent1">
+                  <a:alpha val="29000"/>
+                </a:schemeClr>
+              </a:gs>
+              <a:gs pos="100000">
+                <a:srgbClr val="000000">
+                  <a:alpha val="30000"/>
+                </a:srgbClr>
+              </a:gs>
+            </a:gsLst>
+            <a:lin ang="7800000" scaled="0"/>
+          </a:gradFill>
+          <a:ln>
+            <a:noFill/>
+          </a:ln>
+        </p:spPr>
+        <p:style>
+          <a:lnRef idx="2">
+            <a:schemeClr val="accent1">
+              <a:shade val="50000"/>
+            </a:schemeClr>
+          </a:lnRef>
+          <a:fillRef idx="1">
+            <a:schemeClr val="accent1"/>
+          </a:fillRef>
+          <a:effectRef idx="0">
+            <a:schemeClr val="accent1"/>
+          </a:effectRef>
+          <a:fontRef idx="minor">
+            <a:schemeClr val="lt1"/>
+          </a:fontRef>
+        </p:style>
+        <p:txBody>
+          <a:bodyPr rtlCol="0" anchor="ctr"/>
+          <a:lstStyle/>
+          <a:p>
+            <a:pPr algn="ctr"/>
+            <a:endParaRPr lang="en-US" dirty="0"/>
+          </a:p>
+        </p:txBody>
+      </p:sp>
+      <p:sp>
+        <p:nvSpPr>
+          <p:cNvPr id="18" name="Freeform: Shape 17">
+            <a:extLst>
+              <a:ext uri="{FF2B5EF4-FFF2-40B4-BE49-F238E27FC236}">
+                <a16:creationId xmlns:a16="http://schemas.microsoft.com/office/drawing/2014/main" id="{38FAA1A1-D861-433F-88FA-1E9D6FD31D11}"/>
+              </a:ext>
+              <a:ext uri="{C183D7F6-B498-43B3-948B-1728B52AA6E4}">
+                <adec:decorative xmlns:adec="http://schemas.microsoft.com/office/drawing/2017/decorative" val="1"/>
+              </a:ext>
+            </a:extLst>
+          </p:cNvPr>
+          <p:cNvSpPr>
+            <a:spLocks noGrp="1" noRot="1" noChangeAspect="1" noMove="1" noResize="1" noEditPoints="1" noAdjustHandles="1" noChangeArrowheads="1" noChangeShapeType="1" noTextEdit="1"/>
+          </p:cNvSpPr>
+          <p:nvPr>
+            <p:extLst>
+              <p:ext uri="{386F3935-93C4-4BCD-93E2-E3B085C9AB24}">
+                <p16:designElem xmlns:p16="http://schemas.microsoft.com/office/powerpoint/2015/main" val="1"/>
+              </p:ext>
+            </p:extLst>
+          </p:nvPr>
+        </p:nvSpPr>
+        <p:spPr>
+          <a:xfrm rot="20635413">
+            <a:off x="-501737" y="969718"/>
+            <a:ext cx="3900357" cy="4178958"/>
+          </a:xfrm>
+          <a:custGeom>
+            <a:avLst/>
+            <a:gdLst>
+              <a:gd name="connsiteX0" fmla="*/ 2432225 w 3900357"/>
+              <a:gd name="connsiteY0" fmla="*/ 93939 h 4178958"/>
+              <a:gd name="connsiteX1" fmla="*/ 3900357 w 3900357"/>
+              <a:gd name="connsiteY1" fmla="*/ 2089479 h 4178958"/>
+              <a:gd name="connsiteX2" fmla="*/ 1810878 w 3900357"/>
+              <a:gd name="connsiteY2" fmla="*/ 4178958 h 4178958"/>
+              <a:gd name="connsiteX3" fmla="*/ 78249 w 3900357"/>
+              <a:gd name="connsiteY3" fmla="*/ 3257727 h 4178958"/>
+              <a:gd name="connsiteX4" fmla="*/ 0 w 3900357"/>
+              <a:gd name="connsiteY4" fmla="*/ 3128923 h 4178958"/>
+              <a:gd name="connsiteX5" fmla="*/ 831324 w 3900357"/>
+              <a:gd name="connsiteY5" fmla="*/ 244281 h 4178958"/>
+              <a:gd name="connsiteX6" fmla="*/ 997559 w 3900357"/>
+              <a:gd name="connsiteY6" fmla="*/ 164202 h 4178958"/>
+              <a:gd name="connsiteX7" fmla="*/ 1810878 w 3900357"/>
+              <a:gd name="connsiteY7" fmla="*/ 0 h 4178958"/>
+              <a:gd name="connsiteX8" fmla="*/ 2432225 w 3900357"/>
+              <a:gd name="connsiteY8" fmla="*/ 93939 h 4178958"/>
+            </a:gdLst>
+            <a:ahLst/>
+            <a:cxnLst>
+              <a:cxn ang="0">
+                <a:pos x="connsiteX0" y="connsiteY0"/>
+              </a:cxn>
+              <a:cxn ang="0">
+                <a:pos x="connsiteX1" y="connsiteY1"/>
+              </a:cxn>
+              <a:cxn ang="0">
+                <a:pos x="connsiteX2" y="connsiteY2"/>
+              </a:cxn>
+              <a:cxn ang="0">
+                <a:pos x="connsiteX3" y="connsiteY3"/>
+              </a:cxn>
+              <a:cxn ang="0">
+                <a:pos x="connsiteX4" y="connsiteY4"/>
+              </a:cxn>
+              <a:cxn ang="0">
+                <a:pos x="connsiteX5" y="connsiteY5"/>
+              </a:cxn>
+              <a:cxn ang="0">
+                <a:pos x="connsiteX6" y="connsiteY6"/>
+              </a:cxn>
+              <a:cxn ang="0">
+                <a:pos x="connsiteX7" y="connsiteY7"/>
+              </a:cxn>
+              <a:cxn ang="0">
+                <a:pos x="connsiteX8" y="connsiteY8"/>
+              </a:cxn>
+            </a:cxnLst>
+            <a:rect l="l" t="t" r="r" b="b"/>
+            <a:pathLst>
+              <a:path w="3900357" h="4178958">
+                <a:moveTo>
+                  <a:pt x="2432225" y="93939"/>
+                </a:moveTo>
+                <a:cubicBezTo>
+                  <a:pt x="3282786" y="358491"/>
+                  <a:pt x="3900357" y="1151865"/>
+                  <a:pt x="3900357" y="2089479"/>
+                </a:cubicBezTo>
+                <a:cubicBezTo>
+                  <a:pt x="3900357" y="3243466"/>
+                  <a:pt x="2964865" y="4178958"/>
+                  <a:pt x="1810878" y="4178958"/>
+                </a:cubicBezTo>
+                <a:cubicBezTo>
+                  <a:pt x="1089636" y="4178958"/>
+                  <a:pt x="453744" y="3813531"/>
+                  <a:pt x="78249" y="3257727"/>
+                </a:cubicBezTo>
+                <a:lnTo>
+                  <a:pt x="0" y="3128923"/>
+                </a:lnTo>
+                <a:lnTo>
+                  <a:pt x="831324" y="244281"/>
+                </a:lnTo>
+                <a:lnTo>
+                  <a:pt x="997559" y="164202"/>
+                </a:lnTo>
+                <a:cubicBezTo>
+                  <a:pt x="1247540" y="58468"/>
+                  <a:pt x="1522381" y="0"/>
+                  <a:pt x="1810878" y="0"/>
+                </a:cubicBezTo>
+                <a:cubicBezTo>
+                  <a:pt x="2027251" y="0"/>
+                  <a:pt x="2235942" y="32888"/>
+                  <a:pt x="2432225" y="93939"/>
+                </a:cubicBezTo>
+                <a:close/>
+              </a:path>
+            </a:pathLst>
+          </a:custGeom>
+          <a:gradFill>
+            <a:gsLst>
+              <a:gs pos="29000">
+                <a:srgbClr val="000000">
+                  <a:alpha val="0"/>
+                </a:srgbClr>
+              </a:gs>
+              <a:gs pos="100000">
+                <a:schemeClr val="accent1">
+                  <a:alpha val="43000"/>
+                </a:schemeClr>
+              </a:gs>
+            </a:gsLst>
+            <a:lin ang="1800000" scaled="0"/>
+          </a:gradFill>
+          <a:ln>
+            <a:noFill/>
+          </a:ln>
+        </p:spPr>
+        <p:style>
+          <a:lnRef idx="2">
+            <a:schemeClr val="accent1">
+              <a:shade val="50000"/>
+            </a:schemeClr>
+          </a:lnRef>
+          <a:fillRef idx="1">
+            <a:schemeClr val="accent1"/>
+          </a:fillRef>
+          <a:effectRef idx="0">
+            <a:schemeClr val="accent1"/>
+          </a:effectRef>
+          <a:fontRef idx="minor">
+            <a:schemeClr val="lt1"/>
+          </a:fontRef>
+        </p:style>
+        <p:txBody>
+          <a:bodyPr wrap="square" rtlCol="0" anchor="ctr">
+            <a:noAutofit/>
+          </a:bodyPr>
+          <a:lstStyle/>
+          <a:p>
+            <a:pPr algn="ctr"/>
+            <a:endParaRPr lang="en-US" dirty="0"/>
+          </a:p>
+        </p:txBody>
+      </p:sp>
+      <p:sp>
+        <p:nvSpPr>
+          <p:cNvPr id="20" name="Rectangle 19">
+            <a:extLst>
+              <a:ext uri="{FF2B5EF4-FFF2-40B4-BE49-F238E27FC236}">
+                <a16:creationId xmlns:a16="http://schemas.microsoft.com/office/drawing/2014/main" id="{8D71EDA1-87BF-4D5D-AB79-F346FD19278A}"/>
+              </a:ext>
+              <a:ext uri="{C183D7F6-B498-43B3-948B-1728B52AA6E4}">
+                <adec:decorative xmlns:adec="http://schemas.microsoft.com/office/drawing/2017/decorative" val="1"/>
+              </a:ext>
+            </a:extLst>
+          </p:cNvPr>
+          <p:cNvSpPr>
+            <a:spLocks noGrp="1" noRot="1" noChangeAspect="1" noMove="1" noResize="1" noEditPoints="1" noAdjustHandles="1" noChangeArrowheads="1" noChangeShapeType="1" noTextEdit="1"/>
+          </p:cNvSpPr>
+          <p:nvPr>
+            <p:extLst>
+              <p:ext uri="{386F3935-93C4-4BCD-93E2-E3B085C9AB24}">
+                <p16:designElem xmlns:p16="http://schemas.microsoft.com/office/powerpoint/2015/main" val="1"/>
+              </p:ext>
+            </p:extLst>
+          </p:nvPr>
+        </p:nvSpPr>
+        <p:spPr>
+          <a:xfrm rot="5400000" flipH="1">
+            <a:off x="-1410093" y="1399943"/>
+            <a:ext cx="6858003" cy="4037835"/>
+          </a:xfrm>
+          <a:prstGeom prst="rect">
+            <a:avLst/>
+          </a:prstGeom>
+          <a:gradFill>
+            <a:gsLst>
+              <a:gs pos="0">
+                <a:srgbClr val="000000">
+                  <a:alpha val="0"/>
+                </a:srgbClr>
+              </a:gs>
+              <a:gs pos="99000">
+                <a:schemeClr val="accent1">
+                  <a:lumMod val="60000"/>
+                  <a:lumOff val="40000"/>
+                  <a:alpha val="11000"/>
+                </a:schemeClr>
+              </a:gs>
+            </a:gsLst>
+            <a:lin ang="7200000" scaled="0"/>
+          </a:gradFill>
+          <a:ln>
+            <a:noFill/>
+          </a:ln>
+        </p:spPr>
+        <p:style>
+          <a:lnRef idx="2">
+            <a:schemeClr val="accent1">
+              <a:shade val="50000"/>
+            </a:schemeClr>
+          </a:lnRef>
+          <a:fillRef idx="1">
+            <a:schemeClr val="accent1"/>
+          </a:fillRef>
+          <a:effectRef idx="0">
+            <a:schemeClr val="accent1"/>
+          </a:effectRef>
+          <a:fontRef idx="minor">
+            <a:schemeClr val="lt1"/>
+          </a:fontRef>
+        </p:style>
+        <p:txBody>
+          <a:bodyPr rtlCol="0" anchor="ctr"/>
+          <a:lstStyle/>
+          <a:p>
+            <a:pPr algn="ctr"/>
+            <a:endParaRPr lang="en-US"/>
+          </a:p>
+        </p:txBody>
+      </p:sp>
       <p:sp>
         <p:nvSpPr>
           <p:cNvPr id="2" name="Title 1">
             <a:extLst>
               <a:ext uri="{FF2B5EF4-FFF2-40B4-BE49-F238E27FC236}">
-                <a16:creationId xmlns:a16="http://schemas.microsoft.com/office/drawing/2014/main" id="{65E082A6-3E1E-224A-4384-7B358B7A0446}"/>
+                <a16:creationId xmlns:a16="http://schemas.microsoft.com/office/drawing/2014/main" id="{B501916C-D4E2-386A-B250-5CEAF46B5F6D}"/>
               </a:ext>
             </a:extLst>
           </p:cNvPr>
@@ -7305,12 +12057,42 @@
             <p:ph type="title"/>
           </p:nvPr>
         </p:nvSpPr>
-        <p:spPr/>
-        <p:txBody>
-          <a:bodyPr/>
+        <p:spPr>
+          <a:xfrm>
+            <a:off x="466722" y="586855"/>
+            <a:ext cx="3201366" cy="3387497"/>
+          </a:xfrm>
+        </p:spPr>
+        <p:txBody>
+          <a:bodyPr anchor="b">
+            <a:normAutofit/>
+          </a:bodyPr>
           <a:lstStyle/>
           <a:p>
-            <a:endParaRPr lang="nl-NL"/>
+            <a:pPr algn="r" fontAlgn="b"/>
+            <a:r>
+              <a:rPr lang="en-GB" sz="4000" u="none" strike="noStrike" dirty="0">
+                <a:solidFill>
+                  <a:srgbClr val="FFFFFF"/>
+                </a:solidFill>
+                <a:effectLst/>
+              </a:rPr>
+              <a:t>Parameter sensitivity</a:t>
+            </a:r>
+            <a:br>
+              <a:rPr lang="en-GB" sz="4000" u="none" strike="noStrike" dirty="0">
+                <a:solidFill>
+                  <a:srgbClr val="FFFFFF"/>
+                </a:solidFill>
+                <a:effectLst/>
+              </a:rPr>
+            </a:br>
+            <a:endParaRPr lang="en-GB" sz="4000" u="none" strike="noStrike" dirty="0">
+              <a:solidFill>
+                <a:srgbClr val="FFFFFF"/>
+              </a:solidFill>
+              <a:effectLst/>
+            </a:endParaRPr>
           </a:p>
         </p:txBody>
       </p:sp>
@@ -7319,7 +12101,7 @@
           <p:cNvPr id="3" name="Content Placeholder 2">
             <a:extLst>
               <a:ext uri="{FF2B5EF4-FFF2-40B4-BE49-F238E27FC236}">
-                <a16:creationId xmlns:a16="http://schemas.microsoft.com/office/drawing/2014/main" id="{7FFAE9CD-94D5-117A-BFEF-CB19206E016D}"/>
+                <a16:creationId xmlns:a16="http://schemas.microsoft.com/office/drawing/2014/main" id="{09C5E4A4-9126-BB3E-A065-D2362182A902}"/>
               </a:ext>
             </a:extLst>
           </p:cNvPr>
@@ -7330,29 +12112,1979 @@
             <p:ph idx="1"/>
           </p:nvPr>
         </p:nvSpPr>
-        <p:spPr/>
-        <p:txBody>
-          <a:bodyPr/>
+        <p:spPr>
+          <a:xfrm>
+            <a:off x="4698858" y="586855"/>
+            <a:ext cx="6555347" cy="764636"/>
+          </a:xfrm>
+        </p:spPr>
+        <p:txBody>
+          <a:bodyPr numCol="1" anchor="ctr">
+            <a:normAutofit fontScale="77500" lnSpcReduction="20000"/>
+          </a:bodyPr>
           <a:lstStyle/>
           <a:p>
-            <a:endParaRPr lang="nl-NL"/>
-          </a:p>
-        </p:txBody>
-      </p:sp>
+            <a:pPr marL="457200" lvl="1" indent="0">
+              <a:buNone/>
+            </a:pPr>
+            <a:endParaRPr lang="en-GB" sz="3600" dirty="0">
+              <a:solidFill>
+                <a:schemeClr val="bg2">
+                  <a:lumMod val="50000"/>
+                </a:schemeClr>
+              </a:solidFill>
+            </a:endParaRPr>
+          </a:p>
+          <a:p>
+            <a:pPr marL="457200" lvl="1" indent="0" algn="ctr">
+              <a:buNone/>
+            </a:pPr>
+            <a:r>
+              <a:rPr lang="en-GB" sz="3600" dirty="0">
+                <a:solidFill>
+                  <a:schemeClr val="bg2">
+                    <a:lumMod val="50000"/>
+                  </a:schemeClr>
+                </a:solidFill>
+              </a:rPr>
+              <a:t>Hydraulic conductivity &amp; Porosity</a:t>
+            </a:r>
+          </a:p>
+          <a:p>
+            <a:pPr lvl="1"/>
+            <a:endParaRPr lang="en-GB" sz="2000" dirty="0">
+              <a:solidFill>
+                <a:schemeClr val="bg2">
+                  <a:lumMod val="50000"/>
+                </a:schemeClr>
+              </a:solidFill>
+            </a:endParaRPr>
+          </a:p>
+          <a:p>
+            <a:pPr lvl="1"/>
+            <a:endParaRPr lang="en-NL" sz="2000" dirty="0">
+              <a:solidFill>
+                <a:schemeClr val="bg2">
+                  <a:lumMod val="50000"/>
+                </a:schemeClr>
+              </a:solidFill>
+            </a:endParaRPr>
+          </a:p>
+        </p:txBody>
+      </p:sp>
+      <p:pic>
+        <p:nvPicPr>
+          <p:cNvPr id="7" name="Picture 6" descr="A graph of different colored lines&#10;&#10;Description automatically generated with medium confidence">
+            <a:extLst>
+              <a:ext uri="{FF2B5EF4-FFF2-40B4-BE49-F238E27FC236}">
+                <a16:creationId xmlns:a16="http://schemas.microsoft.com/office/drawing/2014/main" id="{87A1048D-5B43-AA7A-5702-E9BC396517F9}"/>
+              </a:ext>
+            </a:extLst>
+          </p:cNvPr>
+          <p:cNvPicPr>
+            <a:picLocks noChangeAspect="1"/>
+          </p:cNvPicPr>
+          <p:nvPr/>
+        </p:nvPicPr>
+        <p:blipFill>
+          <a:blip r:embed="rId3">
+            <a:extLst>
+              <a:ext uri="{28A0092B-C50C-407E-A947-70E740481C1C}">
+                <a14:useLocalDpi xmlns:a14="http://schemas.microsoft.com/office/drawing/2010/main" val="0"/>
+              </a:ext>
+            </a:extLst>
+          </a:blip>
+          <a:stretch>
+            <a:fillRect/>
+          </a:stretch>
+        </p:blipFill>
+        <p:spPr>
+          <a:xfrm>
+            <a:off x="4272195" y="1700327"/>
+            <a:ext cx="7631473" cy="4548050"/>
+          </a:xfrm>
+          <a:prstGeom prst="rect">
+            <a:avLst/>
+          </a:prstGeom>
+        </p:spPr>
+      </p:pic>
     </p:spTree>
     <p:extLst>
       <p:ext uri="{BB962C8B-B14F-4D97-AF65-F5344CB8AC3E}">
-        <p14:creationId xmlns:p14="http://schemas.microsoft.com/office/powerpoint/2010/main" val="245301845"/>
+        <p14:creationId xmlns:p14="http://schemas.microsoft.com/office/powerpoint/2010/main" val="803040883"/>
       </p:ext>
     </p:extLst>
   </p:cSld>
   <p:clrMapOvr>
     <a:masterClrMapping/>
   </p:clrMapOvr>
+  <mc:AlternateContent xmlns:mc="http://schemas.openxmlformats.org/markup-compatibility/2006">
+    <mc:Choice xmlns:p159="http://schemas.microsoft.com/office/powerpoint/2015/09/main" Requires="p159">
+      <p:transition xmlns:p14="http://schemas.microsoft.com/office/powerpoint/2010/main" spd="slow" p14:dur="2000">
+        <p159:morph option="byObject"/>
+      </p:transition>
+    </mc:Choice>
+    <mc:Fallback>
+      <p:transition spd="slow">
+        <p:fade/>
+      </p:transition>
+    </mc:Fallback>
+  </mc:AlternateContent>
 </p:sld>
 </file>
 
-<file path=ppt/slides/slide14.xml><?xml version="1.0" encoding="utf-8"?>
+<file path=ppt/slides/slide17.xml><?xml version="1.0" encoding="utf-8"?>
+<p:sld xmlns:a="http://schemas.openxmlformats.org/drawingml/2006/main" xmlns:r="http://schemas.openxmlformats.org/officeDocument/2006/relationships" xmlns:p="http://schemas.openxmlformats.org/presentationml/2006/main">
+  <p:cSld>
+    <p:bg>
+      <p:bgPr>
+        <a:solidFill>
+          <a:schemeClr val="bg1"/>
+        </a:solidFill>
+        <a:effectLst/>
+      </p:bgPr>
+    </p:bg>
+    <p:spTree>
+      <p:nvGrpSpPr>
+        <p:cNvPr id="1" name=""/>
+        <p:cNvGrpSpPr/>
+        <p:nvPr/>
+      </p:nvGrpSpPr>
+      <p:grpSpPr>
+        <a:xfrm>
+          <a:off x="0" y="0"/>
+          <a:ext cx="0" cy="0"/>
+          <a:chOff x="0" y="0"/>
+          <a:chExt cx="0" cy="0"/>
+        </a:xfrm>
+      </p:grpSpPr>
+      <p:sp useBgFill="1">
+        <p:nvSpPr>
+          <p:cNvPr id="8" name="Rectangle 7">
+            <a:extLst>
+              <a:ext uri="{FF2B5EF4-FFF2-40B4-BE49-F238E27FC236}">
+                <a16:creationId xmlns:a16="http://schemas.microsoft.com/office/drawing/2014/main" id="{09588DA8-065E-4F6F-8EFD-43104AB2E0CF}"/>
+              </a:ext>
+              <a:ext uri="{C183D7F6-B498-43B3-948B-1728B52AA6E4}">
+                <adec:decorative xmlns:adec="http://schemas.microsoft.com/office/drawing/2017/decorative" val="1"/>
+              </a:ext>
+            </a:extLst>
+          </p:cNvPr>
+          <p:cNvSpPr>
+            <a:spLocks noGrp="1" noRot="1" noChangeAspect="1" noMove="1" noResize="1" noEditPoints="1" noAdjustHandles="1" noChangeArrowheads="1" noChangeShapeType="1" noTextEdit="1"/>
+          </p:cNvSpPr>
+          <p:nvPr>
+            <p:extLst>
+              <p:ext uri="{386F3935-93C4-4BCD-93E2-E3B085C9AB24}">
+                <p16:designElem xmlns:p16="http://schemas.microsoft.com/office/powerpoint/2015/main" val="1"/>
+              </p:ext>
+            </p:extLst>
+          </p:nvPr>
+        </p:nvSpPr>
+        <p:spPr>
+          <a:xfrm>
+            <a:off x="0" y="0"/>
+            <a:ext cx="12192000" cy="6858000"/>
+          </a:xfrm>
+          <a:prstGeom prst="rect">
+            <a:avLst/>
+          </a:prstGeom>
+          <a:ln w="12700" cap="flat" cmpd="sng" algn="ctr">
+            <a:noFill/>
+            <a:prstDash val="solid"/>
+            <a:miter lim="800000"/>
+          </a:ln>
+          <a:effectLst/>
+          <a:extLst>
+            <a:ext uri="{91240B29-F687-4F45-9708-019B960494DF}">
+              <a14:hiddenLine xmlns:a14="http://schemas.microsoft.com/office/drawing/2010/main" w="12700" cap="flat" cmpd="sng" algn="ctr">
+                <a:solidFill>
+                  <a:schemeClr val="accent1">
+                    <a:shade val="50000"/>
+                  </a:schemeClr>
+                </a:solidFill>
+                <a:prstDash val="solid"/>
+                <a:miter lim="800000"/>
+              </a14:hiddenLine>
+            </a:ext>
+          </a:extLst>
+        </p:spPr>
+        <p:style>
+          <a:lnRef idx="2">
+            <a:schemeClr val="accent1">
+              <a:shade val="50000"/>
+            </a:schemeClr>
+          </a:lnRef>
+          <a:fillRef idx="1">
+            <a:schemeClr val="accent1"/>
+          </a:fillRef>
+          <a:effectRef idx="0">
+            <a:schemeClr val="accent1"/>
+          </a:effectRef>
+          <a:fontRef idx="minor">
+            <a:schemeClr val="lt1"/>
+          </a:fontRef>
+        </p:style>
+        <p:txBody>
+          <a:bodyPr rtlCol="0" anchor="ctr"/>
+          <a:lstStyle/>
+          <a:p>
+            <a:pPr algn="ctr"/>
+            <a:endParaRPr lang="en-US"/>
+          </a:p>
+        </p:txBody>
+      </p:sp>
+      <p:sp useBgFill="1">
+        <p:nvSpPr>
+          <p:cNvPr id="10" name="Rectangle 9">
+            <a:extLst>
+              <a:ext uri="{FF2B5EF4-FFF2-40B4-BE49-F238E27FC236}">
+                <a16:creationId xmlns:a16="http://schemas.microsoft.com/office/drawing/2014/main" id="{C4285719-470E-454C-AF62-8323075F1F5B}"/>
+              </a:ext>
+              <a:ext uri="{C183D7F6-B498-43B3-948B-1728B52AA6E4}">
+                <adec:decorative xmlns:adec="http://schemas.microsoft.com/office/drawing/2017/decorative" val="1"/>
+              </a:ext>
+            </a:extLst>
+          </p:cNvPr>
+          <p:cNvSpPr>
+            <a:spLocks noGrp="1" noRot="1" noChangeAspect="1" noMove="1" noResize="1" noEditPoints="1" noAdjustHandles="1" noChangeArrowheads="1" noChangeShapeType="1" noTextEdit="1"/>
+          </p:cNvSpPr>
+          <p:nvPr>
+            <p:extLst>
+              <p:ext uri="{386F3935-93C4-4BCD-93E2-E3B085C9AB24}">
+                <p16:designElem xmlns:p16="http://schemas.microsoft.com/office/powerpoint/2015/main" val="1"/>
+              </p:ext>
+            </p:extLst>
+          </p:nvPr>
+        </p:nvSpPr>
+        <p:spPr>
+          <a:xfrm>
+            <a:off x="0" y="0"/>
+            <a:ext cx="12188952" cy="6858000"/>
+          </a:xfrm>
+          <a:prstGeom prst="rect">
+            <a:avLst/>
+          </a:prstGeom>
+          <a:ln w="12700" cap="flat" cmpd="sng" algn="ctr">
+            <a:noFill/>
+            <a:prstDash val="solid"/>
+            <a:miter lim="800000"/>
+          </a:ln>
+          <a:effectLst/>
+          <a:extLst>
+            <a:ext uri="{91240B29-F687-4F45-9708-019B960494DF}">
+              <a14:hiddenLine xmlns:a14="http://schemas.microsoft.com/office/drawing/2010/main" w="12700" cap="flat" cmpd="sng" algn="ctr">
+                <a:solidFill>
+                  <a:schemeClr val="accent1">
+                    <a:shade val="50000"/>
+                  </a:schemeClr>
+                </a:solidFill>
+                <a:prstDash val="solid"/>
+                <a:miter lim="800000"/>
+              </a14:hiddenLine>
+            </a:ext>
+          </a:extLst>
+        </p:spPr>
+        <p:style>
+          <a:lnRef idx="2">
+            <a:schemeClr val="accent1">
+              <a:shade val="50000"/>
+            </a:schemeClr>
+          </a:lnRef>
+          <a:fillRef idx="1">
+            <a:schemeClr val="accent1"/>
+          </a:fillRef>
+          <a:effectRef idx="0">
+            <a:schemeClr val="accent1"/>
+          </a:effectRef>
+          <a:fontRef idx="minor">
+            <a:schemeClr val="lt1"/>
+          </a:fontRef>
+        </p:style>
+        <p:txBody>
+          <a:bodyPr rtlCol="0" anchor="ctr"/>
+          <a:lstStyle/>
+          <a:p>
+            <a:pPr algn="ctr"/>
+            <a:endParaRPr lang="en-US"/>
+          </a:p>
+        </p:txBody>
+      </p:sp>
+      <p:sp>
+        <p:nvSpPr>
+          <p:cNvPr id="12" name="Rectangle 11">
+            <a:extLst>
+              <a:ext uri="{FF2B5EF4-FFF2-40B4-BE49-F238E27FC236}">
+                <a16:creationId xmlns:a16="http://schemas.microsoft.com/office/drawing/2014/main" id="{CD9FE4EF-C4D8-49A0-B2FF-81D8DB7D8A24}"/>
+              </a:ext>
+              <a:ext uri="{C183D7F6-B498-43B3-948B-1728B52AA6E4}">
+                <adec:decorative xmlns:adec="http://schemas.microsoft.com/office/drawing/2017/decorative" val="1"/>
+              </a:ext>
+            </a:extLst>
+          </p:cNvPr>
+          <p:cNvSpPr>
+            <a:spLocks noGrp="1" noRot="1" noChangeAspect="1" noMove="1" noResize="1" noEditPoints="1" noAdjustHandles="1" noChangeArrowheads="1" noChangeShapeType="1" noTextEdit="1"/>
+          </p:cNvSpPr>
+          <p:nvPr>
+            <p:extLst>
+              <p:ext uri="{386F3935-93C4-4BCD-93E2-E3B085C9AB24}">
+                <p16:designElem xmlns:p16="http://schemas.microsoft.com/office/powerpoint/2015/main" val="1"/>
+              </p:ext>
+            </p:extLst>
+          </p:nvPr>
+        </p:nvSpPr>
+        <p:spPr>
+          <a:xfrm rot="5400000" flipH="1">
+            <a:off x="-1410084" y="1410082"/>
+            <a:ext cx="6858000" cy="4037836"/>
+          </a:xfrm>
+          <a:prstGeom prst="rect">
+            <a:avLst/>
+          </a:prstGeom>
+          <a:gradFill>
+            <a:gsLst>
+              <a:gs pos="8000">
+                <a:srgbClr val="000000"/>
+              </a:gs>
+              <a:gs pos="100000">
+                <a:schemeClr val="accent1">
+                  <a:lumMod val="75000"/>
+                </a:schemeClr>
+              </a:gs>
+            </a:gsLst>
+            <a:lin ang="3000000" scaled="0"/>
+          </a:gradFill>
+          <a:ln>
+            <a:noFill/>
+          </a:ln>
+        </p:spPr>
+        <p:style>
+          <a:lnRef idx="2">
+            <a:schemeClr val="accent1">
+              <a:shade val="50000"/>
+            </a:schemeClr>
+          </a:lnRef>
+          <a:fillRef idx="1">
+            <a:schemeClr val="accent1"/>
+          </a:fillRef>
+          <a:effectRef idx="0">
+            <a:schemeClr val="accent1"/>
+          </a:effectRef>
+          <a:fontRef idx="minor">
+            <a:schemeClr val="lt1"/>
+          </a:fontRef>
+        </p:style>
+        <p:txBody>
+          <a:bodyPr rtlCol="0" anchor="ctr"/>
+          <a:lstStyle/>
+          <a:p>
+            <a:pPr algn="ctr"/>
+            <a:endParaRPr lang="en-US"/>
+          </a:p>
+        </p:txBody>
+      </p:sp>
+      <p:sp>
+        <p:nvSpPr>
+          <p:cNvPr id="14" name="Rectangle 13">
+            <a:extLst>
+              <a:ext uri="{FF2B5EF4-FFF2-40B4-BE49-F238E27FC236}">
+                <a16:creationId xmlns:a16="http://schemas.microsoft.com/office/drawing/2014/main" id="{4300840D-0A0B-4512-BACA-B439D5B9C57C}"/>
+              </a:ext>
+              <a:ext uri="{C183D7F6-B498-43B3-948B-1728B52AA6E4}">
+                <adec:decorative xmlns:adec="http://schemas.microsoft.com/office/drawing/2017/decorative" val="1"/>
+              </a:ext>
+            </a:extLst>
+          </p:cNvPr>
+          <p:cNvSpPr>
+            <a:spLocks noGrp="1" noRot="1" noChangeAspect="1" noMove="1" noResize="1" noEditPoints="1" noAdjustHandles="1" noChangeArrowheads="1" noChangeShapeType="1" noTextEdit="1"/>
+          </p:cNvSpPr>
+          <p:nvPr>
+            <p:extLst>
+              <p:ext uri="{386F3935-93C4-4BCD-93E2-E3B085C9AB24}">
+                <p16:designElem xmlns:p16="http://schemas.microsoft.com/office/powerpoint/2015/main" val="1"/>
+              </p:ext>
+            </p:extLst>
+          </p:nvPr>
+        </p:nvSpPr>
+        <p:spPr>
+          <a:xfrm rot="5400000" flipH="1">
+            <a:off x="-1410085" y="1420219"/>
+            <a:ext cx="6857999" cy="4037839"/>
+          </a:xfrm>
+          <a:prstGeom prst="rect">
+            <a:avLst/>
+          </a:prstGeom>
+          <a:gradFill>
+            <a:gsLst>
+              <a:gs pos="0">
+                <a:srgbClr val="000000">
+                  <a:alpha val="0"/>
+                </a:srgbClr>
+              </a:gs>
+              <a:gs pos="99000">
+                <a:schemeClr val="accent1">
+                  <a:alpha val="46000"/>
+                </a:schemeClr>
+              </a:gs>
+            </a:gsLst>
+            <a:lin ang="1800000" scaled="0"/>
+          </a:gradFill>
+          <a:ln>
+            <a:noFill/>
+          </a:ln>
+        </p:spPr>
+        <p:style>
+          <a:lnRef idx="2">
+            <a:schemeClr val="accent1">
+              <a:shade val="50000"/>
+            </a:schemeClr>
+          </a:lnRef>
+          <a:fillRef idx="1">
+            <a:schemeClr val="accent1"/>
+          </a:fillRef>
+          <a:effectRef idx="0">
+            <a:schemeClr val="accent1"/>
+          </a:effectRef>
+          <a:fontRef idx="minor">
+            <a:schemeClr val="lt1"/>
+          </a:fontRef>
+        </p:style>
+        <p:txBody>
+          <a:bodyPr rtlCol="0" anchor="ctr"/>
+          <a:lstStyle/>
+          <a:p>
+            <a:pPr algn="ctr"/>
+            <a:endParaRPr lang="en-US"/>
+          </a:p>
+        </p:txBody>
+      </p:sp>
+      <p:sp>
+        <p:nvSpPr>
+          <p:cNvPr id="16" name="Rectangle 15">
+            <a:extLst>
+              <a:ext uri="{FF2B5EF4-FFF2-40B4-BE49-F238E27FC236}">
+                <a16:creationId xmlns:a16="http://schemas.microsoft.com/office/drawing/2014/main" id="{D2B78728-A580-49A7-84F9-6EF6F583ADE0}"/>
+              </a:ext>
+              <a:ext uri="{C183D7F6-B498-43B3-948B-1728B52AA6E4}">
+                <adec:decorative xmlns:adec="http://schemas.microsoft.com/office/drawing/2017/decorative" val="1"/>
+              </a:ext>
+            </a:extLst>
+          </p:cNvPr>
+          <p:cNvSpPr>
+            <a:spLocks noGrp="1" noRot="1" noChangeAspect="1" noMove="1" noResize="1" noEditPoints="1" noAdjustHandles="1" noChangeArrowheads="1" noChangeShapeType="1" noTextEdit="1"/>
+          </p:cNvSpPr>
+          <p:nvPr>
+            <p:extLst>
+              <p:ext uri="{386F3935-93C4-4BCD-93E2-E3B085C9AB24}">
+                <p16:designElem xmlns:p16="http://schemas.microsoft.com/office/powerpoint/2015/main" val="1"/>
+              </p:ext>
+            </p:extLst>
+          </p:nvPr>
+        </p:nvSpPr>
+        <p:spPr>
+          <a:xfrm rot="5400000" flipH="1">
+            <a:off x="767923" y="3588085"/>
+            <a:ext cx="2501979" cy="4037841"/>
+          </a:xfrm>
+          <a:prstGeom prst="rect">
+            <a:avLst/>
+          </a:prstGeom>
+          <a:gradFill>
+            <a:gsLst>
+              <a:gs pos="2000">
+                <a:schemeClr val="accent1">
+                  <a:alpha val="29000"/>
+                </a:schemeClr>
+              </a:gs>
+              <a:gs pos="100000">
+                <a:srgbClr val="000000">
+                  <a:alpha val="30000"/>
+                </a:srgbClr>
+              </a:gs>
+            </a:gsLst>
+            <a:lin ang="7800000" scaled="0"/>
+          </a:gradFill>
+          <a:ln>
+            <a:noFill/>
+          </a:ln>
+        </p:spPr>
+        <p:style>
+          <a:lnRef idx="2">
+            <a:schemeClr val="accent1">
+              <a:shade val="50000"/>
+            </a:schemeClr>
+          </a:lnRef>
+          <a:fillRef idx="1">
+            <a:schemeClr val="accent1"/>
+          </a:fillRef>
+          <a:effectRef idx="0">
+            <a:schemeClr val="accent1"/>
+          </a:effectRef>
+          <a:fontRef idx="minor">
+            <a:schemeClr val="lt1"/>
+          </a:fontRef>
+        </p:style>
+        <p:txBody>
+          <a:bodyPr rtlCol="0" anchor="ctr"/>
+          <a:lstStyle/>
+          <a:p>
+            <a:pPr algn="ctr"/>
+            <a:endParaRPr lang="en-US" dirty="0"/>
+          </a:p>
+        </p:txBody>
+      </p:sp>
+      <p:sp>
+        <p:nvSpPr>
+          <p:cNvPr id="18" name="Freeform: Shape 17">
+            <a:extLst>
+              <a:ext uri="{FF2B5EF4-FFF2-40B4-BE49-F238E27FC236}">
+                <a16:creationId xmlns:a16="http://schemas.microsoft.com/office/drawing/2014/main" id="{38FAA1A1-D861-433F-88FA-1E9D6FD31D11}"/>
+              </a:ext>
+              <a:ext uri="{C183D7F6-B498-43B3-948B-1728B52AA6E4}">
+                <adec:decorative xmlns:adec="http://schemas.microsoft.com/office/drawing/2017/decorative" val="1"/>
+              </a:ext>
+            </a:extLst>
+          </p:cNvPr>
+          <p:cNvSpPr>
+            <a:spLocks noGrp="1" noRot="1" noChangeAspect="1" noMove="1" noResize="1" noEditPoints="1" noAdjustHandles="1" noChangeArrowheads="1" noChangeShapeType="1" noTextEdit="1"/>
+          </p:cNvSpPr>
+          <p:nvPr>
+            <p:extLst>
+              <p:ext uri="{386F3935-93C4-4BCD-93E2-E3B085C9AB24}">
+                <p16:designElem xmlns:p16="http://schemas.microsoft.com/office/powerpoint/2015/main" val="1"/>
+              </p:ext>
+            </p:extLst>
+          </p:nvPr>
+        </p:nvSpPr>
+        <p:spPr>
+          <a:xfrm rot="20635413">
+            <a:off x="-501737" y="969718"/>
+            <a:ext cx="3900357" cy="4178958"/>
+          </a:xfrm>
+          <a:custGeom>
+            <a:avLst/>
+            <a:gdLst>
+              <a:gd name="connsiteX0" fmla="*/ 2432225 w 3900357"/>
+              <a:gd name="connsiteY0" fmla="*/ 93939 h 4178958"/>
+              <a:gd name="connsiteX1" fmla="*/ 3900357 w 3900357"/>
+              <a:gd name="connsiteY1" fmla="*/ 2089479 h 4178958"/>
+              <a:gd name="connsiteX2" fmla="*/ 1810878 w 3900357"/>
+              <a:gd name="connsiteY2" fmla="*/ 4178958 h 4178958"/>
+              <a:gd name="connsiteX3" fmla="*/ 78249 w 3900357"/>
+              <a:gd name="connsiteY3" fmla="*/ 3257727 h 4178958"/>
+              <a:gd name="connsiteX4" fmla="*/ 0 w 3900357"/>
+              <a:gd name="connsiteY4" fmla="*/ 3128923 h 4178958"/>
+              <a:gd name="connsiteX5" fmla="*/ 831324 w 3900357"/>
+              <a:gd name="connsiteY5" fmla="*/ 244281 h 4178958"/>
+              <a:gd name="connsiteX6" fmla="*/ 997559 w 3900357"/>
+              <a:gd name="connsiteY6" fmla="*/ 164202 h 4178958"/>
+              <a:gd name="connsiteX7" fmla="*/ 1810878 w 3900357"/>
+              <a:gd name="connsiteY7" fmla="*/ 0 h 4178958"/>
+              <a:gd name="connsiteX8" fmla="*/ 2432225 w 3900357"/>
+              <a:gd name="connsiteY8" fmla="*/ 93939 h 4178958"/>
+            </a:gdLst>
+            <a:ahLst/>
+            <a:cxnLst>
+              <a:cxn ang="0">
+                <a:pos x="connsiteX0" y="connsiteY0"/>
+              </a:cxn>
+              <a:cxn ang="0">
+                <a:pos x="connsiteX1" y="connsiteY1"/>
+              </a:cxn>
+              <a:cxn ang="0">
+                <a:pos x="connsiteX2" y="connsiteY2"/>
+              </a:cxn>
+              <a:cxn ang="0">
+                <a:pos x="connsiteX3" y="connsiteY3"/>
+              </a:cxn>
+              <a:cxn ang="0">
+                <a:pos x="connsiteX4" y="connsiteY4"/>
+              </a:cxn>
+              <a:cxn ang="0">
+                <a:pos x="connsiteX5" y="connsiteY5"/>
+              </a:cxn>
+              <a:cxn ang="0">
+                <a:pos x="connsiteX6" y="connsiteY6"/>
+              </a:cxn>
+              <a:cxn ang="0">
+                <a:pos x="connsiteX7" y="connsiteY7"/>
+              </a:cxn>
+              <a:cxn ang="0">
+                <a:pos x="connsiteX8" y="connsiteY8"/>
+              </a:cxn>
+            </a:cxnLst>
+            <a:rect l="l" t="t" r="r" b="b"/>
+            <a:pathLst>
+              <a:path w="3900357" h="4178958">
+                <a:moveTo>
+                  <a:pt x="2432225" y="93939"/>
+                </a:moveTo>
+                <a:cubicBezTo>
+                  <a:pt x="3282786" y="358491"/>
+                  <a:pt x="3900357" y="1151865"/>
+                  <a:pt x="3900357" y="2089479"/>
+                </a:cubicBezTo>
+                <a:cubicBezTo>
+                  <a:pt x="3900357" y="3243466"/>
+                  <a:pt x="2964865" y="4178958"/>
+                  <a:pt x="1810878" y="4178958"/>
+                </a:cubicBezTo>
+                <a:cubicBezTo>
+                  <a:pt x="1089636" y="4178958"/>
+                  <a:pt x="453744" y="3813531"/>
+                  <a:pt x="78249" y="3257727"/>
+                </a:cubicBezTo>
+                <a:lnTo>
+                  <a:pt x="0" y="3128923"/>
+                </a:lnTo>
+                <a:lnTo>
+                  <a:pt x="831324" y="244281"/>
+                </a:lnTo>
+                <a:lnTo>
+                  <a:pt x="997559" y="164202"/>
+                </a:lnTo>
+                <a:cubicBezTo>
+                  <a:pt x="1247540" y="58468"/>
+                  <a:pt x="1522381" y="0"/>
+                  <a:pt x="1810878" y="0"/>
+                </a:cubicBezTo>
+                <a:cubicBezTo>
+                  <a:pt x="2027251" y="0"/>
+                  <a:pt x="2235942" y="32888"/>
+                  <a:pt x="2432225" y="93939"/>
+                </a:cubicBezTo>
+                <a:close/>
+              </a:path>
+            </a:pathLst>
+          </a:custGeom>
+          <a:gradFill>
+            <a:gsLst>
+              <a:gs pos="29000">
+                <a:srgbClr val="000000">
+                  <a:alpha val="0"/>
+                </a:srgbClr>
+              </a:gs>
+              <a:gs pos="100000">
+                <a:schemeClr val="accent1">
+                  <a:alpha val="43000"/>
+                </a:schemeClr>
+              </a:gs>
+            </a:gsLst>
+            <a:lin ang="1800000" scaled="0"/>
+          </a:gradFill>
+          <a:ln>
+            <a:noFill/>
+          </a:ln>
+        </p:spPr>
+        <p:style>
+          <a:lnRef idx="2">
+            <a:schemeClr val="accent1">
+              <a:shade val="50000"/>
+            </a:schemeClr>
+          </a:lnRef>
+          <a:fillRef idx="1">
+            <a:schemeClr val="accent1"/>
+          </a:fillRef>
+          <a:effectRef idx="0">
+            <a:schemeClr val="accent1"/>
+          </a:effectRef>
+          <a:fontRef idx="minor">
+            <a:schemeClr val="lt1"/>
+          </a:fontRef>
+        </p:style>
+        <p:txBody>
+          <a:bodyPr wrap="square" rtlCol="0" anchor="ctr">
+            <a:noAutofit/>
+          </a:bodyPr>
+          <a:lstStyle/>
+          <a:p>
+            <a:pPr algn="ctr"/>
+            <a:endParaRPr lang="en-US" dirty="0"/>
+          </a:p>
+        </p:txBody>
+      </p:sp>
+      <p:sp>
+        <p:nvSpPr>
+          <p:cNvPr id="20" name="Rectangle 19">
+            <a:extLst>
+              <a:ext uri="{FF2B5EF4-FFF2-40B4-BE49-F238E27FC236}">
+                <a16:creationId xmlns:a16="http://schemas.microsoft.com/office/drawing/2014/main" id="{8D71EDA1-87BF-4D5D-AB79-F346FD19278A}"/>
+              </a:ext>
+              <a:ext uri="{C183D7F6-B498-43B3-948B-1728B52AA6E4}">
+                <adec:decorative xmlns:adec="http://schemas.microsoft.com/office/drawing/2017/decorative" val="1"/>
+              </a:ext>
+            </a:extLst>
+          </p:cNvPr>
+          <p:cNvSpPr>
+            <a:spLocks noGrp="1" noRot="1" noChangeAspect="1" noMove="1" noResize="1" noEditPoints="1" noAdjustHandles="1" noChangeArrowheads="1" noChangeShapeType="1" noTextEdit="1"/>
+          </p:cNvSpPr>
+          <p:nvPr>
+            <p:extLst>
+              <p:ext uri="{386F3935-93C4-4BCD-93E2-E3B085C9AB24}">
+                <p16:designElem xmlns:p16="http://schemas.microsoft.com/office/powerpoint/2015/main" val="1"/>
+              </p:ext>
+            </p:extLst>
+          </p:nvPr>
+        </p:nvSpPr>
+        <p:spPr>
+          <a:xfrm rot="5400000" flipH="1">
+            <a:off x="-1410093" y="1399943"/>
+            <a:ext cx="6858003" cy="4037835"/>
+          </a:xfrm>
+          <a:prstGeom prst="rect">
+            <a:avLst/>
+          </a:prstGeom>
+          <a:gradFill>
+            <a:gsLst>
+              <a:gs pos="0">
+                <a:srgbClr val="000000">
+                  <a:alpha val="0"/>
+                </a:srgbClr>
+              </a:gs>
+              <a:gs pos="99000">
+                <a:schemeClr val="accent1">
+                  <a:lumMod val="60000"/>
+                  <a:lumOff val="40000"/>
+                  <a:alpha val="11000"/>
+                </a:schemeClr>
+              </a:gs>
+            </a:gsLst>
+            <a:lin ang="7200000" scaled="0"/>
+          </a:gradFill>
+          <a:ln>
+            <a:noFill/>
+          </a:ln>
+        </p:spPr>
+        <p:style>
+          <a:lnRef idx="2">
+            <a:schemeClr val="accent1">
+              <a:shade val="50000"/>
+            </a:schemeClr>
+          </a:lnRef>
+          <a:fillRef idx="1">
+            <a:schemeClr val="accent1"/>
+          </a:fillRef>
+          <a:effectRef idx="0">
+            <a:schemeClr val="accent1"/>
+          </a:effectRef>
+          <a:fontRef idx="minor">
+            <a:schemeClr val="lt1"/>
+          </a:fontRef>
+        </p:style>
+        <p:txBody>
+          <a:bodyPr rtlCol="0" anchor="ctr"/>
+          <a:lstStyle/>
+          <a:p>
+            <a:pPr algn="ctr"/>
+            <a:endParaRPr lang="en-US"/>
+          </a:p>
+        </p:txBody>
+      </p:sp>
+      <p:sp>
+        <p:nvSpPr>
+          <p:cNvPr id="2" name="Title 1">
+            <a:extLst>
+              <a:ext uri="{FF2B5EF4-FFF2-40B4-BE49-F238E27FC236}">
+                <a16:creationId xmlns:a16="http://schemas.microsoft.com/office/drawing/2014/main" id="{B501916C-D4E2-386A-B250-5CEAF46B5F6D}"/>
+              </a:ext>
+            </a:extLst>
+          </p:cNvPr>
+          <p:cNvSpPr>
+            <a:spLocks noGrp="1"/>
+          </p:cNvSpPr>
+          <p:nvPr>
+            <p:ph type="title"/>
+          </p:nvPr>
+        </p:nvSpPr>
+        <p:spPr>
+          <a:xfrm>
+            <a:off x="466722" y="586855"/>
+            <a:ext cx="3201366" cy="3387497"/>
+          </a:xfrm>
+        </p:spPr>
+        <p:txBody>
+          <a:bodyPr anchor="b">
+            <a:normAutofit/>
+          </a:bodyPr>
+          <a:lstStyle/>
+          <a:p>
+            <a:pPr algn="r" fontAlgn="b"/>
+            <a:r>
+              <a:rPr lang="en-GB" sz="4000" u="none" strike="noStrike" dirty="0">
+                <a:solidFill>
+                  <a:srgbClr val="FFFFFF"/>
+                </a:solidFill>
+                <a:effectLst/>
+              </a:rPr>
+              <a:t>Parameter sensitivity</a:t>
+            </a:r>
+            <a:br>
+              <a:rPr lang="en-GB" sz="4000" u="none" strike="noStrike" dirty="0">
+                <a:solidFill>
+                  <a:srgbClr val="FFFFFF"/>
+                </a:solidFill>
+                <a:effectLst/>
+              </a:rPr>
+            </a:br>
+            <a:endParaRPr lang="en-GB" sz="4000" u="none" strike="noStrike" dirty="0">
+              <a:solidFill>
+                <a:srgbClr val="FFFFFF"/>
+              </a:solidFill>
+              <a:effectLst/>
+            </a:endParaRPr>
+          </a:p>
+        </p:txBody>
+      </p:sp>
+      <p:sp>
+        <p:nvSpPr>
+          <p:cNvPr id="3" name="Content Placeholder 2">
+            <a:extLst>
+              <a:ext uri="{FF2B5EF4-FFF2-40B4-BE49-F238E27FC236}">
+                <a16:creationId xmlns:a16="http://schemas.microsoft.com/office/drawing/2014/main" id="{09C5E4A4-9126-BB3E-A065-D2362182A902}"/>
+              </a:ext>
+            </a:extLst>
+          </p:cNvPr>
+          <p:cNvSpPr>
+            <a:spLocks noGrp="1"/>
+          </p:cNvSpPr>
+          <p:nvPr>
+            <p:ph idx="1"/>
+          </p:nvPr>
+        </p:nvSpPr>
+        <p:spPr>
+          <a:xfrm>
+            <a:off x="4810259" y="649480"/>
+            <a:ext cx="6555347" cy="5546047"/>
+          </a:xfrm>
+        </p:spPr>
+        <p:txBody>
+          <a:bodyPr numCol="2" anchor="ctr">
+            <a:normAutofit/>
+          </a:bodyPr>
+          <a:lstStyle/>
+          <a:p>
+            <a:pPr lvl="1"/>
+            <a:endParaRPr lang="en-GB" sz="2000" dirty="0"/>
+          </a:p>
+          <a:p>
+            <a:pPr lvl="1"/>
+            <a:endParaRPr lang="en-GB" sz="2000" dirty="0"/>
+          </a:p>
+          <a:p>
+            <a:pPr lvl="1"/>
+            <a:endParaRPr lang="en-GB" sz="2000" dirty="0"/>
+          </a:p>
+          <a:p>
+            <a:pPr lvl="1"/>
+            <a:endParaRPr lang="en-NL" sz="2000" dirty="0"/>
+          </a:p>
+        </p:txBody>
+      </p:sp>
+      <p:pic>
+        <p:nvPicPr>
+          <p:cNvPr id="5" name="Picture 4" descr="A graph of different colored lines&#10;&#10;Description automatically generated">
+            <a:extLst>
+              <a:ext uri="{FF2B5EF4-FFF2-40B4-BE49-F238E27FC236}">
+                <a16:creationId xmlns:a16="http://schemas.microsoft.com/office/drawing/2014/main" id="{70F6CC1E-990B-A0B3-A750-B2852D127F03}"/>
+              </a:ext>
+            </a:extLst>
+          </p:cNvPr>
+          <p:cNvPicPr>
+            <a:picLocks noChangeAspect="1"/>
+          </p:cNvPicPr>
+          <p:nvPr/>
+        </p:nvPicPr>
+        <p:blipFill>
+          <a:blip r:embed="rId3">
+            <a:extLst>
+              <a:ext uri="{28A0092B-C50C-407E-A947-70E740481C1C}">
+                <a14:useLocalDpi xmlns:a14="http://schemas.microsoft.com/office/drawing/2010/main" val="0"/>
+              </a:ext>
+            </a:extLst>
+          </a:blip>
+          <a:stretch>
+            <a:fillRect/>
+          </a:stretch>
+        </p:blipFill>
+        <p:spPr>
+          <a:xfrm>
+            <a:off x="5791949" y="1996965"/>
+            <a:ext cx="5092120" cy="3019866"/>
+          </a:xfrm>
+          <a:prstGeom prst="rect">
+            <a:avLst/>
+          </a:prstGeom>
+        </p:spPr>
+      </p:pic>
+      <p:sp>
+        <p:nvSpPr>
+          <p:cNvPr id="4" name="Content Placeholder 2">
+            <a:extLst>
+              <a:ext uri="{FF2B5EF4-FFF2-40B4-BE49-F238E27FC236}">
+                <a16:creationId xmlns:a16="http://schemas.microsoft.com/office/drawing/2014/main" id="{1339917E-3729-BDFE-08AB-E5A68582302D}"/>
+              </a:ext>
+            </a:extLst>
+          </p:cNvPr>
+          <p:cNvSpPr txBox="1">
+            <a:spLocks/>
+          </p:cNvSpPr>
+          <p:nvPr/>
+        </p:nvSpPr>
+        <p:spPr>
+          <a:xfrm>
+            <a:off x="4698858" y="586855"/>
+            <a:ext cx="6555347" cy="764636"/>
+          </a:xfrm>
+          <a:prstGeom prst="rect">
+            <a:avLst/>
+          </a:prstGeom>
+        </p:spPr>
+        <p:txBody>
+          <a:bodyPr vert="horz" lIns="91440" tIns="45720" rIns="91440" bIns="45720" numCol="1" rtlCol="0" anchor="ctr">
+            <a:normAutofit fontScale="77500" lnSpcReduction="20000"/>
+          </a:bodyPr>
+          <a:lstStyle>
+            <a:lvl1pPr marL="228600" indent="-228600" algn="l" defTabSz="914400" rtl="0" eaLnBrk="1" latinLnBrk="0" hangingPunct="1">
+              <a:lnSpc>
+                <a:spcPct val="90000"/>
+              </a:lnSpc>
+              <a:spcBef>
+                <a:spcPts val="1000"/>
+              </a:spcBef>
+              <a:buFont typeface="Arial" panose="020B0604020202020204" pitchFamily="34" charset="0"/>
+              <a:buChar char="•"/>
+              <a:defRPr sz="2800" kern="1200">
+                <a:solidFill>
+                  <a:schemeClr val="tx1"/>
+                </a:solidFill>
+                <a:latin typeface="+mn-lt"/>
+                <a:ea typeface="+mn-ea"/>
+                <a:cs typeface="+mn-cs"/>
+              </a:defRPr>
+            </a:lvl1pPr>
+            <a:lvl2pPr marL="685800" indent="-228600" algn="l" defTabSz="914400" rtl="0" eaLnBrk="1" latinLnBrk="0" hangingPunct="1">
+              <a:lnSpc>
+                <a:spcPct val="90000"/>
+              </a:lnSpc>
+              <a:spcBef>
+                <a:spcPts val="500"/>
+              </a:spcBef>
+              <a:buFont typeface="Arial" panose="020B0604020202020204" pitchFamily="34" charset="0"/>
+              <a:buChar char="•"/>
+              <a:defRPr sz="2400" kern="1200">
+                <a:solidFill>
+                  <a:schemeClr val="tx1"/>
+                </a:solidFill>
+                <a:latin typeface="+mn-lt"/>
+                <a:ea typeface="+mn-ea"/>
+                <a:cs typeface="+mn-cs"/>
+              </a:defRPr>
+            </a:lvl2pPr>
+            <a:lvl3pPr marL="1143000" indent="-228600" algn="l" defTabSz="914400" rtl="0" eaLnBrk="1" latinLnBrk="0" hangingPunct="1">
+              <a:lnSpc>
+                <a:spcPct val="90000"/>
+              </a:lnSpc>
+              <a:spcBef>
+                <a:spcPts val="500"/>
+              </a:spcBef>
+              <a:buFont typeface="Arial" panose="020B0604020202020204" pitchFamily="34" charset="0"/>
+              <a:buChar char="•"/>
+              <a:defRPr sz="2000" kern="1200">
+                <a:solidFill>
+                  <a:schemeClr val="tx1"/>
+                </a:solidFill>
+                <a:latin typeface="+mn-lt"/>
+                <a:ea typeface="+mn-ea"/>
+                <a:cs typeface="+mn-cs"/>
+              </a:defRPr>
+            </a:lvl3pPr>
+            <a:lvl4pPr marL="1600200" indent="-228600" algn="l" defTabSz="914400" rtl="0" eaLnBrk="1" latinLnBrk="0" hangingPunct="1">
+              <a:lnSpc>
+                <a:spcPct val="90000"/>
+              </a:lnSpc>
+              <a:spcBef>
+                <a:spcPts val="500"/>
+              </a:spcBef>
+              <a:buFont typeface="Arial" panose="020B0604020202020204" pitchFamily="34" charset="0"/>
+              <a:buChar char="•"/>
+              <a:defRPr sz="1800" kern="1200">
+                <a:solidFill>
+                  <a:schemeClr val="tx1"/>
+                </a:solidFill>
+                <a:latin typeface="+mn-lt"/>
+                <a:ea typeface="+mn-ea"/>
+                <a:cs typeface="+mn-cs"/>
+              </a:defRPr>
+            </a:lvl4pPr>
+            <a:lvl5pPr marL="2057400" indent="-228600" algn="l" defTabSz="914400" rtl="0" eaLnBrk="1" latinLnBrk="0" hangingPunct="1">
+              <a:lnSpc>
+                <a:spcPct val="90000"/>
+              </a:lnSpc>
+              <a:spcBef>
+                <a:spcPts val="500"/>
+              </a:spcBef>
+              <a:buFont typeface="Arial" panose="020B0604020202020204" pitchFamily="34" charset="0"/>
+              <a:buChar char="•"/>
+              <a:defRPr sz="1800" kern="1200">
+                <a:solidFill>
+                  <a:schemeClr val="tx1"/>
+                </a:solidFill>
+                <a:latin typeface="+mn-lt"/>
+                <a:ea typeface="+mn-ea"/>
+                <a:cs typeface="+mn-cs"/>
+              </a:defRPr>
+            </a:lvl5pPr>
+            <a:lvl6pPr marL="2514600" indent="-228600" algn="l" defTabSz="914400" rtl="0" eaLnBrk="1" latinLnBrk="0" hangingPunct="1">
+              <a:lnSpc>
+                <a:spcPct val="90000"/>
+              </a:lnSpc>
+              <a:spcBef>
+                <a:spcPts val="500"/>
+              </a:spcBef>
+              <a:buFont typeface="Arial" panose="020B0604020202020204" pitchFamily="34" charset="0"/>
+              <a:buChar char="•"/>
+              <a:defRPr sz="1800" kern="1200">
+                <a:solidFill>
+                  <a:schemeClr val="tx1"/>
+                </a:solidFill>
+                <a:latin typeface="+mn-lt"/>
+                <a:ea typeface="+mn-ea"/>
+                <a:cs typeface="+mn-cs"/>
+              </a:defRPr>
+            </a:lvl6pPr>
+            <a:lvl7pPr marL="2971800" indent="-228600" algn="l" defTabSz="914400" rtl="0" eaLnBrk="1" latinLnBrk="0" hangingPunct="1">
+              <a:lnSpc>
+                <a:spcPct val="90000"/>
+              </a:lnSpc>
+              <a:spcBef>
+                <a:spcPts val="500"/>
+              </a:spcBef>
+              <a:buFont typeface="Arial" panose="020B0604020202020204" pitchFamily="34" charset="0"/>
+              <a:buChar char="•"/>
+              <a:defRPr sz="1800" kern="1200">
+                <a:solidFill>
+                  <a:schemeClr val="tx1"/>
+                </a:solidFill>
+                <a:latin typeface="+mn-lt"/>
+                <a:ea typeface="+mn-ea"/>
+                <a:cs typeface="+mn-cs"/>
+              </a:defRPr>
+            </a:lvl7pPr>
+            <a:lvl8pPr marL="3429000" indent="-228600" algn="l" defTabSz="914400" rtl="0" eaLnBrk="1" latinLnBrk="0" hangingPunct="1">
+              <a:lnSpc>
+                <a:spcPct val="90000"/>
+              </a:lnSpc>
+              <a:spcBef>
+                <a:spcPts val="500"/>
+              </a:spcBef>
+              <a:buFont typeface="Arial" panose="020B0604020202020204" pitchFamily="34" charset="0"/>
+              <a:buChar char="•"/>
+              <a:defRPr sz="1800" kern="1200">
+                <a:solidFill>
+                  <a:schemeClr val="tx1"/>
+                </a:solidFill>
+                <a:latin typeface="+mn-lt"/>
+                <a:ea typeface="+mn-ea"/>
+                <a:cs typeface="+mn-cs"/>
+              </a:defRPr>
+            </a:lvl8pPr>
+            <a:lvl9pPr marL="3886200" indent="-228600" algn="l" defTabSz="914400" rtl="0" eaLnBrk="1" latinLnBrk="0" hangingPunct="1">
+              <a:lnSpc>
+                <a:spcPct val="90000"/>
+              </a:lnSpc>
+              <a:spcBef>
+                <a:spcPts val="500"/>
+              </a:spcBef>
+              <a:buFont typeface="Arial" panose="020B0604020202020204" pitchFamily="34" charset="0"/>
+              <a:buChar char="•"/>
+              <a:defRPr sz="1800" kern="1200">
+                <a:solidFill>
+                  <a:schemeClr val="tx1"/>
+                </a:solidFill>
+                <a:latin typeface="+mn-lt"/>
+                <a:ea typeface="+mn-ea"/>
+                <a:cs typeface="+mn-cs"/>
+              </a:defRPr>
+            </a:lvl9pPr>
+          </a:lstStyle>
+          <a:p>
+            <a:pPr marL="457200" lvl="1" indent="0">
+              <a:buFont typeface="Arial" panose="020B0604020202020204" pitchFamily="34" charset="0"/>
+              <a:buNone/>
+            </a:pPr>
+            <a:endParaRPr lang="en-GB" sz="3600" dirty="0">
+              <a:solidFill>
+                <a:schemeClr val="bg2">
+                  <a:lumMod val="50000"/>
+                </a:schemeClr>
+              </a:solidFill>
+            </a:endParaRPr>
+          </a:p>
+          <a:p>
+            <a:pPr marL="457200" lvl="1" indent="0" algn="ctr">
+              <a:buFont typeface="Arial" panose="020B0604020202020204" pitchFamily="34" charset="0"/>
+              <a:buNone/>
+            </a:pPr>
+            <a:r>
+              <a:rPr lang="en-GB" sz="3600" dirty="0" err="1">
+                <a:solidFill>
+                  <a:schemeClr val="bg2">
+                    <a:lumMod val="50000"/>
+                  </a:schemeClr>
+                </a:solidFill>
+              </a:rPr>
+              <a:t>Dispersivity</a:t>
+            </a:r>
+            <a:endParaRPr lang="en-GB" sz="3600" dirty="0">
+              <a:solidFill>
+                <a:schemeClr val="bg2">
+                  <a:lumMod val="50000"/>
+                </a:schemeClr>
+              </a:solidFill>
+            </a:endParaRPr>
+          </a:p>
+          <a:p>
+            <a:pPr lvl="1"/>
+            <a:endParaRPr lang="en-GB" sz="2000" dirty="0">
+              <a:solidFill>
+                <a:schemeClr val="bg2">
+                  <a:lumMod val="50000"/>
+                </a:schemeClr>
+              </a:solidFill>
+            </a:endParaRPr>
+          </a:p>
+          <a:p>
+            <a:pPr lvl="1"/>
+            <a:endParaRPr lang="en-NL" sz="2000" dirty="0">
+              <a:solidFill>
+                <a:schemeClr val="bg2">
+                  <a:lumMod val="50000"/>
+                </a:schemeClr>
+              </a:solidFill>
+            </a:endParaRPr>
+          </a:p>
+        </p:txBody>
+      </p:sp>
+    </p:spTree>
+    <p:extLst>
+      <p:ext uri="{BB962C8B-B14F-4D97-AF65-F5344CB8AC3E}">
+        <p14:creationId xmlns:p14="http://schemas.microsoft.com/office/powerpoint/2010/main" val="758663808"/>
+      </p:ext>
+    </p:extLst>
+  </p:cSld>
+  <p:clrMapOvr>
+    <a:masterClrMapping/>
+  </p:clrMapOvr>
+  <mc:AlternateContent xmlns:mc="http://schemas.openxmlformats.org/markup-compatibility/2006">
+    <mc:Choice xmlns:p159="http://schemas.microsoft.com/office/powerpoint/2015/09/main" Requires="p159">
+      <p:transition xmlns:p14="http://schemas.microsoft.com/office/powerpoint/2010/main" spd="slow" p14:dur="2000">
+        <p159:morph option="byObject"/>
+      </p:transition>
+    </mc:Choice>
+    <mc:Fallback>
+      <p:transition spd="slow">
+        <p:fade/>
+      </p:transition>
+    </mc:Fallback>
+  </mc:AlternateContent>
+</p:sld>
+</file>
+
+<file path=ppt/slides/slide18.xml><?xml version="1.0" encoding="utf-8"?>
+<p:sld xmlns:a="http://schemas.openxmlformats.org/drawingml/2006/main" xmlns:r="http://schemas.openxmlformats.org/officeDocument/2006/relationships" xmlns:p="http://schemas.openxmlformats.org/presentationml/2006/main">
+  <p:cSld>
+    <p:bg>
+      <p:bgPr>
+        <a:solidFill>
+          <a:schemeClr val="bg1"/>
+        </a:solidFill>
+        <a:effectLst/>
+      </p:bgPr>
+    </p:bg>
+    <p:spTree>
+      <p:nvGrpSpPr>
+        <p:cNvPr id="1" name=""/>
+        <p:cNvGrpSpPr/>
+        <p:nvPr/>
+      </p:nvGrpSpPr>
+      <p:grpSpPr>
+        <a:xfrm>
+          <a:off x="0" y="0"/>
+          <a:ext cx="0" cy="0"/>
+          <a:chOff x="0" y="0"/>
+          <a:chExt cx="0" cy="0"/>
+        </a:xfrm>
+      </p:grpSpPr>
+      <p:sp useBgFill="1">
+        <p:nvSpPr>
+          <p:cNvPr id="8" name="Rectangle 7">
+            <a:extLst>
+              <a:ext uri="{FF2B5EF4-FFF2-40B4-BE49-F238E27FC236}">
+                <a16:creationId xmlns:a16="http://schemas.microsoft.com/office/drawing/2014/main" id="{09588DA8-065E-4F6F-8EFD-43104AB2E0CF}"/>
+              </a:ext>
+              <a:ext uri="{C183D7F6-B498-43B3-948B-1728B52AA6E4}">
+                <adec:decorative xmlns:adec="http://schemas.microsoft.com/office/drawing/2017/decorative" val="1"/>
+              </a:ext>
+            </a:extLst>
+          </p:cNvPr>
+          <p:cNvSpPr>
+            <a:spLocks noGrp="1" noRot="1" noChangeAspect="1" noMove="1" noResize="1" noEditPoints="1" noAdjustHandles="1" noChangeArrowheads="1" noChangeShapeType="1" noTextEdit="1"/>
+          </p:cNvSpPr>
+          <p:nvPr>
+            <p:extLst>
+              <p:ext uri="{386F3935-93C4-4BCD-93E2-E3B085C9AB24}">
+                <p16:designElem xmlns:p16="http://schemas.microsoft.com/office/powerpoint/2015/main" val="1"/>
+              </p:ext>
+            </p:extLst>
+          </p:nvPr>
+        </p:nvSpPr>
+        <p:spPr>
+          <a:xfrm>
+            <a:off x="0" y="0"/>
+            <a:ext cx="12192000" cy="6858000"/>
+          </a:xfrm>
+          <a:prstGeom prst="rect">
+            <a:avLst/>
+          </a:prstGeom>
+          <a:ln w="12700" cap="flat" cmpd="sng" algn="ctr">
+            <a:noFill/>
+            <a:prstDash val="solid"/>
+            <a:miter lim="800000"/>
+          </a:ln>
+          <a:effectLst/>
+          <a:extLst>
+            <a:ext uri="{91240B29-F687-4F45-9708-019B960494DF}">
+              <a14:hiddenLine xmlns:a14="http://schemas.microsoft.com/office/drawing/2010/main" w="12700" cap="flat" cmpd="sng" algn="ctr">
+                <a:solidFill>
+                  <a:schemeClr val="accent1">
+                    <a:shade val="50000"/>
+                  </a:schemeClr>
+                </a:solidFill>
+                <a:prstDash val="solid"/>
+                <a:miter lim="800000"/>
+              </a14:hiddenLine>
+            </a:ext>
+          </a:extLst>
+        </p:spPr>
+        <p:style>
+          <a:lnRef idx="2">
+            <a:schemeClr val="accent1">
+              <a:shade val="50000"/>
+            </a:schemeClr>
+          </a:lnRef>
+          <a:fillRef idx="1">
+            <a:schemeClr val="accent1"/>
+          </a:fillRef>
+          <a:effectRef idx="0">
+            <a:schemeClr val="accent1"/>
+          </a:effectRef>
+          <a:fontRef idx="minor">
+            <a:schemeClr val="lt1"/>
+          </a:fontRef>
+        </p:style>
+        <p:txBody>
+          <a:bodyPr rtlCol="0" anchor="ctr"/>
+          <a:lstStyle/>
+          <a:p>
+            <a:pPr algn="ctr"/>
+            <a:endParaRPr lang="en-US"/>
+          </a:p>
+        </p:txBody>
+      </p:sp>
+      <p:sp useBgFill="1">
+        <p:nvSpPr>
+          <p:cNvPr id="10" name="Rectangle 9">
+            <a:extLst>
+              <a:ext uri="{FF2B5EF4-FFF2-40B4-BE49-F238E27FC236}">
+                <a16:creationId xmlns:a16="http://schemas.microsoft.com/office/drawing/2014/main" id="{C4285719-470E-454C-AF62-8323075F1F5B}"/>
+              </a:ext>
+              <a:ext uri="{C183D7F6-B498-43B3-948B-1728B52AA6E4}">
+                <adec:decorative xmlns:adec="http://schemas.microsoft.com/office/drawing/2017/decorative" val="1"/>
+              </a:ext>
+            </a:extLst>
+          </p:cNvPr>
+          <p:cNvSpPr>
+            <a:spLocks noGrp="1" noRot="1" noChangeAspect="1" noMove="1" noResize="1" noEditPoints="1" noAdjustHandles="1" noChangeArrowheads="1" noChangeShapeType="1" noTextEdit="1"/>
+          </p:cNvSpPr>
+          <p:nvPr>
+            <p:extLst>
+              <p:ext uri="{386F3935-93C4-4BCD-93E2-E3B085C9AB24}">
+                <p16:designElem xmlns:p16="http://schemas.microsoft.com/office/powerpoint/2015/main" val="1"/>
+              </p:ext>
+            </p:extLst>
+          </p:nvPr>
+        </p:nvSpPr>
+        <p:spPr>
+          <a:xfrm>
+            <a:off x="0" y="0"/>
+            <a:ext cx="12188952" cy="6858000"/>
+          </a:xfrm>
+          <a:prstGeom prst="rect">
+            <a:avLst/>
+          </a:prstGeom>
+          <a:ln w="12700" cap="flat" cmpd="sng" algn="ctr">
+            <a:noFill/>
+            <a:prstDash val="solid"/>
+            <a:miter lim="800000"/>
+          </a:ln>
+          <a:effectLst/>
+          <a:extLst>
+            <a:ext uri="{91240B29-F687-4F45-9708-019B960494DF}">
+              <a14:hiddenLine xmlns:a14="http://schemas.microsoft.com/office/drawing/2010/main" w="12700" cap="flat" cmpd="sng" algn="ctr">
+                <a:solidFill>
+                  <a:schemeClr val="accent1">
+                    <a:shade val="50000"/>
+                  </a:schemeClr>
+                </a:solidFill>
+                <a:prstDash val="solid"/>
+                <a:miter lim="800000"/>
+              </a14:hiddenLine>
+            </a:ext>
+          </a:extLst>
+        </p:spPr>
+        <p:style>
+          <a:lnRef idx="2">
+            <a:schemeClr val="accent1">
+              <a:shade val="50000"/>
+            </a:schemeClr>
+          </a:lnRef>
+          <a:fillRef idx="1">
+            <a:schemeClr val="accent1"/>
+          </a:fillRef>
+          <a:effectRef idx="0">
+            <a:schemeClr val="accent1"/>
+          </a:effectRef>
+          <a:fontRef idx="minor">
+            <a:schemeClr val="lt1"/>
+          </a:fontRef>
+        </p:style>
+        <p:txBody>
+          <a:bodyPr rtlCol="0" anchor="ctr"/>
+          <a:lstStyle/>
+          <a:p>
+            <a:pPr algn="ctr"/>
+            <a:endParaRPr lang="en-US"/>
+          </a:p>
+        </p:txBody>
+      </p:sp>
+      <p:sp>
+        <p:nvSpPr>
+          <p:cNvPr id="12" name="Rectangle 11">
+            <a:extLst>
+              <a:ext uri="{FF2B5EF4-FFF2-40B4-BE49-F238E27FC236}">
+                <a16:creationId xmlns:a16="http://schemas.microsoft.com/office/drawing/2014/main" id="{CD9FE4EF-C4D8-49A0-B2FF-81D8DB7D8A24}"/>
+              </a:ext>
+              <a:ext uri="{C183D7F6-B498-43B3-948B-1728B52AA6E4}">
+                <adec:decorative xmlns:adec="http://schemas.microsoft.com/office/drawing/2017/decorative" val="1"/>
+              </a:ext>
+            </a:extLst>
+          </p:cNvPr>
+          <p:cNvSpPr>
+            <a:spLocks noGrp="1" noRot="1" noChangeAspect="1" noMove="1" noResize="1" noEditPoints="1" noAdjustHandles="1" noChangeArrowheads="1" noChangeShapeType="1" noTextEdit="1"/>
+          </p:cNvSpPr>
+          <p:nvPr>
+            <p:extLst>
+              <p:ext uri="{386F3935-93C4-4BCD-93E2-E3B085C9AB24}">
+                <p16:designElem xmlns:p16="http://schemas.microsoft.com/office/powerpoint/2015/main" val="1"/>
+              </p:ext>
+            </p:extLst>
+          </p:nvPr>
+        </p:nvSpPr>
+        <p:spPr>
+          <a:xfrm rot="5400000" flipH="1">
+            <a:off x="-1410084" y="1410082"/>
+            <a:ext cx="6858000" cy="4037836"/>
+          </a:xfrm>
+          <a:prstGeom prst="rect">
+            <a:avLst/>
+          </a:prstGeom>
+          <a:gradFill>
+            <a:gsLst>
+              <a:gs pos="8000">
+                <a:srgbClr val="000000"/>
+              </a:gs>
+              <a:gs pos="100000">
+                <a:schemeClr val="accent1">
+                  <a:lumMod val="75000"/>
+                </a:schemeClr>
+              </a:gs>
+            </a:gsLst>
+            <a:lin ang="3000000" scaled="0"/>
+          </a:gradFill>
+          <a:ln>
+            <a:noFill/>
+          </a:ln>
+        </p:spPr>
+        <p:style>
+          <a:lnRef idx="2">
+            <a:schemeClr val="accent1">
+              <a:shade val="50000"/>
+            </a:schemeClr>
+          </a:lnRef>
+          <a:fillRef idx="1">
+            <a:schemeClr val="accent1"/>
+          </a:fillRef>
+          <a:effectRef idx="0">
+            <a:schemeClr val="accent1"/>
+          </a:effectRef>
+          <a:fontRef idx="minor">
+            <a:schemeClr val="lt1"/>
+          </a:fontRef>
+        </p:style>
+        <p:txBody>
+          <a:bodyPr rtlCol="0" anchor="ctr"/>
+          <a:lstStyle/>
+          <a:p>
+            <a:pPr algn="ctr"/>
+            <a:endParaRPr lang="en-US"/>
+          </a:p>
+        </p:txBody>
+      </p:sp>
+      <p:sp>
+        <p:nvSpPr>
+          <p:cNvPr id="14" name="Rectangle 13">
+            <a:extLst>
+              <a:ext uri="{FF2B5EF4-FFF2-40B4-BE49-F238E27FC236}">
+                <a16:creationId xmlns:a16="http://schemas.microsoft.com/office/drawing/2014/main" id="{4300840D-0A0B-4512-BACA-B439D5B9C57C}"/>
+              </a:ext>
+              <a:ext uri="{C183D7F6-B498-43B3-948B-1728B52AA6E4}">
+                <adec:decorative xmlns:adec="http://schemas.microsoft.com/office/drawing/2017/decorative" val="1"/>
+              </a:ext>
+            </a:extLst>
+          </p:cNvPr>
+          <p:cNvSpPr>
+            <a:spLocks noGrp="1" noRot="1" noChangeAspect="1" noMove="1" noResize="1" noEditPoints="1" noAdjustHandles="1" noChangeArrowheads="1" noChangeShapeType="1" noTextEdit="1"/>
+          </p:cNvSpPr>
+          <p:nvPr>
+            <p:extLst>
+              <p:ext uri="{386F3935-93C4-4BCD-93E2-E3B085C9AB24}">
+                <p16:designElem xmlns:p16="http://schemas.microsoft.com/office/powerpoint/2015/main" val="1"/>
+              </p:ext>
+            </p:extLst>
+          </p:nvPr>
+        </p:nvSpPr>
+        <p:spPr>
+          <a:xfrm rot="5400000" flipH="1">
+            <a:off x="-1410085" y="1420219"/>
+            <a:ext cx="6857999" cy="4037839"/>
+          </a:xfrm>
+          <a:prstGeom prst="rect">
+            <a:avLst/>
+          </a:prstGeom>
+          <a:gradFill>
+            <a:gsLst>
+              <a:gs pos="0">
+                <a:srgbClr val="000000">
+                  <a:alpha val="0"/>
+                </a:srgbClr>
+              </a:gs>
+              <a:gs pos="99000">
+                <a:schemeClr val="accent1">
+                  <a:alpha val="46000"/>
+                </a:schemeClr>
+              </a:gs>
+            </a:gsLst>
+            <a:lin ang="1800000" scaled="0"/>
+          </a:gradFill>
+          <a:ln>
+            <a:noFill/>
+          </a:ln>
+        </p:spPr>
+        <p:style>
+          <a:lnRef idx="2">
+            <a:schemeClr val="accent1">
+              <a:shade val="50000"/>
+            </a:schemeClr>
+          </a:lnRef>
+          <a:fillRef idx="1">
+            <a:schemeClr val="accent1"/>
+          </a:fillRef>
+          <a:effectRef idx="0">
+            <a:schemeClr val="accent1"/>
+          </a:effectRef>
+          <a:fontRef idx="minor">
+            <a:schemeClr val="lt1"/>
+          </a:fontRef>
+        </p:style>
+        <p:txBody>
+          <a:bodyPr rtlCol="0" anchor="ctr"/>
+          <a:lstStyle/>
+          <a:p>
+            <a:pPr algn="ctr"/>
+            <a:endParaRPr lang="en-US"/>
+          </a:p>
+        </p:txBody>
+      </p:sp>
+      <p:sp>
+        <p:nvSpPr>
+          <p:cNvPr id="16" name="Rectangle 15">
+            <a:extLst>
+              <a:ext uri="{FF2B5EF4-FFF2-40B4-BE49-F238E27FC236}">
+                <a16:creationId xmlns:a16="http://schemas.microsoft.com/office/drawing/2014/main" id="{D2B78728-A580-49A7-84F9-6EF6F583ADE0}"/>
+              </a:ext>
+              <a:ext uri="{C183D7F6-B498-43B3-948B-1728B52AA6E4}">
+                <adec:decorative xmlns:adec="http://schemas.microsoft.com/office/drawing/2017/decorative" val="1"/>
+              </a:ext>
+            </a:extLst>
+          </p:cNvPr>
+          <p:cNvSpPr>
+            <a:spLocks noGrp="1" noRot="1" noChangeAspect="1" noMove="1" noResize="1" noEditPoints="1" noAdjustHandles="1" noChangeArrowheads="1" noChangeShapeType="1" noTextEdit="1"/>
+          </p:cNvSpPr>
+          <p:nvPr>
+            <p:extLst>
+              <p:ext uri="{386F3935-93C4-4BCD-93E2-E3B085C9AB24}">
+                <p16:designElem xmlns:p16="http://schemas.microsoft.com/office/powerpoint/2015/main" val="1"/>
+              </p:ext>
+            </p:extLst>
+          </p:nvPr>
+        </p:nvSpPr>
+        <p:spPr>
+          <a:xfrm rot="5400000" flipH="1">
+            <a:off x="767923" y="3588085"/>
+            <a:ext cx="2501979" cy="4037841"/>
+          </a:xfrm>
+          <a:prstGeom prst="rect">
+            <a:avLst/>
+          </a:prstGeom>
+          <a:gradFill>
+            <a:gsLst>
+              <a:gs pos="2000">
+                <a:schemeClr val="accent1">
+                  <a:alpha val="29000"/>
+                </a:schemeClr>
+              </a:gs>
+              <a:gs pos="100000">
+                <a:srgbClr val="000000">
+                  <a:alpha val="30000"/>
+                </a:srgbClr>
+              </a:gs>
+            </a:gsLst>
+            <a:lin ang="7800000" scaled="0"/>
+          </a:gradFill>
+          <a:ln>
+            <a:noFill/>
+          </a:ln>
+        </p:spPr>
+        <p:style>
+          <a:lnRef idx="2">
+            <a:schemeClr val="accent1">
+              <a:shade val="50000"/>
+            </a:schemeClr>
+          </a:lnRef>
+          <a:fillRef idx="1">
+            <a:schemeClr val="accent1"/>
+          </a:fillRef>
+          <a:effectRef idx="0">
+            <a:schemeClr val="accent1"/>
+          </a:effectRef>
+          <a:fontRef idx="minor">
+            <a:schemeClr val="lt1"/>
+          </a:fontRef>
+        </p:style>
+        <p:txBody>
+          <a:bodyPr rtlCol="0" anchor="ctr"/>
+          <a:lstStyle/>
+          <a:p>
+            <a:pPr algn="ctr"/>
+            <a:endParaRPr lang="en-US" dirty="0"/>
+          </a:p>
+        </p:txBody>
+      </p:sp>
+      <p:sp>
+        <p:nvSpPr>
+          <p:cNvPr id="18" name="Freeform: Shape 17">
+            <a:extLst>
+              <a:ext uri="{FF2B5EF4-FFF2-40B4-BE49-F238E27FC236}">
+                <a16:creationId xmlns:a16="http://schemas.microsoft.com/office/drawing/2014/main" id="{38FAA1A1-D861-433F-88FA-1E9D6FD31D11}"/>
+              </a:ext>
+              <a:ext uri="{C183D7F6-B498-43B3-948B-1728B52AA6E4}">
+                <adec:decorative xmlns:adec="http://schemas.microsoft.com/office/drawing/2017/decorative" val="1"/>
+              </a:ext>
+            </a:extLst>
+          </p:cNvPr>
+          <p:cNvSpPr>
+            <a:spLocks noGrp="1" noRot="1" noChangeAspect="1" noMove="1" noResize="1" noEditPoints="1" noAdjustHandles="1" noChangeArrowheads="1" noChangeShapeType="1" noTextEdit="1"/>
+          </p:cNvSpPr>
+          <p:nvPr>
+            <p:extLst>
+              <p:ext uri="{386F3935-93C4-4BCD-93E2-E3B085C9AB24}">
+                <p16:designElem xmlns:p16="http://schemas.microsoft.com/office/powerpoint/2015/main" val="1"/>
+              </p:ext>
+            </p:extLst>
+          </p:nvPr>
+        </p:nvSpPr>
+        <p:spPr>
+          <a:xfrm rot="20635413">
+            <a:off x="-501737" y="969718"/>
+            <a:ext cx="3900357" cy="4178958"/>
+          </a:xfrm>
+          <a:custGeom>
+            <a:avLst/>
+            <a:gdLst>
+              <a:gd name="connsiteX0" fmla="*/ 2432225 w 3900357"/>
+              <a:gd name="connsiteY0" fmla="*/ 93939 h 4178958"/>
+              <a:gd name="connsiteX1" fmla="*/ 3900357 w 3900357"/>
+              <a:gd name="connsiteY1" fmla="*/ 2089479 h 4178958"/>
+              <a:gd name="connsiteX2" fmla="*/ 1810878 w 3900357"/>
+              <a:gd name="connsiteY2" fmla="*/ 4178958 h 4178958"/>
+              <a:gd name="connsiteX3" fmla="*/ 78249 w 3900357"/>
+              <a:gd name="connsiteY3" fmla="*/ 3257727 h 4178958"/>
+              <a:gd name="connsiteX4" fmla="*/ 0 w 3900357"/>
+              <a:gd name="connsiteY4" fmla="*/ 3128923 h 4178958"/>
+              <a:gd name="connsiteX5" fmla="*/ 831324 w 3900357"/>
+              <a:gd name="connsiteY5" fmla="*/ 244281 h 4178958"/>
+              <a:gd name="connsiteX6" fmla="*/ 997559 w 3900357"/>
+              <a:gd name="connsiteY6" fmla="*/ 164202 h 4178958"/>
+              <a:gd name="connsiteX7" fmla="*/ 1810878 w 3900357"/>
+              <a:gd name="connsiteY7" fmla="*/ 0 h 4178958"/>
+              <a:gd name="connsiteX8" fmla="*/ 2432225 w 3900357"/>
+              <a:gd name="connsiteY8" fmla="*/ 93939 h 4178958"/>
+            </a:gdLst>
+            <a:ahLst/>
+            <a:cxnLst>
+              <a:cxn ang="0">
+                <a:pos x="connsiteX0" y="connsiteY0"/>
+              </a:cxn>
+              <a:cxn ang="0">
+                <a:pos x="connsiteX1" y="connsiteY1"/>
+              </a:cxn>
+              <a:cxn ang="0">
+                <a:pos x="connsiteX2" y="connsiteY2"/>
+              </a:cxn>
+              <a:cxn ang="0">
+                <a:pos x="connsiteX3" y="connsiteY3"/>
+              </a:cxn>
+              <a:cxn ang="0">
+                <a:pos x="connsiteX4" y="connsiteY4"/>
+              </a:cxn>
+              <a:cxn ang="0">
+                <a:pos x="connsiteX5" y="connsiteY5"/>
+              </a:cxn>
+              <a:cxn ang="0">
+                <a:pos x="connsiteX6" y="connsiteY6"/>
+              </a:cxn>
+              <a:cxn ang="0">
+                <a:pos x="connsiteX7" y="connsiteY7"/>
+              </a:cxn>
+              <a:cxn ang="0">
+                <a:pos x="connsiteX8" y="connsiteY8"/>
+              </a:cxn>
+            </a:cxnLst>
+            <a:rect l="l" t="t" r="r" b="b"/>
+            <a:pathLst>
+              <a:path w="3900357" h="4178958">
+                <a:moveTo>
+                  <a:pt x="2432225" y="93939"/>
+                </a:moveTo>
+                <a:cubicBezTo>
+                  <a:pt x="3282786" y="358491"/>
+                  <a:pt x="3900357" y="1151865"/>
+                  <a:pt x="3900357" y="2089479"/>
+                </a:cubicBezTo>
+                <a:cubicBezTo>
+                  <a:pt x="3900357" y="3243466"/>
+                  <a:pt x="2964865" y="4178958"/>
+                  <a:pt x="1810878" y="4178958"/>
+                </a:cubicBezTo>
+                <a:cubicBezTo>
+                  <a:pt x="1089636" y="4178958"/>
+                  <a:pt x="453744" y="3813531"/>
+                  <a:pt x="78249" y="3257727"/>
+                </a:cubicBezTo>
+                <a:lnTo>
+                  <a:pt x="0" y="3128923"/>
+                </a:lnTo>
+                <a:lnTo>
+                  <a:pt x="831324" y="244281"/>
+                </a:lnTo>
+                <a:lnTo>
+                  <a:pt x="997559" y="164202"/>
+                </a:lnTo>
+                <a:cubicBezTo>
+                  <a:pt x="1247540" y="58468"/>
+                  <a:pt x="1522381" y="0"/>
+                  <a:pt x="1810878" y="0"/>
+                </a:cubicBezTo>
+                <a:cubicBezTo>
+                  <a:pt x="2027251" y="0"/>
+                  <a:pt x="2235942" y="32888"/>
+                  <a:pt x="2432225" y="93939"/>
+                </a:cubicBezTo>
+                <a:close/>
+              </a:path>
+            </a:pathLst>
+          </a:custGeom>
+          <a:gradFill>
+            <a:gsLst>
+              <a:gs pos="29000">
+                <a:srgbClr val="000000">
+                  <a:alpha val="0"/>
+                </a:srgbClr>
+              </a:gs>
+              <a:gs pos="100000">
+                <a:schemeClr val="accent1">
+                  <a:alpha val="43000"/>
+                </a:schemeClr>
+              </a:gs>
+            </a:gsLst>
+            <a:lin ang="1800000" scaled="0"/>
+          </a:gradFill>
+          <a:ln>
+            <a:noFill/>
+          </a:ln>
+        </p:spPr>
+        <p:style>
+          <a:lnRef idx="2">
+            <a:schemeClr val="accent1">
+              <a:shade val="50000"/>
+            </a:schemeClr>
+          </a:lnRef>
+          <a:fillRef idx="1">
+            <a:schemeClr val="accent1"/>
+          </a:fillRef>
+          <a:effectRef idx="0">
+            <a:schemeClr val="accent1"/>
+          </a:effectRef>
+          <a:fontRef idx="minor">
+            <a:schemeClr val="lt1"/>
+          </a:fontRef>
+        </p:style>
+        <p:txBody>
+          <a:bodyPr wrap="square" rtlCol="0" anchor="ctr">
+            <a:noAutofit/>
+          </a:bodyPr>
+          <a:lstStyle/>
+          <a:p>
+            <a:pPr algn="ctr"/>
+            <a:endParaRPr lang="en-US" dirty="0"/>
+          </a:p>
+        </p:txBody>
+      </p:sp>
+      <p:sp>
+        <p:nvSpPr>
+          <p:cNvPr id="20" name="Rectangle 19">
+            <a:extLst>
+              <a:ext uri="{FF2B5EF4-FFF2-40B4-BE49-F238E27FC236}">
+                <a16:creationId xmlns:a16="http://schemas.microsoft.com/office/drawing/2014/main" id="{8D71EDA1-87BF-4D5D-AB79-F346FD19278A}"/>
+              </a:ext>
+              <a:ext uri="{C183D7F6-B498-43B3-948B-1728B52AA6E4}">
+                <adec:decorative xmlns:adec="http://schemas.microsoft.com/office/drawing/2017/decorative" val="1"/>
+              </a:ext>
+            </a:extLst>
+          </p:cNvPr>
+          <p:cNvSpPr>
+            <a:spLocks noGrp="1" noRot="1" noChangeAspect="1" noMove="1" noResize="1" noEditPoints="1" noAdjustHandles="1" noChangeArrowheads="1" noChangeShapeType="1" noTextEdit="1"/>
+          </p:cNvSpPr>
+          <p:nvPr>
+            <p:extLst>
+              <p:ext uri="{386F3935-93C4-4BCD-93E2-E3B085C9AB24}">
+                <p16:designElem xmlns:p16="http://schemas.microsoft.com/office/powerpoint/2015/main" val="1"/>
+              </p:ext>
+            </p:extLst>
+          </p:nvPr>
+        </p:nvSpPr>
+        <p:spPr>
+          <a:xfrm rot="5400000" flipH="1">
+            <a:off x="-1410093" y="1399943"/>
+            <a:ext cx="6858003" cy="4037835"/>
+          </a:xfrm>
+          <a:prstGeom prst="rect">
+            <a:avLst/>
+          </a:prstGeom>
+          <a:gradFill>
+            <a:gsLst>
+              <a:gs pos="0">
+                <a:srgbClr val="000000">
+                  <a:alpha val="0"/>
+                </a:srgbClr>
+              </a:gs>
+              <a:gs pos="99000">
+                <a:schemeClr val="accent1">
+                  <a:lumMod val="60000"/>
+                  <a:lumOff val="40000"/>
+                  <a:alpha val="11000"/>
+                </a:schemeClr>
+              </a:gs>
+            </a:gsLst>
+            <a:lin ang="7200000" scaled="0"/>
+          </a:gradFill>
+          <a:ln>
+            <a:noFill/>
+          </a:ln>
+        </p:spPr>
+        <p:style>
+          <a:lnRef idx="2">
+            <a:schemeClr val="accent1">
+              <a:shade val="50000"/>
+            </a:schemeClr>
+          </a:lnRef>
+          <a:fillRef idx="1">
+            <a:schemeClr val="accent1"/>
+          </a:fillRef>
+          <a:effectRef idx="0">
+            <a:schemeClr val="accent1"/>
+          </a:effectRef>
+          <a:fontRef idx="minor">
+            <a:schemeClr val="lt1"/>
+          </a:fontRef>
+        </p:style>
+        <p:txBody>
+          <a:bodyPr rtlCol="0" anchor="ctr"/>
+          <a:lstStyle/>
+          <a:p>
+            <a:pPr algn="ctr"/>
+            <a:endParaRPr lang="en-US"/>
+          </a:p>
+        </p:txBody>
+      </p:sp>
+      <p:sp>
+        <p:nvSpPr>
+          <p:cNvPr id="2" name="Title 1">
+            <a:extLst>
+              <a:ext uri="{FF2B5EF4-FFF2-40B4-BE49-F238E27FC236}">
+                <a16:creationId xmlns:a16="http://schemas.microsoft.com/office/drawing/2014/main" id="{B501916C-D4E2-386A-B250-5CEAF46B5F6D}"/>
+              </a:ext>
+            </a:extLst>
+          </p:cNvPr>
+          <p:cNvSpPr>
+            <a:spLocks noGrp="1"/>
+          </p:cNvSpPr>
+          <p:nvPr>
+            <p:ph type="title"/>
+          </p:nvPr>
+        </p:nvSpPr>
+        <p:spPr>
+          <a:xfrm>
+            <a:off x="466722" y="586855"/>
+            <a:ext cx="3201366" cy="3387497"/>
+          </a:xfrm>
+        </p:spPr>
+        <p:txBody>
+          <a:bodyPr anchor="b">
+            <a:normAutofit/>
+          </a:bodyPr>
+          <a:lstStyle/>
+          <a:p>
+            <a:pPr algn="r" fontAlgn="b"/>
+            <a:r>
+              <a:rPr lang="en-GB" sz="4000" u="none" strike="noStrike" dirty="0">
+                <a:solidFill>
+                  <a:srgbClr val="FFFFFF"/>
+                </a:solidFill>
+                <a:effectLst/>
+              </a:rPr>
+              <a:t>Worst case scenario</a:t>
+            </a:r>
+          </a:p>
+        </p:txBody>
+      </p:sp>
+      <p:sp>
+        <p:nvSpPr>
+          <p:cNvPr id="3" name="Content Placeholder 2">
+            <a:extLst>
+              <a:ext uri="{FF2B5EF4-FFF2-40B4-BE49-F238E27FC236}">
+                <a16:creationId xmlns:a16="http://schemas.microsoft.com/office/drawing/2014/main" id="{09C5E4A4-9126-BB3E-A065-D2362182A902}"/>
+              </a:ext>
+            </a:extLst>
+          </p:cNvPr>
+          <p:cNvSpPr>
+            <a:spLocks noGrp="1"/>
+          </p:cNvSpPr>
+          <p:nvPr>
+            <p:ph idx="1"/>
+          </p:nvPr>
+        </p:nvSpPr>
+        <p:spPr>
+          <a:xfrm>
+            <a:off x="4810259" y="649480"/>
+            <a:ext cx="6555347" cy="5546047"/>
+          </a:xfrm>
+        </p:spPr>
+        <p:txBody>
+          <a:bodyPr numCol="2" anchor="ctr">
+            <a:normAutofit/>
+          </a:bodyPr>
+          <a:lstStyle/>
+          <a:p>
+            <a:pPr lvl="1"/>
+            <a:endParaRPr lang="en-GB" sz="2000"/>
+          </a:p>
+          <a:p>
+            <a:pPr lvl="1"/>
+            <a:endParaRPr lang="en-GB" sz="2000"/>
+          </a:p>
+          <a:p>
+            <a:pPr lvl="1"/>
+            <a:endParaRPr lang="en-GB" sz="2000"/>
+          </a:p>
+          <a:p>
+            <a:pPr lvl="1"/>
+            <a:endParaRPr lang="en-NL" sz="2000"/>
+          </a:p>
+        </p:txBody>
+      </p:sp>
+      <p:pic>
+        <p:nvPicPr>
+          <p:cNvPr id="5" name="Picture 4" descr="A graph with a line and a line&#10;&#10;Description automatically generated with medium confidence">
+            <a:extLst>
+              <a:ext uri="{FF2B5EF4-FFF2-40B4-BE49-F238E27FC236}">
+                <a16:creationId xmlns:a16="http://schemas.microsoft.com/office/drawing/2014/main" id="{EF946CD2-A1AC-B1E5-3234-817F180CEB69}"/>
+              </a:ext>
+            </a:extLst>
+          </p:cNvPr>
+          <p:cNvPicPr>
+            <a:picLocks noChangeAspect="1"/>
+          </p:cNvPicPr>
+          <p:nvPr/>
+        </p:nvPicPr>
+        <p:blipFill>
+          <a:blip r:embed="rId3">
+            <a:extLst>
+              <a:ext uri="{28A0092B-C50C-407E-A947-70E740481C1C}">
+                <a14:useLocalDpi xmlns:a14="http://schemas.microsoft.com/office/drawing/2010/main" val="0"/>
+              </a:ext>
+            </a:extLst>
+          </a:blip>
+          <a:stretch>
+            <a:fillRect/>
+          </a:stretch>
+        </p:blipFill>
+        <p:spPr>
+          <a:xfrm>
+            <a:off x="5049286" y="1426202"/>
+            <a:ext cx="6675992" cy="4005595"/>
+          </a:xfrm>
+          <a:prstGeom prst="rect">
+            <a:avLst/>
+          </a:prstGeom>
+        </p:spPr>
+      </p:pic>
+    </p:spTree>
+    <p:extLst>
+      <p:ext uri="{BB962C8B-B14F-4D97-AF65-F5344CB8AC3E}">
+        <p14:creationId xmlns:p14="http://schemas.microsoft.com/office/powerpoint/2010/main" val="3896205145"/>
+      </p:ext>
+    </p:extLst>
+  </p:cSld>
+  <p:clrMapOvr>
+    <a:masterClrMapping/>
+  </p:clrMapOvr>
+  <mc:AlternateContent xmlns:mc="http://schemas.openxmlformats.org/markup-compatibility/2006">
+    <mc:Choice xmlns:p159="http://schemas.microsoft.com/office/powerpoint/2015/09/main" Requires="p159">
+      <p:transition xmlns:p14="http://schemas.microsoft.com/office/powerpoint/2010/main" spd="slow" p14:dur="2000">
+        <p159:morph option="byObject"/>
+      </p:transition>
+    </mc:Choice>
+    <mc:Fallback>
+      <p:transition spd="slow">
+        <p:fade/>
+      </p:transition>
+    </mc:Fallback>
+  </mc:AlternateContent>
+</p:sld>
+</file>
+
+<file path=ppt/slides/slide19.xml><?xml version="1.0" encoding="utf-8"?>
 <p:sld xmlns:a="http://schemas.openxmlformats.org/drawingml/2006/main" xmlns:r="http://schemas.openxmlformats.org/officeDocument/2006/relationships" xmlns:p="http://schemas.openxmlformats.org/presentationml/2006/main">
   <p:cSld>
     <p:bg>
@@ -7966,7 +14698,7 @@
           <a:lstStyle/>
           <a:p>
             <a:pPr algn="l"/>
-            <a:endParaRPr lang="nl-NL"/>
+            <a:endParaRPr lang="nl-NL" dirty="0"/>
           </a:p>
         </p:txBody>
       </p:sp>
@@ -7980,6 +14712,18 @@
   <p:clrMapOvr>
     <a:masterClrMapping/>
   </p:clrMapOvr>
+  <mc:AlternateContent xmlns:mc="http://schemas.openxmlformats.org/markup-compatibility/2006">
+    <mc:Choice xmlns:p159="http://schemas.microsoft.com/office/powerpoint/2015/09/main" Requires="p159">
+      <p:transition xmlns:p14="http://schemas.microsoft.com/office/powerpoint/2010/main" spd="slow" p14:dur="2000">
+        <p159:morph option="byObject"/>
+      </p:transition>
+    </mc:Choice>
+    <mc:Fallback>
+      <p:transition spd="slow">
+        <p:fade/>
+      </p:transition>
+    </mc:Fallback>
+  </mc:AlternateContent>
   <p:timing>
     <p:tnLst>
       <p:par>
@@ -8072,566 +14816,6 @@
       <p:bldP spid="2" grpId="0"/>
     </p:bldLst>
   </p:timing>
-</p:sld>
-</file>
-
-<file path=ppt/slides/slide15.xml><?xml version="1.0" encoding="utf-8"?>
-<p:sld xmlns:a="http://schemas.openxmlformats.org/drawingml/2006/main" xmlns:r="http://schemas.openxmlformats.org/officeDocument/2006/relationships" xmlns:p="http://schemas.openxmlformats.org/presentationml/2006/main">
-  <p:cSld>
-    <p:spTree>
-      <p:nvGrpSpPr>
-        <p:cNvPr id="1" name=""/>
-        <p:cNvGrpSpPr/>
-        <p:nvPr/>
-      </p:nvGrpSpPr>
-      <p:grpSpPr>
-        <a:xfrm>
-          <a:off x="0" y="0"/>
-          <a:ext cx="0" cy="0"/>
-          <a:chOff x="0" y="0"/>
-          <a:chExt cx="0" cy="0"/>
-        </a:xfrm>
-      </p:grpSpPr>
-      <p:sp>
-        <p:nvSpPr>
-          <p:cNvPr id="2" name="Title 1">
-            <a:extLst>
-              <a:ext uri="{FF2B5EF4-FFF2-40B4-BE49-F238E27FC236}">
-                <a16:creationId xmlns:a16="http://schemas.microsoft.com/office/drawing/2014/main" id="{F9DA564A-2C3E-87F6-D744-E246C8DA863B}"/>
-              </a:ext>
-            </a:extLst>
-          </p:cNvPr>
-          <p:cNvSpPr>
-            <a:spLocks noGrp="1"/>
-          </p:cNvSpPr>
-          <p:nvPr>
-            <p:ph type="title"/>
-          </p:nvPr>
-        </p:nvSpPr>
-        <p:spPr/>
-        <p:txBody>
-          <a:bodyPr/>
-          <a:lstStyle/>
-          <a:p>
-            <a:endParaRPr lang="nl-NL" dirty="0"/>
-          </a:p>
-        </p:txBody>
-      </p:sp>
-      <p:sp>
-        <p:nvSpPr>
-          <p:cNvPr id="3" name="Content Placeholder 2">
-            <a:extLst>
-              <a:ext uri="{FF2B5EF4-FFF2-40B4-BE49-F238E27FC236}">
-                <a16:creationId xmlns:a16="http://schemas.microsoft.com/office/drawing/2014/main" id="{0530A3FD-EC07-9B6E-443C-1B7DFC2D0C83}"/>
-              </a:ext>
-            </a:extLst>
-          </p:cNvPr>
-          <p:cNvSpPr>
-            <a:spLocks noGrp="1"/>
-          </p:cNvSpPr>
-          <p:nvPr>
-            <p:ph idx="1"/>
-          </p:nvPr>
-        </p:nvSpPr>
-        <p:spPr/>
-        <p:txBody>
-          <a:bodyPr/>
-          <a:lstStyle/>
-          <a:p>
-            <a:endParaRPr lang="nl-NL" dirty="0"/>
-          </a:p>
-        </p:txBody>
-      </p:sp>
-    </p:spTree>
-    <p:extLst>
-      <p:ext uri="{BB962C8B-B14F-4D97-AF65-F5344CB8AC3E}">
-        <p14:creationId xmlns:p14="http://schemas.microsoft.com/office/powerpoint/2010/main" val="1310274377"/>
-      </p:ext>
-    </p:extLst>
-  </p:cSld>
-  <p:clrMapOvr>
-    <a:masterClrMapping/>
-  </p:clrMapOvr>
-</p:sld>
-</file>
-
-<file path=ppt/slides/slide16.xml><?xml version="1.0" encoding="utf-8"?>
-<p:sld xmlns:a="http://schemas.openxmlformats.org/drawingml/2006/main" xmlns:r="http://schemas.openxmlformats.org/officeDocument/2006/relationships" xmlns:p="http://schemas.openxmlformats.org/presentationml/2006/main">
-  <p:cSld>
-    <p:bg>
-      <p:bgPr>
-        <a:solidFill>
-          <a:schemeClr val="bg1"/>
-        </a:solidFill>
-        <a:effectLst/>
-      </p:bgPr>
-    </p:bg>
-    <p:spTree>
-      <p:nvGrpSpPr>
-        <p:cNvPr id="1" name=""/>
-        <p:cNvGrpSpPr/>
-        <p:nvPr/>
-      </p:nvGrpSpPr>
-      <p:grpSpPr>
-        <a:xfrm>
-          <a:off x="0" y="0"/>
-          <a:ext cx="0" cy="0"/>
-          <a:chOff x="0" y="0"/>
-          <a:chExt cx="0" cy="0"/>
-        </a:xfrm>
-      </p:grpSpPr>
-      <p:sp useBgFill="1">
-        <p:nvSpPr>
-          <p:cNvPr id="32" name="Rectangle 31">
-            <a:extLst>
-              <a:ext uri="{FF2B5EF4-FFF2-40B4-BE49-F238E27FC236}">
-                <a16:creationId xmlns:a16="http://schemas.microsoft.com/office/drawing/2014/main" id="{1B15ED52-F352-441B-82BF-E0EA34836D08}"/>
-              </a:ext>
-              <a:ext uri="{C183D7F6-B498-43B3-948B-1728B52AA6E4}">
-                <adec:decorative xmlns:adec="http://schemas.microsoft.com/office/drawing/2017/decorative" val="1"/>
-              </a:ext>
-            </a:extLst>
-          </p:cNvPr>
-          <p:cNvSpPr>
-            <a:spLocks noGrp="1" noRot="1" noChangeAspect="1" noMove="1" noResize="1" noEditPoints="1" noAdjustHandles="1" noChangeArrowheads="1" noChangeShapeType="1" noTextEdit="1"/>
-          </p:cNvSpPr>
-          <p:nvPr>
-            <p:extLst>
-              <p:ext uri="{386F3935-93C4-4BCD-93E2-E3B085C9AB24}">
-                <p16:designElem xmlns:p16="http://schemas.microsoft.com/office/powerpoint/2015/main" val="1"/>
-              </p:ext>
-            </p:extLst>
-          </p:nvPr>
-        </p:nvSpPr>
-        <p:spPr>
-          <a:xfrm>
-            <a:off x="0" y="0"/>
-            <a:ext cx="12192000" cy="6858000"/>
-          </a:xfrm>
-          <a:prstGeom prst="rect">
-            <a:avLst/>
-          </a:prstGeom>
-          <a:ln w="12700" cap="flat" cmpd="sng" algn="ctr">
-            <a:noFill/>
-            <a:prstDash val="solid"/>
-            <a:miter lim="800000"/>
-          </a:ln>
-          <a:effectLst/>
-          <a:extLst>
-            <a:ext uri="{91240B29-F687-4F45-9708-019B960494DF}">
-              <a14:hiddenLine xmlns:a14="http://schemas.microsoft.com/office/drawing/2010/main" w="12700" cap="flat" cmpd="sng" algn="ctr">
-                <a:solidFill>
-                  <a:schemeClr val="accent1">
-                    <a:shade val="50000"/>
-                  </a:schemeClr>
-                </a:solidFill>
-                <a:prstDash val="solid"/>
-                <a:miter lim="800000"/>
-              </a14:hiddenLine>
-            </a:ext>
-          </a:extLst>
-        </p:spPr>
-        <p:style>
-          <a:lnRef idx="2">
-            <a:schemeClr val="accent1">
-              <a:shade val="50000"/>
-            </a:schemeClr>
-          </a:lnRef>
-          <a:fillRef idx="1">
-            <a:schemeClr val="accent1"/>
-          </a:fillRef>
-          <a:effectRef idx="0">
-            <a:schemeClr val="accent1"/>
-          </a:effectRef>
-          <a:fontRef idx="minor">
-            <a:schemeClr val="lt1"/>
-          </a:fontRef>
-        </p:style>
-        <p:txBody>
-          <a:bodyPr rtlCol="0" anchor="ctr"/>
-          <a:lstStyle/>
-          <a:p>
-            <a:pPr algn="ctr"/>
-            <a:endParaRPr lang="en-US"/>
-          </a:p>
-        </p:txBody>
-      </p:sp>
-      <p:sp>
-        <p:nvSpPr>
-          <p:cNvPr id="34" name="Rectangle 33">
-            <a:extLst>
-              <a:ext uri="{FF2B5EF4-FFF2-40B4-BE49-F238E27FC236}">
-                <a16:creationId xmlns:a16="http://schemas.microsoft.com/office/drawing/2014/main" id="{3B2E3793-BFE6-45A2-9B7B-E18844431C99}"/>
-              </a:ext>
-              <a:ext uri="{C183D7F6-B498-43B3-948B-1728B52AA6E4}">
-                <adec:decorative xmlns:adec="http://schemas.microsoft.com/office/drawing/2017/decorative" val="1"/>
-              </a:ext>
-            </a:extLst>
-          </p:cNvPr>
-          <p:cNvSpPr>
-            <a:spLocks noGrp="1" noRot="1" noChangeAspect="1" noMove="1" noResize="1" noEditPoints="1" noAdjustHandles="1" noChangeArrowheads="1" noChangeShapeType="1" noTextEdit="1"/>
-          </p:cNvSpPr>
-          <p:nvPr>
-            <p:extLst>
-              <p:ext uri="{386F3935-93C4-4BCD-93E2-E3B085C9AB24}">
-                <p16:designElem xmlns:p16="http://schemas.microsoft.com/office/powerpoint/2015/main" val="1"/>
-              </p:ext>
-            </p:extLst>
-          </p:nvPr>
-        </p:nvSpPr>
-        <p:spPr>
-          <a:xfrm flipH="1">
-            <a:off x="-1" y="5266402"/>
-            <a:ext cx="12191998" cy="1590742"/>
-          </a:xfrm>
-          <a:prstGeom prst="rect">
-            <a:avLst/>
-          </a:prstGeom>
-          <a:gradFill>
-            <a:gsLst>
-              <a:gs pos="0">
-                <a:srgbClr val="000000"/>
-              </a:gs>
-              <a:gs pos="100000">
-                <a:schemeClr val="accent1"/>
-              </a:gs>
-            </a:gsLst>
-            <a:lin ang="8400000" scaled="0"/>
-          </a:gradFill>
-          <a:ln>
-            <a:noFill/>
-          </a:ln>
-        </p:spPr>
-        <p:style>
-          <a:lnRef idx="2">
-            <a:schemeClr val="accent1">
-              <a:shade val="50000"/>
-            </a:schemeClr>
-          </a:lnRef>
-          <a:fillRef idx="1">
-            <a:schemeClr val="accent1"/>
-          </a:fillRef>
-          <a:effectRef idx="0">
-            <a:schemeClr val="accent1"/>
-          </a:effectRef>
-          <a:fontRef idx="minor">
-            <a:schemeClr val="lt1"/>
-          </a:fontRef>
-        </p:style>
-        <p:txBody>
-          <a:bodyPr rtlCol="0" anchor="ctr"/>
-          <a:lstStyle/>
-          <a:p>
-            <a:pPr algn="ctr"/>
-            <a:endParaRPr lang="en-US"/>
-          </a:p>
-        </p:txBody>
-      </p:sp>
-      <p:sp>
-        <p:nvSpPr>
-          <p:cNvPr id="36" name="Rectangle 35">
-            <a:extLst>
-              <a:ext uri="{FF2B5EF4-FFF2-40B4-BE49-F238E27FC236}">
-                <a16:creationId xmlns:a16="http://schemas.microsoft.com/office/drawing/2014/main" id="{BC4C4868-CB8F-4AF9-9CDB-8108F2C19B67}"/>
-              </a:ext>
-              <a:ext uri="{C183D7F6-B498-43B3-948B-1728B52AA6E4}">
-                <adec:decorative xmlns:adec="http://schemas.microsoft.com/office/drawing/2017/decorative" val="1"/>
-              </a:ext>
-            </a:extLst>
-          </p:cNvPr>
-          <p:cNvSpPr>
-            <a:spLocks noGrp="1" noRot="1" noChangeAspect="1" noMove="1" noResize="1" noEditPoints="1" noAdjustHandles="1" noChangeArrowheads="1" noChangeShapeType="1" noTextEdit="1"/>
-          </p:cNvSpPr>
-          <p:nvPr>
-            <p:extLst>
-              <p:ext uri="{386F3935-93C4-4BCD-93E2-E3B085C9AB24}">
-                <p16:designElem xmlns:p16="http://schemas.microsoft.com/office/powerpoint/2015/main" val="1"/>
-              </p:ext>
-            </p:extLst>
-          </p:nvPr>
-        </p:nvSpPr>
-        <p:spPr>
-          <a:xfrm flipH="1">
-            <a:off x="-1" y="5270175"/>
-            <a:ext cx="12185331" cy="1590742"/>
-          </a:xfrm>
-          <a:prstGeom prst="rect">
-            <a:avLst/>
-          </a:prstGeom>
-          <a:gradFill>
-            <a:gsLst>
-              <a:gs pos="0">
-                <a:schemeClr val="accent1">
-                  <a:alpha val="0"/>
-                </a:schemeClr>
-              </a:gs>
-              <a:gs pos="100000">
-                <a:schemeClr val="accent1">
-                  <a:lumMod val="50000"/>
-                </a:schemeClr>
-              </a:gs>
-            </a:gsLst>
-            <a:lin ang="10200000" scaled="0"/>
-          </a:gradFill>
-          <a:ln>
-            <a:noFill/>
-          </a:ln>
-        </p:spPr>
-        <p:style>
-          <a:lnRef idx="2">
-            <a:schemeClr val="accent1">
-              <a:shade val="50000"/>
-            </a:schemeClr>
-          </a:lnRef>
-          <a:fillRef idx="1">
-            <a:schemeClr val="accent1"/>
-          </a:fillRef>
-          <a:effectRef idx="0">
-            <a:schemeClr val="accent1"/>
-          </a:effectRef>
-          <a:fontRef idx="minor">
-            <a:schemeClr val="lt1"/>
-          </a:fontRef>
-        </p:style>
-        <p:txBody>
-          <a:bodyPr rtlCol="0" anchor="ctr"/>
-          <a:lstStyle/>
-          <a:p>
-            <a:pPr algn="ctr"/>
-            <a:endParaRPr lang="en-US"/>
-          </a:p>
-        </p:txBody>
-      </p:sp>
-      <p:sp>
-        <p:nvSpPr>
-          <p:cNvPr id="38" name="Rectangle 37">
-            <a:extLst>
-              <a:ext uri="{FF2B5EF4-FFF2-40B4-BE49-F238E27FC236}">
-                <a16:creationId xmlns:a16="http://schemas.microsoft.com/office/drawing/2014/main" id="{375E0459-6403-40CD-989D-56A4407CA12E}"/>
-              </a:ext>
-              <a:ext uri="{C183D7F6-B498-43B3-948B-1728B52AA6E4}">
-                <adec:decorative xmlns:adec="http://schemas.microsoft.com/office/drawing/2017/decorative" val="1"/>
-              </a:ext>
-            </a:extLst>
-          </p:cNvPr>
-          <p:cNvSpPr>
-            <a:spLocks noGrp="1" noRot="1" noChangeAspect="1" noMove="1" noResize="1" noEditPoints="1" noAdjustHandles="1" noChangeArrowheads="1" noChangeShapeType="1" noTextEdit="1"/>
-          </p:cNvSpPr>
-          <p:nvPr>
-            <p:extLst>
-              <p:ext uri="{386F3935-93C4-4BCD-93E2-E3B085C9AB24}">
-                <p16:designElem xmlns:p16="http://schemas.microsoft.com/office/powerpoint/2015/main" val="1"/>
-              </p:ext>
-            </p:extLst>
-          </p:nvPr>
-        </p:nvSpPr>
-        <p:spPr>
-          <a:xfrm flipH="1">
-            <a:off x="8115299" y="5265546"/>
-            <a:ext cx="4076698" cy="1590742"/>
-          </a:xfrm>
-          <a:prstGeom prst="rect">
-            <a:avLst/>
-          </a:prstGeom>
-          <a:gradFill>
-            <a:gsLst>
-              <a:gs pos="0">
-                <a:schemeClr val="accent1">
-                  <a:lumMod val="50000"/>
-                </a:schemeClr>
-              </a:gs>
-              <a:gs pos="100000">
-                <a:schemeClr val="accent1">
-                  <a:alpha val="0"/>
-                </a:schemeClr>
-              </a:gs>
-            </a:gsLst>
-            <a:lin ang="13200000" scaled="0"/>
-          </a:gradFill>
-          <a:ln>
-            <a:noFill/>
-          </a:ln>
-        </p:spPr>
-        <p:style>
-          <a:lnRef idx="2">
-            <a:schemeClr val="accent1">
-              <a:shade val="50000"/>
-            </a:schemeClr>
-          </a:lnRef>
-          <a:fillRef idx="1">
-            <a:schemeClr val="accent1"/>
-          </a:fillRef>
-          <a:effectRef idx="0">
-            <a:schemeClr val="accent1"/>
-          </a:effectRef>
-          <a:fontRef idx="minor">
-            <a:schemeClr val="lt1"/>
-          </a:fontRef>
-        </p:style>
-        <p:txBody>
-          <a:bodyPr rtlCol="0" anchor="ctr"/>
-          <a:lstStyle/>
-          <a:p>
-            <a:pPr algn="ctr"/>
-            <a:endParaRPr lang="en-US"/>
-          </a:p>
-        </p:txBody>
-      </p:sp>
-      <p:sp>
-        <p:nvSpPr>
-          <p:cNvPr id="40" name="Rectangle 39">
-            <a:extLst>
-              <a:ext uri="{FF2B5EF4-FFF2-40B4-BE49-F238E27FC236}">
-                <a16:creationId xmlns:a16="http://schemas.microsoft.com/office/drawing/2014/main" id="{53E5B1A8-3AC9-4BD1-9BBC-78CA94F2D1BA}"/>
-              </a:ext>
-              <a:ext uri="{C183D7F6-B498-43B3-948B-1728B52AA6E4}">
-                <adec:decorative xmlns:adec="http://schemas.microsoft.com/office/drawing/2017/decorative" val="1"/>
-              </a:ext>
-            </a:extLst>
-          </p:cNvPr>
-          <p:cNvSpPr>
-            <a:spLocks noGrp="1" noRot="1" noChangeAspect="1" noMove="1" noResize="1" noEditPoints="1" noAdjustHandles="1" noChangeArrowheads="1" noChangeShapeType="1" noTextEdit="1"/>
-          </p:cNvSpPr>
-          <p:nvPr>
-            <p:extLst>
-              <p:ext uri="{386F3935-93C4-4BCD-93E2-E3B085C9AB24}">
-                <p16:designElem xmlns:p16="http://schemas.microsoft.com/office/powerpoint/2015/main" val="1"/>
-              </p:ext>
-            </p:extLst>
-          </p:nvPr>
-        </p:nvSpPr>
-        <p:spPr>
-          <a:xfrm rot="10800000">
-            <a:off x="-13335" y="5263483"/>
-            <a:ext cx="12192000" cy="1597433"/>
-          </a:xfrm>
-          <a:prstGeom prst="rect">
-            <a:avLst/>
-          </a:prstGeom>
-          <a:gradFill>
-            <a:gsLst>
-              <a:gs pos="0">
-                <a:srgbClr val="000000">
-                  <a:alpha val="0"/>
-                </a:srgbClr>
-              </a:gs>
-              <a:gs pos="99000">
-                <a:schemeClr val="accent1">
-                  <a:lumMod val="50000"/>
-                  <a:alpha val="55000"/>
-                </a:schemeClr>
-              </a:gs>
-            </a:gsLst>
-            <a:lin ang="16800000" scaled="0"/>
-          </a:gradFill>
-          <a:ln>
-            <a:noFill/>
-          </a:ln>
-        </p:spPr>
-        <p:style>
-          <a:lnRef idx="2">
-            <a:schemeClr val="accent1">
-              <a:shade val="50000"/>
-            </a:schemeClr>
-          </a:lnRef>
-          <a:fillRef idx="1">
-            <a:schemeClr val="accent1"/>
-          </a:fillRef>
-          <a:effectRef idx="0">
-            <a:schemeClr val="accent1"/>
-          </a:effectRef>
-          <a:fontRef idx="minor">
-            <a:schemeClr val="lt1"/>
-          </a:fontRef>
-        </p:style>
-        <p:txBody>
-          <a:bodyPr rtlCol="0" anchor="ctr"/>
-          <a:lstStyle/>
-          <a:p>
-            <a:pPr algn="ctr"/>
-            <a:endParaRPr lang="en-US"/>
-          </a:p>
-        </p:txBody>
-      </p:sp>
-      <p:sp>
-        <p:nvSpPr>
-          <p:cNvPr id="2" name="Title 1">
-            <a:extLst>
-              <a:ext uri="{FF2B5EF4-FFF2-40B4-BE49-F238E27FC236}">
-                <a16:creationId xmlns:a16="http://schemas.microsoft.com/office/drawing/2014/main" id="{41F0D5D0-E8B4-620B-B52A-55752B368F51}"/>
-              </a:ext>
-            </a:extLst>
-          </p:cNvPr>
-          <p:cNvSpPr>
-            <a:spLocks noGrp="1"/>
-          </p:cNvSpPr>
-          <p:nvPr>
-            <p:ph type="title"/>
-          </p:nvPr>
-        </p:nvSpPr>
-        <p:spPr>
-          <a:xfrm>
-            <a:off x="1371599" y="5510253"/>
-            <a:ext cx="9895951" cy="1033669"/>
-          </a:xfrm>
-        </p:spPr>
-        <p:txBody>
-          <a:bodyPr>
-            <a:normAutofit/>
-          </a:bodyPr>
-          <a:lstStyle/>
-          <a:p>
-            <a:r>
-              <a:rPr lang="nl-NL" sz="4000">
-                <a:solidFill>
-                  <a:srgbClr val="FFFFFF"/>
-                </a:solidFill>
-              </a:rPr>
-              <a:t>References</a:t>
-            </a:r>
-          </a:p>
-        </p:txBody>
-      </p:sp>
-      <p:pic>
-        <p:nvPicPr>
-          <p:cNvPr id="5" name="Content Placeholder 4">
-            <a:extLst>
-              <a:ext uri="{FF2B5EF4-FFF2-40B4-BE49-F238E27FC236}">
-                <a16:creationId xmlns:a16="http://schemas.microsoft.com/office/drawing/2014/main" id="{F051479D-0039-57FD-39C4-333996FC3311}"/>
-              </a:ext>
-            </a:extLst>
-          </p:cNvPr>
-          <p:cNvPicPr>
-            <a:picLocks noChangeAspect="1"/>
-          </p:cNvPicPr>
-          <p:nvPr/>
-        </p:nvPicPr>
-        <p:blipFill>
-          <a:blip r:embed="rId2"/>
-          <a:stretch>
-            <a:fillRect/>
-          </a:stretch>
-        </p:blipFill>
-        <p:spPr>
-          <a:xfrm>
-            <a:off x="755611" y="774744"/>
-            <a:ext cx="10862882" cy="4182209"/>
-          </a:xfrm>
-          <a:prstGeom prst="rect">
-            <a:avLst/>
-          </a:prstGeom>
-        </p:spPr>
-      </p:pic>
-    </p:spTree>
-    <p:extLst>
-      <p:ext uri="{BB962C8B-B14F-4D97-AF65-F5344CB8AC3E}">
-        <p14:creationId xmlns:p14="http://schemas.microsoft.com/office/powerpoint/2010/main" val="2934387657"/>
-      </p:ext>
-    </p:extLst>
-  </p:cSld>
-  <p:clrMapOvr>
-    <a:masterClrMapping/>
-  </p:clrMapOvr>
 </p:sld>
 </file>
 
@@ -9594,6 +15778,1004 @@
   <p:clrMapOvr>
     <a:masterClrMapping/>
   </p:clrMapOvr>
+  <mc:AlternateContent xmlns:mc="http://schemas.openxmlformats.org/markup-compatibility/2006">
+    <mc:Choice xmlns:p159="http://schemas.microsoft.com/office/powerpoint/2015/09/main" Requires="p159">
+      <p:transition xmlns:p14="http://schemas.microsoft.com/office/powerpoint/2010/main" spd="slow" p14:dur="2000">
+        <p159:morph option="byObject"/>
+      </p:transition>
+    </mc:Choice>
+    <mc:Fallback>
+      <p:transition spd="slow">
+        <p:fade/>
+      </p:transition>
+    </mc:Fallback>
+  </mc:AlternateContent>
+</p:sld>
+</file>
+
+<file path=ppt/slides/slide20.xml><?xml version="1.0" encoding="utf-8"?>
+<p:sld xmlns:a="http://schemas.openxmlformats.org/drawingml/2006/main" xmlns:r="http://schemas.openxmlformats.org/officeDocument/2006/relationships" xmlns:p="http://schemas.openxmlformats.org/presentationml/2006/main">
+  <p:cSld>
+    <p:bg>
+      <p:bgPr>
+        <a:solidFill>
+          <a:schemeClr val="accent5">
+            <a:lumMod val="50000"/>
+          </a:schemeClr>
+        </a:solidFill>
+        <a:effectLst/>
+      </p:bgPr>
+    </p:bg>
+    <p:spTree>
+      <p:nvGrpSpPr>
+        <p:cNvPr id="1" name=""/>
+        <p:cNvGrpSpPr/>
+        <p:nvPr/>
+      </p:nvGrpSpPr>
+      <p:grpSpPr>
+        <a:xfrm>
+          <a:off x="0" y="0"/>
+          <a:ext cx="0" cy="0"/>
+          <a:chOff x="0" y="0"/>
+          <a:chExt cx="0" cy="0"/>
+        </a:xfrm>
+      </p:grpSpPr>
+      <p:sp>
+        <p:nvSpPr>
+          <p:cNvPr id="9" name="Rectangle 8">
+            <a:extLst>
+              <a:ext uri="{FF2B5EF4-FFF2-40B4-BE49-F238E27FC236}">
+                <a16:creationId xmlns:a16="http://schemas.microsoft.com/office/drawing/2014/main" id="{2A6B319F-86FE-4754-878E-06F0804D882B}"/>
+              </a:ext>
+              <a:ext uri="{C183D7F6-B498-43B3-948B-1728B52AA6E4}">
+                <adec:decorative xmlns:adec="http://schemas.microsoft.com/office/drawing/2017/decorative" val="1"/>
+              </a:ext>
+            </a:extLst>
+          </p:cNvPr>
+          <p:cNvSpPr>
+            <a:spLocks noGrp="1" noRot="1" noChangeAspect="1" noMove="1" noResize="1" noEditPoints="1" noAdjustHandles="1" noChangeArrowheads="1" noChangeShapeType="1" noTextEdit="1"/>
+          </p:cNvSpPr>
+          <p:nvPr>
+            <p:extLst>
+              <p:ext uri="{386F3935-93C4-4BCD-93E2-E3B085C9AB24}">
+                <p16:designElem xmlns:p16="http://schemas.microsoft.com/office/powerpoint/2015/main" val="1"/>
+              </p:ext>
+            </p:extLst>
+          </p:nvPr>
+        </p:nvSpPr>
+        <p:spPr>
+          <a:xfrm>
+            <a:off x="0" y="0"/>
+            <a:ext cx="832385" cy="6858000"/>
+          </a:xfrm>
+          <a:prstGeom prst="rect">
+            <a:avLst/>
+          </a:prstGeom>
+          <a:solidFill>
+            <a:schemeClr val="accent5">
+              <a:alpha val="70000"/>
+            </a:schemeClr>
+          </a:solidFill>
+          <a:ln>
+            <a:noFill/>
+          </a:ln>
+        </p:spPr>
+        <p:style>
+          <a:lnRef idx="2">
+            <a:schemeClr val="accent1">
+              <a:shade val="50000"/>
+            </a:schemeClr>
+          </a:lnRef>
+          <a:fillRef idx="1003">
+            <a:schemeClr val="lt1"/>
+          </a:fillRef>
+          <a:effectRef idx="0">
+            <a:schemeClr val="accent1"/>
+          </a:effectRef>
+          <a:fontRef idx="minor">
+            <a:schemeClr val="lt1"/>
+          </a:fontRef>
+        </p:style>
+        <p:txBody>
+          <a:bodyPr rtlCol="0" anchor="ctr"/>
+          <a:lstStyle/>
+          <a:p>
+            <a:pPr algn="ctr"/>
+            <a:endParaRPr lang="en-US">
+              <a:solidFill>
+                <a:schemeClr val="accent2"/>
+              </a:solidFill>
+            </a:endParaRPr>
+          </a:p>
+        </p:txBody>
+      </p:sp>
+      <p:sp>
+        <p:nvSpPr>
+          <p:cNvPr id="11" name="Rectangle 10">
+            <a:extLst>
+              <a:ext uri="{FF2B5EF4-FFF2-40B4-BE49-F238E27FC236}">
+                <a16:creationId xmlns:a16="http://schemas.microsoft.com/office/drawing/2014/main" id="{DCF7D1B5-3477-499F-ACC5-2C8B07F4EDB3}"/>
+              </a:ext>
+              <a:ext uri="{C183D7F6-B498-43B3-948B-1728B52AA6E4}">
+                <adec:decorative xmlns:adec="http://schemas.microsoft.com/office/drawing/2017/decorative" val="1"/>
+              </a:ext>
+            </a:extLst>
+          </p:cNvPr>
+          <p:cNvSpPr>
+            <a:spLocks noGrp="1" noRot="1" noChangeAspect="1" noMove="1" noResize="1" noEditPoints="1" noAdjustHandles="1" noChangeArrowheads="1" noChangeShapeType="1" noTextEdit="1"/>
+          </p:cNvSpPr>
+          <p:nvPr>
+            <p:extLst>
+              <p:ext uri="{386F3935-93C4-4BCD-93E2-E3B085C9AB24}">
+                <p16:designElem xmlns:p16="http://schemas.microsoft.com/office/powerpoint/2015/main" val="1"/>
+              </p:ext>
+            </p:extLst>
+          </p:nvPr>
+        </p:nvSpPr>
+        <p:spPr>
+          <a:xfrm>
+            <a:off x="832385" y="0"/>
+            <a:ext cx="3218914" cy="6858000"/>
+          </a:xfrm>
+          <a:prstGeom prst="rect">
+            <a:avLst/>
+          </a:prstGeom>
+          <a:solidFill>
+            <a:schemeClr val="accent5">
+              <a:lumMod val="75000"/>
+              <a:alpha val="80000"/>
+            </a:schemeClr>
+          </a:solidFill>
+          <a:ln>
+            <a:noFill/>
+          </a:ln>
+        </p:spPr>
+        <p:style>
+          <a:lnRef idx="2">
+            <a:schemeClr val="accent1">
+              <a:shade val="50000"/>
+            </a:schemeClr>
+          </a:lnRef>
+          <a:fillRef idx="1">
+            <a:schemeClr val="accent1"/>
+          </a:fillRef>
+          <a:effectRef idx="0">
+            <a:schemeClr val="accent1"/>
+          </a:effectRef>
+          <a:fontRef idx="minor">
+            <a:schemeClr val="lt1"/>
+          </a:fontRef>
+        </p:style>
+        <p:txBody>
+          <a:bodyPr rtlCol="0" anchor="ctr"/>
+          <a:lstStyle/>
+          <a:p>
+            <a:pPr algn="ctr"/>
+            <a:endParaRPr lang="en-US"/>
+          </a:p>
+        </p:txBody>
+      </p:sp>
+      <p:sp>
+        <p:nvSpPr>
+          <p:cNvPr id="3" name="Content Placeholder 2">
+            <a:extLst>
+              <a:ext uri="{FF2B5EF4-FFF2-40B4-BE49-F238E27FC236}">
+                <a16:creationId xmlns:a16="http://schemas.microsoft.com/office/drawing/2014/main" id="{5A4B014F-A6D9-2042-92CF-50F232DF9B34}"/>
+              </a:ext>
+            </a:extLst>
+          </p:cNvPr>
+          <p:cNvSpPr>
+            <a:spLocks noGrp="1"/>
+          </p:cNvSpPr>
+          <p:nvPr>
+            <p:ph sz="half" idx="1"/>
+          </p:nvPr>
+        </p:nvSpPr>
+        <p:spPr>
+          <a:xfrm>
+            <a:off x="4718745" y="905282"/>
+            <a:ext cx="3421958" cy="454595"/>
+          </a:xfrm>
+        </p:spPr>
+        <p:txBody>
+          <a:bodyPr>
+            <a:normAutofit/>
+          </a:bodyPr>
+          <a:lstStyle/>
+          <a:p>
+            <a:pPr marL="0" indent="0">
+              <a:buNone/>
+            </a:pPr>
+            <a:r>
+              <a:rPr lang="nl-NL" sz="2000" dirty="0"/>
+              <a:t>Conclusions</a:t>
+            </a:r>
+          </a:p>
+        </p:txBody>
+      </p:sp>
+      <p:sp>
+        <p:nvSpPr>
+          <p:cNvPr id="4" name="Content Placeholder 3">
+            <a:extLst>
+              <a:ext uri="{FF2B5EF4-FFF2-40B4-BE49-F238E27FC236}">
+                <a16:creationId xmlns:a16="http://schemas.microsoft.com/office/drawing/2014/main" id="{4EADD0CF-1001-8D7C-580F-7BB1AC19A642}"/>
+              </a:ext>
+            </a:extLst>
+          </p:cNvPr>
+          <p:cNvSpPr>
+            <a:spLocks noGrp="1"/>
+          </p:cNvSpPr>
+          <p:nvPr>
+            <p:ph sz="half" idx="2"/>
+          </p:nvPr>
+        </p:nvSpPr>
+        <p:spPr>
+          <a:xfrm>
+            <a:off x="8460743" y="905282"/>
+            <a:ext cx="3421957" cy="454595"/>
+          </a:xfrm>
+        </p:spPr>
+        <p:txBody>
+          <a:bodyPr>
+            <a:normAutofit/>
+          </a:bodyPr>
+          <a:lstStyle/>
+          <a:p>
+            <a:pPr marL="0" indent="0">
+              <a:buNone/>
+            </a:pPr>
+            <a:r>
+              <a:rPr lang="nl-NL" sz="2000" dirty="0"/>
+              <a:t>Take – aways</a:t>
+            </a:r>
+          </a:p>
+          <a:p>
+            <a:pPr marL="0" indent="0">
+              <a:buNone/>
+            </a:pPr>
+            <a:endParaRPr lang="nl-NL" sz="2000" dirty="0"/>
+          </a:p>
+        </p:txBody>
+      </p:sp>
+      <p:pic>
+        <p:nvPicPr>
+          <p:cNvPr id="6" name="Graphic 5" descr="Document with solid fill">
+            <a:extLst>
+              <a:ext uri="{FF2B5EF4-FFF2-40B4-BE49-F238E27FC236}">
+                <a16:creationId xmlns:a16="http://schemas.microsoft.com/office/drawing/2014/main" id="{EF5F1AFA-F18D-E19B-9264-7C3C64558163}"/>
+              </a:ext>
+            </a:extLst>
+          </p:cNvPr>
+          <p:cNvPicPr>
+            <a:picLocks noChangeAspect="1"/>
+          </p:cNvPicPr>
+          <p:nvPr/>
+        </p:nvPicPr>
+        <p:blipFill>
+          <a:blip r:embed="rId3">
+            <a:extLst>
+              <a:ext uri="{28A0092B-C50C-407E-A947-70E740481C1C}">
+                <a14:useLocalDpi xmlns:a14="http://schemas.microsoft.com/office/drawing/2010/main" val="0"/>
+              </a:ext>
+              <a:ext uri="{96DAC541-7B7A-43D3-8B79-37D633B846F1}">
+                <asvg:svgBlip xmlns:asvg="http://schemas.microsoft.com/office/drawing/2016/SVG/main" r:embed="rId4"/>
+              </a:ext>
+            </a:extLst>
+          </a:blip>
+          <a:stretch>
+            <a:fillRect/>
+          </a:stretch>
+        </p:blipFill>
+        <p:spPr>
+          <a:xfrm>
+            <a:off x="4824428" y="4381824"/>
+            <a:ext cx="1517115" cy="1517115"/>
+          </a:xfrm>
+          <a:prstGeom prst="rect">
+            <a:avLst/>
+          </a:prstGeom>
+        </p:spPr>
+      </p:pic>
+      <p:pic>
+        <p:nvPicPr>
+          <p:cNvPr id="8" name="Graphic 7" descr="Abacus with solid fill">
+            <a:extLst>
+              <a:ext uri="{FF2B5EF4-FFF2-40B4-BE49-F238E27FC236}">
+                <a16:creationId xmlns:a16="http://schemas.microsoft.com/office/drawing/2014/main" id="{45B3F6B3-9701-8A4A-2519-A299AF931F74}"/>
+              </a:ext>
+            </a:extLst>
+          </p:cNvPr>
+          <p:cNvPicPr>
+            <a:picLocks noChangeAspect="1"/>
+          </p:cNvPicPr>
+          <p:nvPr/>
+        </p:nvPicPr>
+        <p:blipFill>
+          <a:blip r:embed="rId5">
+            <a:extLst>
+              <a:ext uri="{28A0092B-C50C-407E-A947-70E740481C1C}">
+                <a14:useLocalDpi xmlns:a14="http://schemas.microsoft.com/office/drawing/2010/main" val="0"/>
+              </a:ext>
+              <a:ext uri="{96DAC541-7B7A-43D3-8B79-37D633B846F1}">
+                <asvg:svgBlip xmlns:asvg="http://schemas.microsoft.com/office/drawing/2016/SVG/main" r:embed="rId6"/>
+              </a:ext>
+            </a:extLst>
+          </a:blip>
+          <a:stretch>
+            <a:fillRect/>
+          </a:stretch>
+        </p:blipFill>
+        <p:spPr>
+          <a:xfrm>
+            <a:off x="4824428" y="2870850"/>
+            <a:ext cx="1517116" cy="1517116"/>
+          </a:xfrm>
+          <a:prstGeom prst="rect">
+            <a:avLst/>
+          </a:prstGeom>
+        </p:spPr>
+      </p:pic>
+      <p:pic>
+        <p:nvPicPr>
+          <p:cNvPr id="12" name="Graphic 11" descr="Leaky Tap with solid fill">
+            <a:extLst>
+              <a:ext uri="{FF2B5EF4-FFF2-40B4-BE49-F238E27FC236}">
+                <a16:creationId xmlns:a16="http://schemas.microsoft.com/office/drawing/2014/main" id="{C442258E-83EA-74AD-FEAF-352A5B3003B2}"/>
+              </a:ext>
+            </a:extLst>
+          </p:cNvPr>
+          <p:cNvPicPr>
+            <a:picLocks noChangeAspect="1"/>
+          </p:cNvPicPr>
+          <p:nvPr/>
+        </p:nvPicPr>
+        <p:blipFill>
+          <a:blip r:embed="rId7">
+            <a:extLst>
+              <a:ext uri="{28A0092B-C50C-407E-A947-70E740481C1C}">
+                <a14:useLocalDpi xmlns:a14="http://schemas.microsoft.com/office/drawing/2010/main" val="0"/>
+              </a:ext>
+              <a:ext uri="{96DAC541-7B7A-43D3-8B79-37D633B846F1}">
+                <asvg:svgBlip xmlns:asvg="http://schemas.microsoft.com/office/drawing/2016/SVG/main" r:embed="rId8"/>
+              </a:ext>
+            </a:extLst>
+          </a:blip>
+          <a:stretch>
+            <a:fillRect/>
+          </a:stretch>
+        </p:blipFill>
+        <p:spPr>
+          <a:xfrm>
+            <a:off x="4824428" y="1359877"/>
+            <a:ext cx="1517116" cy="1517116"/>
+          </a:xfrm>
+          <a:prstGeom prst="rect">
+            <a:avLst/>
+          </a:prstGeom>
+        </p:spPr>
+      </p:pic>
+      <p:pic>
+        <p:nvPicPr>
+          <p:cNvPr id="14" name="Graphic 13" descr="Circles with arrows with solid fill">
+            <a:extLst>
+              <a:ext uri="{FF2B5EF4-FFF2-40B4-BE49-F238E27FC236}">
+                <a16:creationId xmlns:a16="http://schemas.microsoft.com/office/drawing/2014/main" id="{1664A7DD-8A83-D9A8-4A8E-9D931771F35A}"/>
+              </a:ext>
+            </a:extLst>
+          </p:cNvPr>
+          <p:cNvPicPr>
+            <a:picLocks noChangeAspect="1"/>
+          </p:cNvPicPr>
+          <p:nvPr/>
+        </p:nvPicPr>
+        <p:blipFill>
+          <a:blip r:embed="rId9">
+            <a:extLst>
+              <a:ext uri="{28A0092B-C50C-407E-A947-70E740481C1C}">
+                <a14:useLocalDpi xmlns:a14="http://schemas.microsoft.com/office/drawing/2010/main" val="0"/>
+              </a:ext>
+              <a:ext uri="{96DAC541-7B7A-43D3-8B79-37D633B846F1}">
+                <asvg:svgBlip xmlns:asvg="http://schemas.microsoft.com/office/drawing/2016/SVG/main" r:embed="rId10"/>
+              </a:ext>
+            </a:extLst>
+          </a:blip>
+          <a:stretch>
+            <a:fillRect/>
+          </a:stretch>
+        </p:blipFill>
+        <p:spPr>
+          <a:xfrm>
+            <a:off x="8441744" y="2870850"/>
+            <a:ext cx="1517116" cy="1517116"/>
+          </a:xfrm>
+          <a:prstGeom prst="rect">
+            <a:avLst/>
+          </a:prstGeom>
+        </p:spPr>
+      </p:pic>
+      <p:pic>
+        <p:nvPicPr>
+          <p:cNvPr id="16" name="Graphic 15" descr="Drawing compass with solid fill">
+            <a:extLst>
+              <a:ext uri="{FF2B5EF4-FFF2-40B4-BE49-F238E27FC236}">
+                <a16:creationId xmlns:a16="http://schemas.microsoft.com/office/drawing/2014/main" id="{099D81DB-7458-4239-7D49-A21B6D665D3D}"/>
+              </a:ext>
+            </a:extLst>
+          </p:cNvPr>
+          <p:cNvPicPr>
+            <a:picLocks noChangeAspect="1"/>
+          </p:cNvPicPr>
+          <p:nvPr/>
+        </p:nvPicPr>
+        <p:blipFill>
+          <a:blip r:embed="rId11">
+            <a:extLst>
+              <a:ext uri="{28A0092B-C50C-407E-A947-70E740481C1C}">
+                <a14:useLocalDpi xmlns:a14="http://schemas.microsoft.com/office/drawing/2010/main" val="0"/>
+              </a:ext>
+              <a:ext uri="{96DAC541-7B7A-43D3-8B79-37D633B846F1}">
+                <asvg:svgBlip xmlns:asvg="http://schemas.microsoft.com/office/drawing/2016/SVG/main" r:embed="rId12"/>
+              </a:ext>
+            </a:extLst>
+          </a:blip>
+          <a:stretch>
+            <a:fillRect/>
+          </a:stretch>
+        </p:blipFill>
+        <p:spPr>
+          <a:xfrm>
+            <a:off x="8441744" y="4381823"/>
+            <a:ext cx="1517115" cy="1517115"/>
+          </a:xfrm>
+          <a:prstGeom prst="rect">
+            <a:avLst/>
+          </a:prstGeom>
+        </p:spPr>
+      </p:pic>
+      <p:pic>
+        <p:nvPicPr>
+          <p:cNvPr id="18" name="Graphic 17" descr="Bullseye with solid fill">
+            <a:extLst>
+              <a:ext uri="{FF2B5EF4-FFF2-40B4-BE49-F238E27FC236}">
+                <a16:creationId xmlns:a16="http://schemas.microsoft.com/office/drawing/2014/main" id="{8CABDF2D-045E-2793-A532-A6290826D376}"/>
+              </a:ext>
+            </a:extLst>
+          </p:cNvPr>
+          <p:cNvPicPr>
+            <a:picLocks noChangeAspect="1"/>
+          </p:cNvPicPr>
+          <p:nvPr/>
+        </p:nvPicPr>
+        <p:blipFill>
+          <a:blip r:embed="rId13">
+            <a:extLst>
+              <a:ext uri="{28A0092B-C50C-407E-A947-70E740481C1C}">
+                <a14:useLocalDpi xmlns:a14="http://schemas.microsoft.com/office/drawing/2010/main" val="0"/>
+              </a:ext>
+              <a:ext uri="{96DAC541-7B7A-43D3-8B79-37D633B846F1}">
+                <asvg:svgBlip xmlns:asvg="http://schemas.microsoft.com/office/drawing/2016/SVG/main" r:embed="rId14"/>
+              </a:ext>
+            </a:extLst>
+          </a:blip>
+          <a:stretch>
+            <a:fillRect/>
+          </a:stretch>
+        </p:blipFill>
+        <p:spPr>
+          <a:xfrm>
+            <a:off x="8441744" y="1359877"/>
+            <a:ext cx="1517115" cy="1517115"/>
+          </a:xfrm>
+          <a:prstGeom prst="rect">
+            <a:avLst/>
+          </a:prstGeom>
+        </p:spPr>
+      </p:pic>
+    </p:spTree>
+    <p:extLst>
+      <p:ext uri="{BB962C8B-B14F-4D97-AF65-F5344CB8AC3E}">
+        <p14:creationId xmlns:p14="http://schemas.microsoft.com/office/powerpoint/2010/main" val="1797664753"/>
+      </p:ext>
+    </p:extLst>
+  </p:cSld>
+  <p:clrMapOvr>
+    <a:overrideClrMapping bg1="dk1" tx1="lt1" bg2="dk2" tx2="lt2" accent1="accent1" accent2="accent2" accent3="accent3" accent4="accent4" accent5="accent5" accent6="accent6" hlink="hlink" folHlink="folHlink"/>
+  </p:clrMapOvr>
+  <mc:AlternateContent xmlns:mc="http://schemas.openxmlformats.org/markup-compatibility/2006">
+    <mc:Choice xmlns:p159="http://schemas.microsoft.com/office/powerpoint/2015/09/main" Requires="p159">
+      <p:transition xmlns:p14="http://schemas.microsoft.com/office/powerpoint/2010/main" spd="slow" p14:dur="2000">
+        <p159:morph option="byObject"/>
+      </p:transition>
+    </mc:Choice>
+    <mc:Fallback>
+      <p:transition spd="slow">
+        <p:fade/>
+      </p:transition>
+    </mc:Fallback>
+  </mc:AlternateContent>
+</p:sld>
+</file>
+
+<file path=ppt/slides/slide21.xml><?xml version="1.0" encoding="utf-8"?>
+<p:sld xmlns:a="http://schemas.openxmlformats.org/drawingml/2006/main" xmlns:r="http://schemas.openxmlformats.org/officeDocument/2006/relationships" xmlns:p="http://schemas.openxmlformats.org/presentationml/2006/main">
+  <p:cSld>
+    <p:bg>
+      <p:bgPr>
+        <a:solidFill>
+          <a:schemeClr val="bg1"/>
+        </a:solidFill>
+        <a:effectLst/>
+      </p:bgPr>
+    </p:bg>
+    <p:spTree>
+      <p:nvGrpSpPr>
+        <p:cNvPr id="1" name=""/>
+        <p:cNvGrpSpPr/>
+        <p:nvPr/>
+      </p:nvGrpSpPr>
+      <p:grpSpPr>
+        <a:xfrm>
+          <a:off x="0" y="0"/>
+          <a:ext cx="0" cy="0"/>
+          <a:chOff x="0" y="0"/>
+          <a:chExt cx="0" cy="0"/>
+        </a:xfrm>
+      </p:grpSpPr>
+      <p:sp useBgFill="1">
+        <p:nvSpPr>
+          <p:cNvPr id="32" name="Rectangle 31">
+            <a:extLst>
+              <a:ext uri="{FF2B5EF4-FFF2-40B4-BE49-F238E27FC236}">
+                <a16:creationId xmlns:a16="http://schemas.microsoft.com/office/drawing/2014/main" id="{1B15ED52-F352-441B-82BF-E0EA34836D08}"/>
+              </a:ext>
+              <a:ext uri="{C183D7F6-B498-43B3-948B-1728B52AA6E4}">
+                <adec:decorative xmlns:adec="http://schemas.microsoft.com/office/drawing/2017/decorative" val="1"/>
+              </a:ext>
+            </a:extLst>
+          </p:cNvPr>
+          <p:cNvSpPr>
+            <a:spLocks noGrp="1" noRot="1" noChangeAspect="1" noMove="1" noResize="1" noEditPoints="1" noAdjustHandles="1" noChangeArrowheads="1" noChangeShapeType="1" noTextEdit="1"/>
+          </p:cNvSpPr>
+          <p:nvPr>
+            <p:extLst>
+              <p:ext uri="{386F3935-93C4-4BCD-93E2-E3B085C9AB24}">
+                <p16:designElem xmlns:p16="http://schemas.microsoft.com/office/powerpoint/2015/main" val="1"/>
+              </p:ext>
+            </p:extLst>
+          </p:nvPr>
+        </p:nvSpPr>
+        <p:spPr>
+          <a:xfrm>
+            <a:off x="0" y="0"/>
+            <a:ext cx="12192000" cy="6858000"/>
+          </a:xfrm>
+          <a:prstGeom prst="rect">
+            <a:avLst/>
+          </a:prstGeom>
+          <a:ln w="12700" cap="flat" cmpd="sng" algn="ctr">
+            <a:noFill/>
+            <a:prstDash val="solid"/>
+            <a:miter lim="800000"/>
+          </a:ln>
+          <a:effectLst/>
+          <a:extLst>
+            <a:ext uri="{91240B29-F687-4F45-9708-019B960494DF}">
+              <a14:hiddenLine xmlns:a14="http://schemas.microsoft.com/office/drawing/2010/main" w="12700" cap="flat" cmpd="sng" algn="ctr">
+                <a:solidFill>
+                  <a:schemeClr val="accent1">
+                    <a:shade val="50000"/>
+                  </a:schemeClr>
+                </a:solidFill>
+                <a:prstDash val="solid"/>
+                <a:miter lim="800000"/>
+              </a14:hiddenLine>
+            </a:ext>
+          </a:extLst>
+        </p:spPr>
+        <p:style>
+          <a:lnRef idx="2">
+            <a:schemeClr val="accent1">
+              <a:shade val="50000"/>
+            </a:schemeClr>
+          </a:lnRef>
+          <a:fillRef idx="1">
+            <a:schemeClr val="accent1"/>
+          </a:fillRef>
+          <a:effectRef idx="0">
+            <a:schemeClr val="accent1"/>
+          </a:effectRef>
+          <a:fontRef idx="minor">
+            <a:schemeClr val="lt1"/>
+          </a:fontRef>
+        </p:style>
+        <p:txBody>
+          <a:bodyPr rtlCol="0" anchor="ctr"/>
+          <a:lstStyle/>
+          <a:p>
+            <a:pPr algn="ctr"/>
+            <a:endParaRPr lang="en-US"/>
+          </a:p>
+        </p:txBody>
+      </p:sp>
+      <p:sp>
+        <p:nvSpPr>
+          <p:cNvPr id="34" name="Rectangle 33">
+            <a:extLst>
+              <a:ext uri="{FF2B5EF4-FFF2-40B4-BE49-F238E27FC236}">
+                <a16:creationId xmlns:a16="http://schemas.microsoft.com/office/drawing/2014/main" id="{3B2E3793-BFE6-45A2-9B7B-E18844431C99}"/>
+              </a:ext>
+              <a:ext uri="{C183D7F6-B498-43B3-948B-1728B52AA6E4}">
+                <adec:decorative xmlns:adec="http://schemas.microsoft.com/office/drawing/2017/decorative" val="1"/>
+              </a:ext>
+            </a:extLst>
+          </p:cNvPr>
+          <p:cNvSpPr>
+            <a:spLocks noGrp="1" noRot="1" noChangeAspect="1" noMove="1" noResize="1" noEditPoints="1" noAdjustHandles="1" noChangeArrowheads="1" noChangeShapeType="1" noTextEdit="1"/>
+          </p:cNvSpPr>
+          <p:nvPr>
+            <p:extLst>
+              <p:ext uri="{386F3935-93C4-4BCD-93E2-E3B085C9AB24}">
+                <p16:designElem xmlns:p16="http://schemas.microsoft.com/office/powerpoint/2015/main" val="1"/>
+              </p:ext>
+            </p:extLst>
+          </p:nvPr>
+        </p:nvSpPr>
+        <p:spPr>
+          <a:xfrm flipH="1">
+            <a:off x="-1" y="5266402"/>
+            <a:ext cx="12191998" cy="1590742"/>
+          </a:xfrm>
+          <a:prstGeom prst="rect">
+            <a:avLst/>
+          </a:prstGeom>
+          <a:gradFill>
+            <a:gsLst>
+              <a:gs pos="0">
+                <a:srgbClr val="000000"/>
+              </a:gs>
+              <a:gs pos="100000">
+                <a:schemeClr val="accent1"/>
+              </a:gs>
+            </a:gsLst>
+            <a:lin ang="8400000" scaled="0"/>
+          </a:gradFill>
+          <a:ln>
+            <a:noFill/>
+          </a:ln>
+        </p:spPr>
+        <p:style>
+          <a:lnRef idx="2">
+            <a:schemeClr val="accent1">
+              <a:shade val="50000"/>
+            </a:schemeClr>
+          </a:lnRef>
+          <a:fillRef idx="1">
+            <a:schemeClr val="accent1"/>
+          </a:fillRef>
+          <a:effectRef idx="0">
+            <a:schemeClr val="accent1"/>
+          </a:effectRef>
+          <a:fontRef idx="minor">
+            <a:schemeClr val="lt1"/>
+          </a:fontRef>
+        </p:style>
+        <p:txBody>
+          <a:bodyPr rtlCol="0" anchor="ctr"/>
+          <a:lstStyle/>
+          <a:p>
+            <a:pPr algn="ctr"/>
+            <a:endParaRPr lang="en-US"/>
+          </a:p>
+        </p:txBody>
+      </p:sp>
+      <p:sp>
+        <p:nvSpPr>
+          <p:cNvPr id="36" name="Rectangle 35">
+            <a:extLst>
+              <a:ext uri="{FF2B5EF4-FFF2-40B4-BE49-F238E27FC236}">
+                <a16:creationId xmlns:a16="http://schemas.microsoft.com/office/drawing/2014/main" id="{BC4C4868-CB8F-4AF9-9CDB-8108F2C19B67}"/>
+              </a:ext>
+              <a:ext uri="{C183D7F6-B498-43B3-948B-1728B52AA6E4}">
+                <adec:decorative xmlns:adec="http://schemas.microsoft.com/office/drawing/2017/decorative" val="1"/>
+              </a:ext>
+            </a:extLst>
+          </p:cNvPr>
+          <p:cNvSpPr>
+            <a:spLocks noGrp="1" noRot="1" noChangeAspect="1" noMove="1" noResize="1" noEditPoints="1" noAdjustHandles="1" noChangeArrowheads="1" noChangeShapeType="1" noTextEdit="1"/>
+          </p:cNvSpPr>
+          <p:nvPr>
+            <p:extLst>
+              <p:ext uri="{386F3935-93C4-4BCD-93E2-E3B085C9AB24}">
+                <p16:designElem xmlns:p16="http://schemas.microsoft.com/office/powerpoint/2015/main" val="1"/>
+              </p:ext>
+            </p:extLst>
+          </p:nvPr>
+        </p:nvSpPr>
+        <p:spPr>
+          <a:xfrm flipH="1">
+            <a:off x="-1" y="5270175"/>
+            <a:ext cx="12185331" cy="1590742"/>
+          </a:xfrm>
+          <a:prstGeom prst="rect">
+            <a:avLst/>
+          </a:prstGeom>
+          <a:gradFill>
+            <a:gsLst>
+              <a:gs pos="0">
+                <a:schemeClr val="accent1">
+                  <a:alpha val="0"/>
+                </a:schemeClr>
+              </a:gs>
+              <a:gs pos="100000">
+                <a:schemeClr val="accent1">
+                  <a:lumMod val="50000"/>
+                </a:schemeClr>
+              </a:gs>
+            </a:gsLst>
+            <a:lin ang="10200000" scaled="0"/>
+          </a:gradFill>
+          <a:ln>
+            <a:noFill/>
+          </a:ln>
+        </p:spPr>
+        <p:style>
+          <a:lnRef idx="2">
+            <a:schemeClr val="accent1">
+              <a:shade val="50000"/>
+            </a:schemeClr>
+          </a:lnRef>
+          <a:fillRef idx="1">
+            <a:schemeClr val="accent1"/>
+          </a:fillRef>
+          <a:effectRef idx="0">
+            <a:schemeClr val="accent1"/>
+          </a:effectRef>
+          <a:fontRef idx="minor">
+            <a:schemeClr val="lt1"/>
+          </a:fontRef>
+        </p:style>
+        <p:txBody>
+          <a:bodyPr rtlCol="0" anchor="ctr"/>
+          <a:lstStyle/>
+          <a:p>
+            <a:pPr algn="ctr"/>
+            <a:endParaRPr lang="en-US"/>
+          </a:p>
+        </p:txBody>
+      </p:sp>
+      <p:sp>
+        <p:nvSpPr>
+          <p:cNvPr id="38" name="Rectangle 37">
+            <a:extLst>
+              <a:ext uri="{FF2B5EF4-FFF2-40B4-BE49-F238E27FC236}">
+                <a16:creationId xmlns:a16="http://schemas.microsoft.com/office/drawing/2014/main" id="{375E0459-6403-40CD-989D-56A4407CA12E}"/>
+              </a:ext>
+              <a:ext uri="{C183D7F6-B498-43B3-948B-1728B52AA6E4}">
+                <adec:decorative xmlns:adec="http://schemas.microsoft.com/office/drawing/2017/decorative" val="1"/>
+              </a:ext>
+            </a:extLst>
+          </p:cNvPr>
+          <p:cNvSpPr>
+            <a:spLocks noGrp="1" noRot="1" noChangeAspect="1" noMove="1" noResize="1" noEditPoints="1" noAdjustHandles="1" noChangeArrowheads="1" noChangeShapeType="1" noTextEdit="1"/>
+          </p:cNvSpPr>
+          <p:nvPr>
+            <p:extLst>
+              <p:ext uri="{386F3935-93C4-4BCD-93E2-E3B085C9AB24}">
+                <p16:designElem xmlns:p16="http://schemas.microsoft.com/office/powerpoint/2015/main" val="1"/>
+              </p:ext>
+            </p:extLst>
+          </p:nvPr>
+        </p:nvSpPr>
+        <p:spPr>
+          <a:xfrm flipH="1">
+            <a:off x="8115299" y="5265546"/>
+            <a:ext cx="4076698" cy="1590742"/>
+          </a:xfrm>
+          <a:prstGeom prst="rect">
+            <a:avLst/>
+          </a:prstGeom>
+          <a:gradFill>
+            <a:gsLst>
+              <a:gs pos="0">
+                <a:schemeClr val="accent1">
+                  <a:lumMod val="50000"/>
+                </a:schemeClr>
+              </a:gs>
+              <a:gs pos="100000">
+                <a:schemeClr val="accent1">
+                  <a:alpha val="0"/>
+                </a:schemeClr>
+              </a:gs>
+            </a:gsLst>
+            <a:lin ang="13200000" scaled="0"/>
+          </a:gradFill>
+          <a:ln>
+            <a:noFill/>
+          </a:ln>
+        </p:spPr>
+        <p:style>
+          <a:lnRef idx="2">
+            <a:schemeClr val="accent1">
+              <a:shade val="50000"/>
+            </a:schemeClr>
+          </a:lnRef>
+          <a:fillRef idx="1">
+            <a:schemeClr val="accent1"/>
+          </a:fillRef>
+          <a:effectRef idx="0">
+            <a:schemeClr val="accent1"/>
+          </a:effectRef>
+          <a:fontRef idx="minor">
+            <a:schemeClr val="lt1"/>
+          </a:fontRef>
+        </p:style>
+        <p:txBody>
+          <a:bodyPr rtlCol="0" anchor="ctr"/>
+          <a:lstStyle/>
+          <a:p>
+            <a:pPr algn="ctr"/>
+            <a:endParaRPr lang="en-US"/>
+          </a:p>
+        </p:txBody>
+      </p:sp>
+      <p:sp>
+        <p:nvSpPr>
+          <p:cNvPr id="40" name="Rectangle 39">
+            <a:extLst>
+              <a:ext uri="{FF2B5EF4-FFF2-40B4-BE49-F238E27FC236}">
+                <a16:creationId xmlns:a16="http://schemas.microsoft.com/office/drawing/2014/main" id="{53E5B1A8-3AC9-4BD1-9BBC-78CA94F2D1BA}"/>
+              </a:ext>
+              <a:ext uri="{C183D7F6-B498-43B3-948B-1728B52AA6E4}">
+                <adec:decorative xmlns:adec="http://schemas.microsoft.com/office/drawing/2017/decorative" val="1"/>
+              </a:ext>
+            </a:extLst>
+          </p:cNvPr>
+          <p:cNvSpPr>
+            <a:spLocks noGrp="1" noRot="1" noChangeAspect="1" noMove="1" noResize="1" noEditPoints="1" noAdjustHandles="1" noChangeArrowheads="1" noChangeShapeType="1" noTextEdit="1"/>
+          </p:cNvSpPr>
+          <p:nvPr>
+            <p:extLst>
+              <p:ext uri="{386F3935-93C4-4BCD-93E2-E3B085C9AB24}">
+                <p16:designElem xmlns:p16="http://schemas.microsoft.com/office/powerpoint/2015/main" val="1"/>
+              </p:ext>
+            </p:extLst>
+          </p:nvPr>
+        </p:nvSpPr>
+        <p:spPr>
+          <a:xfrm rot="10800000">
+            <a:off x="-13335" y="5263483"/>
+            <a:ext cx="12192000" cy="1597433"/>
+          </a:xfrm>
+          <a:prstGeom prst="rect">
+            <a:avLst/>
+          </a:prstGeom>
+          <a:gradFill>
+            <a:gsLst>
+              <a:gs pos="0">
+                <a:srgbClr val="000000">
+                  <a:alpha val="0"/>
+                </a:srgbClr>
+              </a:gs>
+              <a:gs pos="99000">
+                <a:schemeClr val="accent1">
+                  <a:lumMod val="50000"/>
+                  <a:alpha val="55000"/>
+                </a:schemeClr>
+              </a:gs>
+            </a:gsLst>
+            <a:lin ang="16800000" scaled="0"/>
+          </a:gradFill>
+          <a:ln>
+            <a:noFill/>
+          </a:ln>
+        </p:spPr>
+        <p:style>
+          <a:lnRef idx="2">
+            <a:schemeClr val="accent1">
+              <a:shade val="50000"/>
+            </a:schemeClr>
+          </a:lnRef>
+          <a:fillRef idx="1">
+            <a:schemeClr val="accent1"/>
+          </a:fillRef>
+          <a:effectRef idx="0">
+            <a:schemeClr val="accent1"/>
+          </a:effectRef>
+          <a:fontRef idx="minor">
+            <a:schemeClr val="lt1"/>
+          </a:fontRef>
+        </p:style>
+        <p:txBody>
+          <a:bodyPr rtlCol="0" anchor="ctr"/>
+          <a:lstStyle/>
+          <a:p>
+            <a:pPr algn="ctr"/>
+            <a:endParaRPr lang="en-US"/>
+          </a:p>
+        </p:txBody>
+      </p:sp>
+      <p:sp>
+        <p:nvSpPr>
+          <p:cNvPr id="2" name="Title 1">
+            <a:extLst>
+              <a:ext uri="{FF2B5EF4-FFF2-40B4-BE49-F238E27FC236}">
+                <a16:creationId xmlns:a16="http://schemas.microsoft.com/office/drawing/2014/main" id="{41F0D5D0-E8B4-620B-B52A-55752B368F51}"/>
+              </a:ext>
+            </a:extLst>
+          </p:cNvPr>
+          <p:cNvSpPr>
+            <a:spLocks noGrp="1"/>
+          </p:cNvSpPr>
+          <p:nvPr>
+            <p:ph type="title"/>
+          </p:nvPr>
+        </p:nvSpPr>
+        <p:spPr>
+          <a:xfrm>
+            <a:off x="1371599" y="5510253"/>
+            <a:ext cx="9895951" cy="1033669"/>
+          </a:xfrm>
+        </p:spPr>
+        <p:txBody>
+          <a:bodyPr>
+            <a:normAutofit/>
+          </a:bodyPr>
+          <a:lstStyle/>
+          <a:p>
+            <a:r>
+              <a:rPr lang="nl-NL" sz="4000">
+                <a:solidFill>
+                  <a:srgbClr val="FFFFFF"/>
+                </a:solidFill>
+              </a:rPr>
+              <a:t>References</a:t>
+            </a:r>
+          </a:p>
+        </p:txBody>
+      </p:sp>
+      <p:pic>
+        <p:nvPicPr>
+          <p:cNvPr id="5" name="Content Placeholder 4">
+            <a:extLst>
+              <a:ext uri="{FF2B5EF4-FFF2-40B4-BE49-F238E27FC236}">
+                <a16:creationId xmlns:a16="http://schemas.microsoft.com/office/drawing/2014/main" id="{F051479D-0039-57FD-39C4-333996FC3311}"/>
+              </a:ext>
+            </a:extLst>
+          </p:cNvPr>
+          <p:cNvPicPr>
+            <a:picLocks noChangeAspect="1"/>
+          </p:cNvPicPr>
+          <p:nvPr/>
+        </p:nvPicPr>
+        <p:blipFill>
+          <a:blip r:embed="rId2"/>
+          <a:stretch>
+            <a:fillRect/>
+          </a:stretch>
+        </p:blipFill>
+        <p:spPr>
+          <a:xfrm>
+            <a:off x="755611" y="774744"/>
+            <a:ext cx="10862882" cy="4182209"/>
+          </a:xfrm>
+          <a:prstGeom prst="rect">
+            <a:avLst/>
+          </a:prstGeom>
+        </p:spPr>
+      </p:pic>
+    </p:spTree>
+    <p:extLst>
+      <p:ext uri="{BB962C8B-B14F-4D97-AF65-F5344CB8AC3E}">
+        <p14:creationId xmlns:p14="http://schemas.microsoft.com/office/powerpoint/2010/main" val="2934387657"/>
+      </p:ext>
+    </p:extLst>
+  </p:cSld>
+  <p:clrMapOvr>
+    <a:masterClrMapping/>
+  </p:clrMapOvr>
+  <p:transition spd="slow">
+    <p:push dir="u"/>
+  </p:transition>
 </p:sld>
 </file>
 
@@ -10211,7 +17393,16 @@
           <a:lstStyle/>
           <a:p>
             <a:pPr algn="l"/>
-            <a:endParaRPr lang="nl-NL"/>
+            <a:r>
+              <a:rPr lang="nl-NL" dirty="0">
+                <a:solidFill>
+                  <a:schemeClr val="bg2">
+                    <a:lumMod val="50000"/>
+                  </a:schemeClr>
+                </a:solidFill>
+              </a:rPr>
+              <a:t>Maximum infiltration and extraction rate, soil compaction and dispersivity</a:t>
+            </a:r>
           </a:p>
         </p:txBody>
       </p:sp>
@@ -10225,6 +17416,18 @@
   <p:clrMapOvr>
     <a:masterClrMapping/>
   </p:clrMapOvr>
+  <mc:AlternateContent xmlns:mc="http://schemas.openxmlformats.org/markup-compatibility/2006">
+    <mc:Choice xmlns:p159="http://schemas.microsoft.com/office/powerpoint/2015/09/main" Requires="p159">
+      <p:transition xmlns:p14="http://schemas.microsoft.com/office/powerpoint/2010/main" spd="slow" p14:dur="2000">
+        <p159:morph option="byObject"/>
+      </p:transition>
+    </mc:Choice>
+    <mc:Fallback>
+      <p:transition spd="slow">
+        <p:fade/>
+      </p:transition>
+    </mc:Fallback>
+  </mc:AlternateContent>
   <p:timing>
     <p:tnLst>
       <p:par>
@@ -10908,6 +18111,18 @@
   <p:clrMapOvr>
     <a:masterClrMapping/>
   </p:clrMapOvr>
+  <mc:AlternateContent xmlns:mc="http://schemas.openxmlformats.org/markup-compatibility/2006">
+    <mc:Choice xmlns:p159="http://schemas.microsoft.com/office/powerpoint/2015/09/main" Requires="p159">
+      <p:transition xmlns:p14="http://schemas.microsoft.com/office/powerpoint/2010/main" spd="slow" p14:dur="2000">
+        <p159:morph option="byObject"/>
+      </p:transition>
+    </mc:Choice>
+    <mc:Fallback>
+      <p:transition spd="slow">
+        <p:fade/>
+      </p:transition>
+    </mc:Fallback>
+  </mc:AlternateContent>
 </p:sld>
 </file>
 
@@ -11592,8 +18807,8 @@
           </a:p>
         </p:txBody>
       </p:sp>
-      <mc:AlternateContent xmlns:mc="http://schemas.openxmlformats.org/markup-compatibility/2006">
-        <mc:Choice xmlns:a14="http://schemas.microsoft.com/office/drawing/2010/main" Requires="a14">
+      <mc:AlternateContent xmlns:mc="http://schemas.openxmlformats.org/markup-compatibility/2006" xmlns:a14="http://schemas.microsoft.com/office/drawing/2010/main">
+        <mc:Choice Requires="a14">
           <p:sp>
             <p:nvSpPr>
               <p:cNvPr id="15" name="TextBox 14">
@@ -11876,7 +19091,7 @@
             </p:txBody>
           </p:sp>
         </mc:Choice>
-        <mc:Fallback>
+        <mc:Fallback xmlns="">
           <p:sp>
             <p:nvSpPr>
               <p:cNvPr id="15" name="TextBox 14">
@@ -11900,7 +19115,7 @@
                 <a:avLst/>
               </a:prstGeom>
               <a:blipFill>
-                <a:blip r:embed="rId2"/>
+                <a:blip r:embed="rId3"/>
                 <a:stretch>
                   <a:fillRect/>
                 </a:stretch>
@@ -11956,7 +19171,7 @@
             <p:nvPr/>
           </p:nvPicPr>
           <p:blipFill rotWithShape="1">
-            <a:blip r:embed="rId3"/>
+            <a:blip r:embed="rId4"/>
             <a:srcRect l="4632" b="50000"/>
             <a:stretch/>
           </p:blipFill>
@@ -12005,7 +19220,7 @@
               </a:r>
               <a:r>
                 <a:rPr lang="nl-NL" sz="1000" dirty="0">
-                  <a:hlinkClick r:id="rId4"/>
+                  <a:hlinkClick r:id="rId5"/>
                 </a:rPr>
                 <a:t>https://library.kwrwater.nl/publication/61802381/</a:t>
               </a:r>
@@ -12131,6 +19346,18 @@
   <p:clrMapOvr>
     <a:masterClrMapping/>
   </p:clrMapOvr>
+  <mc:AlternateContent xmlns:mc="http://schemas.openxmlformats.org/markup-compatibility/2006">
+    <mc:Choice xmlns:p159="http://schemas.microsoft.com/office/powerpoint/2015/09/main" Requires="p159">
+      <p:transition xmlns:p14="http://schemas.microsoft.com/office/powerpoint/2010/main" spd="slow" p14:dur="2000">
+        <p159:morph option="byObject"/>
+      </p:transition>
+    </mc:Choice>
+    <mc:Fallback>
+      <p:transition spd="slow">
+        <p:fade/>
+      </p:transition>
+    </mc:Fallback>
+  </mc:AlternateContent>
 </p:sld>
 </file>
 
@@ -12505,8 +19732,8 @@
           </a:p>
         </p:txBody>
       </p:sp>
-      <mc:AlternateContent xmlns:mc="http://schemas.openxmlformats.org/markup-compatibility/2006">
-        <mc:Choice xmlns:a14="http://schemas.microsoft.com/office/drawing/2010/main" Requires="a14">
+      <mc:AlternateContent xmlns:mc="http://schemas.openxmlformats.org/markup-compatibility/2006" xmlns:a14="http://schemas.microsoft.com/office/drawing/2010/main">
+        <mc:Choice Requires="a14">
           <p:sp>
             <p:nvSpPr>
               <p:cNvPr id="3" name="Content Placeholder 3">
@@ -13059,7 +20286,7 @@
             </p:txBody>
           </p:sp>
         </mc:Choice>
-        <mc:Fallback>
+        <mc:Fallback xmlns="">
           <p:sp>
             <p:nvSpPr>
               <p:cNvPr id="3" name="Content Placeholder 3">
@@ -13114,6 +20341,18 @@
   <p:clrMapOvr>
     <a:masterClrMapping/>
   </p:clrMapOvr>
+  <mc:AlternateContent xmlns:mc="http://schemas.openxmlformats.org/markup-compatibility/2006">
+    <mc:Choice xmlns:p159="http://schemas.microsoft.com/office/powerpoint/2015/09/main" Requires="p159">
+      <p:transition xmlns:p14="http://schemas.microsoft.com/office/powerpoint/2010/main" spd="slow" p14:dur="2000">
+        <p159:morph option="byObject"/>
+      </p:transition>
+    </mc:Choice>
+    <mc:Fallback>
+      <p:transition spd="slow">
+        <p:fade/>
+      </p:transition>
+    </mc:Fallback>
+  </mc:AlternateContent>
 </p:sld>
 </file>
 
@@ -13488,8 +20727,8 @@
           </a:p>
         </p:txBody>
       </p:sp>
-      <mc:AlternateContent xmlns:mc="http://schemas.openxmlformats.org/markup-compatibility/2006">
-        <mc:Choice xmlns:a14="http://schemas.microsoft.com/office/drawing/2010/main" Requires="a14">
+      <mc:AlternateContent xmlns:mc="http://schemas.openxmlformats.org/markup-compatibility/2006" xmlns:a14="http://schemas.microsoft.com/office/drawing/2010/main">
+        <mc:Choice Requires="a14">
           <p:sp>
             <p:nvSpPr>
               <p:cNvPr id="3" name="Content Placeholder 3">
@@ -14313,7 +21552,7 @@
             </p:txBody>
           </p:sp>
         </mc:Choice>
-        <mc:Fallback>
+        <mc:Fallback xmlns="">
           <p:sp>
             <p:nvSpPr>
               <p:cNvPr id="3" name="Content Placeholder 3">
@@ -14415,6 +21654,18 @@
   <p:clrMapOvr>
     <a:masterClrMapping/>
   </p:clrMapOvr>
+  <mc:AlternateContent xmlns:mc="http://schemas.openxmlformats.org/markup-compatibility/2006">
+    <mc:Choice xmlns:p159="http://schemas.microsoft.com/office/powerpoint/2015/09/main" Requires="p159">
+      <p:transition xmlns:p14="http://schemas.microsoft.com/office/powerpoint/2010/main" spd="slow" p14:dur="2000">
+        <p159:morph option="byObject"/>
+      </p:transition>
+    </mc:Choice>
+    <mc:Fallback>
+      <p:transition spd="slow">
+        <p:fade/>
+      </p:transition>
+    </mc:Fallback>
+  </mc:AlternateContent>
   <p:timing>
     <p:tnLst>
       <p:par>
@@ -14924,14 +22175,14 @@
   <p:clrMapOvr>
     <a:masterClrMapping/>
   </p:clrMapOvr>
-  <mc:AlternateContent xmlns:mc="http://schemas.openxmlformats.org/markup-compatibility/2006" xmlns:p14="http://schemas.microsoft.com/office/powerpoint/2010/main">
-    <mc:Choice Requires="p14">
-      <p:transition spd="med" p14:dur="700">
-        <p:fade/>
+  <mc:AlternateContent xmlns:mc="http://schemas.openxmlformats.org/markup-compatibility/2006">
+    <mc:Choice xmlns:p159="http://schemas.microsoft.com/office/powerpoint/2015/09/main" Requires="p159">
+      <p:transition xmlns:p14="http://schemas.microsoft.com/office/powerpoint/2010/main" spd="slow" p14:dur="2000">
+        <p159:morph option="byObject"/>
       </p:transition>
     </mc:Choice>
-    <mc:Fallback xmlns="">
-      <p:transition spd="med" advClick="true">
+    <mc:Fallback>
+      <p:transition spd="slow">
         <p:fade/>
       </p:transition>
     </mc:Fallback>
@@ -15919,14 +23170,14 @@
   <p:clrMapOvr>
     <a:masterClrMapping/>
   </p:clrMapOvr>
-  <mc:AlternateContent xmlns:mc="http://schemas.openxmlformats.org/markup-compatibility/2006" xmlns:p14="http://schemas.microsoft.com/office/powerpoint/2010/main">
-    <mc:Choice Requires="p14">
-      <p:transition spd="med" p14:dur="700">
-        <p:fade/>
+  <mc:AlternateContent xmlns:mc="http://schemas.openxmlformats.org/markup-compatibility/2006">
+    <mc:Choice xmlns:p159="http://schemas.microsoft.com/office/powerpoint/2015/09/main" Requires="p159">
+      <p:transition xmlns:p14="http://schemas.microsoft.com/office/powerpoint/2010/main" spd="slow" p14:dur="2000">
+        <p159:morph option="byObject"/>
       </p:transition>
     </mc:Choice>
-    <mc:Fallback xmlns="">
-      <p:transition spd="med" advClick="true">
+    <mc:Fallback>
+      <p:transition spd="slow">
         <p:fade/>
       </p:transition>
     </mc:Fallback>
